--- a/doc/设计模式.pptx
+++ b/doc/设计模式.pptx
@@ -11192,18 +11192,7 @@
                   <a:ea typeface="+mj-ea"/>
                   <a:sym typeface="Calibri" panose="020F0502020204030204" pitchFamily="34" charset="0"/>
                 </a:rPr>
-                <a:t>订阅者</a:t>
-              </a:r>
-              <a:r>
-                <a:rPr lang="zh-CN" altLang="en-US" sz="3200">
-                  <a:solidFill>
-                    <a:schemeClr val="bg1"/>
-                  </a:solidFill>
-                  <a:latin typeface="+mj-ea"/>
-                  <a:ea typeface="+mj-ea"/>
-                  <a:sym typeface="Calibri" panose="020F0502020204030204" pitchFamily="34" charset="0"/>
-                </a:rPr>
-                <a:t>模式</a:t>
+                <a:t>订阅者模式</a:t>
               </a:r>
               <a:endParaRPr lang="zh-CN" altLang="en-US" sz="3200">
                 <a:solidFill>
@@ -11507,15 +11496,7 @@
                   <a:schemeClr val="bg1"/>
                 </a:solidFill>
               </a:rPr>
-              <a:t>流程分析</a:t>
-            </a:r>
-            <a:r>
-              <a:rPr lang="zh-CN" altLang="en-US" sz="1800">
-                <a:solidFill>
-                  <a:schemeClr val="bg1"/>
-                </a:solidFill>
-              </a:rPr>
-              <a:t> </a:t>
+              <a:t>流程分析 </a:t>
             </a:r>
             <a:r>
               <a:rPr lang="en-US" altLang="zh-CN" sz="1800">
@@ -13260,18 +13241,7 @@
                   <a:ea typeface="+mj-ea"/>
                   <a:sym typeface="Calibri" panose="020F0502020204030204" pitchFamily="34" charset="0"/>
                 </a:rPr>
-                <a:t>为什么要用设计模式</a:t>
-              </a:r>
-              <a:r>
-                <a:rPr lang="zh-CN" altLang="en-US" sz="2000">
-                  <a:solidFill>
-                    <a:schemeClr val="accent1"/>
-                  </a:solidFill>
-                  <a:latin typeface="+mj-ea"/>
-                  <a:ea typeface="+mj-ea"/>
-                  <a:sym typeface="Calibri" panose="020F0502020204030204" pitchFamily="34" charset="0"/>
-                </a:rPr>
-                <a:t>？</a:t>
+                <a:t>为什么要用设计模式？</a:t>
               </a:r>
               <a:endParaRPr lang="zh-CN" altLang="en-US" sz="2000">
                 <a:solidFill>
@@ -15351,18 +15321,7 @@
                   </a:schemeClr>
                 </a:solidFill>
               </a:rPr>
-              <a:t>不能做一根绳子上的蚂蚱，货比三家，</a:t>
-            </a:r>
-            <a:r>
-              <a:rPr lang="zh-CN" altLang="en-US" sz="1050">
-                <a:solidFill>
-                  <a:schemeClr val="tx1">
-                    <a:lumMod val="75000"/>
-                    <a:lumOff val="25000"/>
-                  </a:schemeClr>
-                </a:solidFill>
-              </a:rPr>
-              <a:t>去多家售楼处订阅消息。</a:t>
+              <a:t>不能做一根绳子上的蚂蚱，货比三家，去多家售楼处订阅消息。</a:t>
             </a:r>
             <a:r>
               <a:rPr lang="en-US" altLang="zh-CN" sz="1050">
@@ -15582,18 +15541,7 @@
                   </a:schemeClr>
                 </a:solidFill>
               </a:rPr>
-              <a:t>到处跑售楼处不高效，还是找中介吧（发布者与订阅者之间实现透明</a:t>
-            </a:r>
-            <a:r>
-              <a:rPr lang="zh-CN" altLang="en-US" sz="1050">
-                <a:solidFill>
-                  <a:schemeClr val="tx1">
-                    <a:lumMod val="75000"/>
-                    <a:lumOff val="25000"/>
-                  </a:schemeClr>
-                </a:solidFill>
-              </a:rPr>
-              <a:t>）</a:t>
+              <a:t>到处跑售楼处不高效，还是找中介吧（发布者与订阅者之间实现透明）</a:t>
             </a:r>
             <a:endParaRPr lang="zh-CN" altLang="en-US" sz="1050">
               <a:solidFill>
@@ -16535,16 +16483,7 @@
                   </a:solidFill>
                   <a:latin typeface="微软雅黑" panose="020B0503020204020204" pitchFamily="34" charset="-122"/>
                 </a:rPr>
-                <a:t>优缺</a:t>
-              </a:r>
-              <a:r>
-                <a:rPr lang="zh-CN" altLang="en-US" sz="2800">
-                  <a:solidFill>
-                    <a:schemeClr val="accent1"/>
-                  </a:solidFill>
-                  <a:latin typeface="微软雅黑" panose="020B0503020204020204" pitchFamily="34" charset="-122"/>
-                </a:rPr>
-                <a:t>点</a:t>
+                <a:t>优缺点</a:t>
               </a:r>
               <a:endParaRPr lang="zh-CN" altLang="en-US" sz="2800">
                 <a:solidFill>
@@ -17480,10 +17419,10 @@
         </p:nvGrpSpPr>
         <p:grpSpPr>
           <a:xfrm>
-            <a:off x="1065530" y="1497330"/>
-            <a:ext cx="7088301" cy="2980690"/>
-            <a:chOff x="4093" y="2752"/>
-            <a:chExt cx="8425" cy="4694"/>
+            <a:off x="454025" y="1159977"/>
+            <a:ext cx="7748449" cy="2772992"/>
+            <a:chOff x="4093" y="2789"/>
+            <a:chExt cx="8478" cy="3892"/>
           </a:xfrm>
         </p:grpSpPr>
         <p:grpSp>
@@ -17494,10 +17433,10 @@
           </p:nvGrpSpPr>
           <p:grpSpPr>
             <a:xfrm>
-              <a:off x="4093" y="2752"/>
-              <a:ext cx="3677" cy="1169"/>
-              <a:chOff x="4093" y="2752"/>
-              <a:chExt cx="3677" cy="1169"/>
+              <a:off x="4093" y="2789"/>
+              <a:ext cx="2122" cy="1681"/>
+              <a:chOff x="4093" y="2789"/>
+              <a:chExt cx="2122" cy="1681"/>
             </a:xfrm>
           </p:grpSpPr>
           <p:sp>
@@ -17510,8 +17449,8 @@
             </p:nvSpPr>
             <p:spPr bwMode="auto">
               <a:xfrm>
-                <a:off x="4093" y="2752"/>
-                <a:ext cx="1987" cy="434"/>
+                <a:off x="4093" y="2789"/>
+                <a:ext cx="1987" cy="387"/>
               </a:xfrm>
               <a:prstGeom prst="rect">
                 <a:avLst/>
@@ -17668,7 +17607,7 @@
                     <a:latin typeface="+mj-lt"/>
                     <a:ea typeface="微软雅黑" panose="020B0503020204020204" pitchFamily="34" charset="-122"/>
                   </a:rPr>
-                  <a:t>点击添加标题</a:t>
+                  <a:t>单一职责原则</a:t>
                 </a:r>
                 <a:endParaRPr lang="zh-CN" altLang="en-US" sz="1200">
                   <a:solidFill>
@@ -17689,7 +17628,7 @@
             <p:spPr>
               <a:xfrm>
                 <a:off x="4093" y="3176"/>
-                <a:ext cx="3677" cy="745"/>
+                <a:ext cx="2122" cy="1294"/>
               </a:xfrm>
               <a:prstGeom prst="rect">
                 <a:avLst/>
@@ -17715,7 +17654,27 @@
                     <a:ea typeface="宋体" panose="02010600030101010101" pitchFamily="2" charset="-122"/>
                     <a:cs typeface="Arial" panose="020B0604020202020204" pitchFamily="34" charset="0"/>
                   </a:rPr>
-                  <a:t>找出应用中可能需要变化之处，把他们独立出来，不要和那些不需要变化的代码混在一起。</a:t>
+                  <a:t>不要存在多于一个导致类变更的原因。（在方法里各种 </a:t>
+                </a:r>
+                <a:r>
+                  <a:rPr lang="en-US" altLang="zh-CN" sz="1200" kern="0">
+                    <a:solidFill>
+                      <a:srgbClr val="4A5D50"/>
+                    </a:solidFill>
+                    <a:ea typeface="宋体" panose="02010600030101010101" pitchFamily="2" charset="-122"/>
+                    <a:cs typeface="Arial" panose="020B0604020202020204" pitchFamily="34" charset="0"/>
+                  </a:rPr>
+                  <a:t>if else</a:t>
+                </a:r>
+                <a:r>
+                  <a:rPr lang="zh-CN" altLang="en-US" sz="1200" kern="0">
+                    <a:solidFill>
+                      <a:srgbClr val="4A5D50"/>
+                    </a:solidFill>
+                    <a:ea typeface="宋体" panose="02010600030101010101" pitchFamily="2" charset="-122"/>
+                    <a:cs typeface="Arial" panose="020B0604020202020204" pitchFamily="34" charset="0"/>
+                  </a:rPr>
+                  <a:t>）</a:t>
                 </a:r>
                 <a:endParaRPr lang="zh-CN" altLang="en-US" sz="1200" kern="0">
                   <a:solidFill>
@@ -17738,8 +17697,8 @@
           </p:nvSpPr>
           <p:spPr bwMode="auto">
             <a:xfrm>
-              <a:off x="8904" y="2752"/>
-              <a:ext cx="1987" cy="434"/>
+              <a:off x="6550" y="2789"/>
+              <a:ext cx="1987" cy="387"/>
             </a:xfrm>
             <a:prstGeom prst="rect">
               <a:avLst/>
@@ -17896,7 +17855,7 @@
                   <a:latin typeface="+mj-lt"/>
                   <a:ea typeface="微软雅黑" panose="020B0503020204020204" pitchFamily="34" charset="-122"/>
                 </a:rPr>
-                <a:t>点击添加标题</a:t>
+                <a:t>里氏替换原则</a:t>
               </a:r>
               <a:endParaRPr lang="zh-CN" altLang="en-US" sz="1200">
                 <a:solidFill>
@@ -17916,8 +17875,8 @@
           </p:nvSpPr>
           <p:spPr>
             <a:xfrm>
-              <a:off x="8904" y="3176"/>
-              <a:ext cx="3614" cy="580"/>
+              <a:off x="6550" y="3176"/>
+              <a:ext cx="2804" cy="906"/>
             </a:xfrm>
             <a:prstGeom prst="rect">
               <a:avLst/>
@@ -17943,9 +17902,39 @@
                   <a:ea typeface="宋体" panose="02010600030101010101" pitchFamily="2" charset="-122"/>
                   <a:cs typeface="Arial" panose="020B0604020202020204" pitchFamily="34" charset="0"/>
                 </a:rPr>
-                <a:t>针对接口编程而不是针对实现编程</a:t>
+                <a:t>子类可以扩展父类的功能，但不能改变父类原有的功能。</a:t>
               </a:r>
-              <a:endParaRPr lang="zh-CN" altLang="en-US" sz="1200" kern="0">
+              <a:r>
+                <a:rPr lang="en-US" altLang="zh-CN" sz="1200" kern="0">
+                  <a:solidFill>
+                    <a:srgbClr val="4A5D50"/>
+                  </a:solidFill>
+                  <a:ea typeface="宋体" panose="02010600030101010101" pitchFamily="2" charset="-122"/>
+                  <a:cs typeface="Arial" panose="020B0604020202020204" pitchFamily="34" charset="0"/>
+                </a:rPr>
+                <a:t>(</a:t>
+              </a:r>
+              <a:r>
+                <a:rPr lang="zh-CN" altLang="en-US" sz="1200" kern="0">
+                  <a:solidFill>
+                    <a:srgbClr val="4A5D50"/>
+                  </a:solidFill>
+                  <a:ea typeface="宋体" panose="02010600030101010101" pitchFamily="2" charset="-122"/>
+                  <a:cs typeface="Arial" panose="020B0604020202020204" pitchFamily="34" charset="0"/>
+                </a:rPr>
+                <a:t>教训爸爸呀</a:t>
+              </a:r>
+              <a:r>
+                <a:rPr lang="en-US" altLang="zh-CN" sz="1200" kern="0">
+                  <a:solidFill>
+                    <a:srgbClr val="4A5D50"/>
+                  </a:solidFill>
+                  <a:ea typeface="宋体" panose="02010600030101010101" pitchFamily="2" charset="-122"/>
+                  <a:cs typeface="Arial" panose="020B0604020202020204" pitchFamily="34" charset="0"/>
+                </a:rPr>
+                <a:t>)</a:t>
+              </a:r>
+              <a:endParaRPr lang="en-US" altLang="zh-CN" sz="1200" kern="0">
                 <a:solidFill>
                   <a:srgbClr val="4A5D50"/>
                 </a:solidFill>
@@ -17965,8 +17954,8 @@
           </p:nvSpPr>
           <p:spPr bwMode="auto">
             <a:xfrm>
-              <a:off x="4093" y="5570"/>
-              <a:ext cx="1987" cy="434"/>
+              <a:off x="4160" y="4859"/>
+              <a:ext cx="1987" cy="387"/>
             </a:xfrm>
             <a:prstGeom prst="rect">
               <a:avLst/>
@@ -18123,7 +18112,7 @@
                   <a:latin typeface="+mj-lt"/>
                   <a:ea typeface="微软雅黑" panose="020B0503020204020204" pitchFamily="34" charset="-122"/>
                 </a:rPr>
-                <a:t>点击添加标题</a:t>
+                <a:t>接口隔离原则</a:t>
               </a:r>
               <a:endParaRPr lang="zh-CN" altLang="en-US" sz="1200">
                 <a:solidFill>
@@ -18143,8 +18132,8 @@
           </p:nvSpPr>
           <p:spPr>
             <a:xfrm>
-              <a:off x="4093" y="5994"/>
-              <a:ext cx="3677" cy="580"/>
+              <a:off x="4160" y="5387"/>
+              <a:ext cx="2122" cy="1294"/>
             </a:xfrm>
             <a:prstGeom prst="rect">
               <a:avLst/>
@@ -18170,7 +18159,37 @@
                   <a:ea typeface="宋体" panose="02010600030101010101" pitchFamily="2" charset="-122"/>
                   <a:cs typeface="Arial" panose="020B0604020202020204" pitchFamily="34" charset="0"/>
                 </a:rPr>
-                <a:t>多用组合，少用继承</a:t>
+                <a:t>客户端不应该被强迫地依赖那些根本用不上的方法。（拆方法</a:t>
+              </a:r>
+              <a:r>
+                <a:rPr lang="zh-CN" altLang="en-US" sz="1200" kern="0">
+                  <a:solidFill>
+                    <a:srgbClr val="4A5D50"/>
+                  </a:solidFill>
+                  <a:ea typeface="宋体" panose="02010600030101010101" pitchFamily="2" charset="-122"/>
+                  <a:cs typeface="Arial" panose="020B0604020202020204" pitchFamily="34" charset="0"/>
+                </a:rPr>
+                <a:t>，</a:t>
+              </a:r>
+              <a:r>
+                <a:rPr lang="zh-CN" altLang="en-US" sz="1200" kern="0">
+                  <a:solidFill>
+                    <a:srgbClr val="4A5D50"/>
+                  </a:solidFill>
+                  <a:ea typeface="宋体" panose="02010600030101010101" pitchFamily="2" charset="-122"/>
+                  <a:cs typeface="Arial" panose="020B0604020202020204" pitchFamily="34" charset="0"/>
+                </a:rPr>
+                <a:t>多用组合</a:t>
+              </a:r>
+              <a:r>
+                <a:rPr lang="zh-CN" altLang="en-US" sz="1200" kern="0">
+                  <a:solidFill>
+                    <a:srgbClr val="4A5D50"/>
+                  </a:solidFill>
+                  <a:ea typeface="宋体" panose="02010600030101010101" pitchFamily="2" charset="-122"/>
+                  <a:cs typeface="Arial" panose="020B0604020202020204" pitchFamily="34" charset="0"/>
+                </a:rPr>
+                <a:t>）</a:t>
               </a:r>
               <a:endParaRPr lang="zh-CN" altLang="en-US" sz="1200" kern="0">
                 <a:solidFill>
@@ -18192,8 +18211,8 @@
           </p:nvSpPr>
           <p:spPr bwMode="auto">
             <a:xfrm>
-              <a:off x="8904" y="5570"/>
-              <a:ext cx="1987" cy="434"/>
+              <a:off x="9563" y="2789"/>
+              <a:ext cx="1987" cy="387"/>
             </a:xfrm>
             <a:prstGeom prst="rect">
               <a:avLst/>
@@ -18350,7 +18369,7 @@
                   <a:latin typeface="+mj-lt"/>
                   <a:ea typeface="微软雅黑" panose="020B0503020204020204" pitchFamily="34" charset="-122"/>
                 </a:rPr>
-                <a:t>点击添加标题</a:t>
+                <a:t>依赖倒置原则</a:t>
               </a:r>
               <a:endParaRPr lang="zh-CN" altLang="en-US" sz="1200">
                 <a:solidFill>
@@ -18370,8 +18389,8 @@
           </p:nvSpPr>
           <p:spPr>
             <a:xfrm>
-              <a:off x="8904" y="5994"/>
-              <a:ext cx="3613" cy="1452"/>
+              <a:off x="9563" y="3124"/>
+              <a:ext cx="3008" cy="1294"/>
             </a:xfrm>
             <a:prstGeom prst="rect">
               <a:avLst/>
@@ -18397,9 +18416,29 @@
                   <a:ea typeface="宋体" panose="02010600030101010101" pitchFamily="2" charset="-122"/>
                   <a:cs typeface="Arial" panose="020B0604020202020204" pitchFamily="34" charset="0"/>
                 </a:rPr>
-                <a:t>Lorem ipsum dolor sit amet, consectetuer adipiscing elit. Aenean commodo ligula eget dolor. Aenean massa. </a:t>
+                <a:t>高层模块不应该依赖低层模块，二者都应该依赖其抽象；抽象不应该依赖细节；细节应该依赖抽象</a:t>
               </a:r>
-              <a:endParaRPr lang="en-US" altLang="zh-CN" sz="1200" kern="0">
+              <a:r>
+                <a:rPr lang="zh-CN" altLang="en-US" sz="1200" kern="0">
+                  <a:solidFill>
+                    <a:srgbClr val="4A5D50"/>
+                  </a:solidFill>
+                  <a:ea typeface="宋体" panose="02010600030101010101" pitchFamily="2" charset="-122"/>
+                  <a:cs typeface="Arial" panose="020B0604020202020204" pitchFamily="34" charset="0"/>
+                </a:rPr>
+                <a:t>（太抽象了</a:t>
+              </a:r>
+              <a:r>
+                <a:rPr lang="zh-CN" altLang="en-US" sz="1200" kern="0">
+                  <a:solidFill>
+                    <a:srgbClr val="4A5D50"/>
+                  </a:solidFill>
+                  <a:ea typeface="宋体" panose="02010600030101010101" pitchFamily="2" charset="-122"/>
+                  <a:cs typeface="Arial" panose="020B0604020202020204" pitchFamily="34" charset="0"/>
+                </a:rPr>
+                <a:t>）</a:t>
+              </a:r>
+              <a:endParaRPr lang="zh-CN" altLang="en-US" sz="1200" kern="0">
                 <a:solidFill>
                   <a:srgbClr val="4A5D50"/>
                 </a:solidFill>
@@ -18410,6 +18449,460 @@
           </p:txBody>
         </p:sp>
       </p:grpSp>
+      <p:sp>
+        <p:nvSpPr>
+          <p:cNvPr id="4" name="文本框 7" descr="e7d195523061f1c09e9d68d7cf438b91ef959ecb14fc25d26BBA7F7DBC18E55DFF4014AF651F0BF2569D4B6C1DA7F1A4683A481403BD872FC687266AD13265C1DE7C373772FD8728ABDD69ADD03BFF5BE2862BC891DBB79E43A8244B4D7DEEF5A1BFB79ED4015C912F9C8B85E44C1E1FAF45D4C71B4D8047555824264C2F16A606196D84073B0BC612CE1BA227542E4A"/>
+          <p:cNvSpPr txBox="1">
+            <a:spLocks noChangeArrowheads="1"/>
+          </p:cNvSpPr>
+          <p:nvPr/>
+        </p:nvSpPr>
+        <p:spPr bwMode="auto">
+          <a:xfrm>
+            <a:off x="2804795" y="2634668"/>
+            <a:ext cx="1816014" cy="275590"/>
+          </a:xfrm>
+          <a:prstGeom prst="rect">
+            <a:avLst/>
+          </a:prstGeom>
+          <a:noFill/>
+          <a:ln>
+            <a:noFill/>
+          </a:ln>
+          <a:extLst>
+            <a:ext uri="{909E8E84-426E-40DD-AFC4-6F175D3DCCD1}">
+              <a14:hiddenFill xmlns:a14="http://schemas.microsoft.com/office/drawing/2010/main">
+                <a:solidFill>
+                  <a:srgbClr val="FFFFFF"/>
+                </a:solidFill>
+              </a14:hiddenFill>
+            </a:ext>
+            <a:ext uri="{91240B29-F687-4F45-9708-019B960494DF}">
+              <a14:hiddenLine xmlns:a14="http://schemas.microsoft.com/office/drawing/2010/main" w="9525">
+                <a:solidFill>
+                  <a:srgbClr val="000000"/>
+                </a:solidFill>
+                <a:miter lim="800000"/>
+                <a:headEnd/>
+                <a:tailEnd/>
+              </a14:hiddenLine>
+            </a:ext>
+          </a:extLst>
+        </p:spPr>
+        <p:txBody>
+          <a:bodyPr wrap="square">
+            <a:spAutoFit/>
+          </a:bodyPr>
+          <a:lstStyle>
+            <a:lvl1pPr defTabSz="514350">
+              <a:defRPr sz="1300">
+                <a:solidFill>
+                  <a:schemeClr val="tx1"/>
+                </a:solidFill>
+                <a:latin typeface="Calibri" panose="020F0502020204030204" pitchFamily="34" charset="0"/>
+                <a:ea typeface="宋体" panose="02010600030101010101" pitchFamily="2" charset="-122"/>
+              </a:defRPr>
+            </a:lvl1pPr>
+            <a:lvl2pPr marL="742950" indent="-285750" defTabSz="514350">
+              <a:defRPr sz="1300">
+                <a:solidFill>
+                  <a:schemeClr val="tx1"/>
+                </a:solidFill>
+                <a:latin typeface="Calibri" panose="020F0502020204030204" pitchFamily="34" charset="0"/>
+                <a:ea typeface="宋体" panose="02010600030101010101" pitchFamily="2" charset="-122"/>
+              </a:defRPr>
+            </a:lvl2pPr>
+            <a:lvl3pPr marL="1143000" indent="-228600" defTabSz="514350">
+              <a:defRPr sz="1300">
+                <a:solidFill>
+                  <a:schemeClr val="tx1"/>
+                </a:solidFill>
+                <a:latin typeface="Calibri" panose="020F0502020204030204" pitchFamily="34" charset="0"/>
+                <a:ea typeface="宋体" panose="02010600030101010101" pitchFamily="2" charset="-122"/>
+              </a:defRPr>
+            </a:lvl3pPr>
+            <a:lvl4pPr marL="1600200" indent="-228600" defTabSz="514350">
+              <a:defRPr sz="1300">
+                <a:solidFill>
+                  <a:schemeClr val="tx1"/>
+                </a:solidFill>
+                <a:latin typeface="Calibri" panose="020F0502020204030204" pitchFamily="34" charset="0"/>
+                <a:ea typeface="宋体" panose="02010600030101010101" pitchFamily="2" charset="-122"/>
+              </a:defRPr>
+            </a:lvl4pPr>
+            <a:lvl5pPr marL="2057400" indent="-228600" defTabSz="514350">
+              <a:defRPr sz="1300">
+                <a:solidFill>
+                  <a:schemeClr val="tx1"/>
+                </a:solidFill>
+                <a:latin typeface="Calibri" panose="020F0502020204030204" pitchFamily="34" charset="0"/>
+                <a:ea typeface="宋体" panose="02010600030101010101" pitchFamily="2" charset="-122"/>
+              </a:defRPr>
+            </a:lvl5pPr>
+            <a:lvl6pPr marL="2514600" indent="-228600" defTabSz="514350" eaLnBrk="0" fontAlgn="base" hangingPunct="0">
+              <a:spcBef>
+                <a:spcPct val="0"/>
+              </a:spcBef>
+              <a:spcAft>
+                <a:spcPct val="0"/>
+              </a:spcAft>
+              <a:defRPr sz="1300">
+                <a:solidFill>
+                  <a:schemeClr val="tx1"/>
+                </a:solidFill>
+                <a:latin typeface="Calibri" panose="020F0502020204030204" pitchFamily="34" charset="0"/>
+                <a:ea typeface="宋体" panose="02010600030101010101" pitchFamily="2" charset="-122"/>
+              </a:defRPr>
+            </a:lvl6pPr>
+            <a:lvl7pPr marL="2971800" indent="-228600" defTabSz="514350" eaLnBrk="0" fontAlgn="base" hangingPunct="0">
+              <a:spcBef>
+                <a:spcPct val="0"/>
+              </a:spcBef>
+              <a:spcAft>
+                <a:spcPct val="0"/>
+              </a:spcAft>
+              <a:defRPr sz="1300">
+                <a:solidFill>
+                  <a:schemeClr val="tx1"/>
+                </a:solidFill>
+                <a:latin typeface="Calibri" panose="020F0502020204030204" pitchFamily="34" charset="0"/>
+                <a:ea typeface="宋体" panose="02010600030101010101" pitchFamily="2" charset="-122"/>
+              </a:defRPr>
+            </a:lvl7pPr>
+            <a:lvl8pPr marL="3429000" indent="-228600" defTabSz="514350" eaLnBrk="0" fontAlgn="base" hangingPunct="0">
+              <a:spcBef>
+                <a:spcPct val="0"/>
+              </a:spcBef>
+              <a:spcAft>
+                <a:spcPct val="0"/>
+              </a:spcAft>
+              <a:defRPr sz="1300">
+                <a:solidFill>
+                  <a:schemeClr val="tx1"/>
+                </a:solidFill>
+                <a:latin typeface="Calibri" panose="020F0502020204030204" pitchFamily="34" charset="0"/>
+                <a:ea typeface="宋体" panose="02010600030101010101" pitchFamily="2" charset="-122"/>
+              </a:defRPr>
+            </a:lvl8pPr>
+            <a:lvl9pPr marL="3886200" indent="-228600" defTabSz="514350" eaLnBrk="0" fontAlgn="base" hangingPunct="0">
+              <a:spcBef>
+                <a:spcPct val="0"/>
+              </a:spcBef>
+              <a:spcAft>
+                <a:spcPct val="0"/>
+              </a:spcAft>
+              <a:defRPr sz="1300">
+                <a:solidFill>
+                  <a:schemeClr val="tx1"/>
+                </a:solidFill>
+                <a:latin typeface="Calibri" panose="020F0502020204030204" pitchFamily="34" charset="0"/>
+                <a:ea typeface="宋体" panose="02010600030101010101" pitchFamily="2" charset="-122"/>
+              </a:defRPr>
+            </a:lvl9pPr>
+          </a:lstStyle>
+          <a:p>
+            <a:pPr fontAlgn="base">
+              <a:spcBef>
+                <a:spcPct val="0"/>
+              </a:spcBef>
+              <a:spcAft>
+                <a:spcPct val="0"/>
+              </a:spcAft>
+            </a:pPr>
+            <a:r>
+              <a:rPr lang="zh-CN" altLang="en-US" sz="1200">
+                <a:solidFill>
+                  <a:srgbClr val="4A5D50"/>
+                </a:solidFill>
+                <a:latin typeface="+mj-lt"/>
+                <a:ea typeface="微软雅黑" panose="020B0503020204020204" pitchFamily="34" charset="-122"/>
+              </a:rPr>
+              <a:t>迪米特原则</a:t>
+            </a:r>
+            <a:endParaRPr lang="zh-CN" altLang="en-US" sz="1200">
+              <a:solidFill>
+                <a:srgbClr val="4A5D50"/>
+              </a:solidFill>
+              <a:latin typeface="+mj-lt"/>
+              <a:ea typeface="微软雅黑" panose="020B0503020204020204" pitchFamily="34" charset="-122"/>
+            </a:endParaRPr>
+          </a:p>
+        </p:txBody>
+      </p:sp>
+      <p:sp>
+        <p:nvSpPr>
+          <p:cNvPr id="5" name="矩形 4" descr="e7d195523061f1c09e9d68d7cf438b91ef959ecb14fc25d26BBA7F7DBC18E55DFF4014AF651F0BF2569D4B6C1DA7F1A4683A481403BD872FC687266AD13265C1DE7C373772FD8728ABDD69ADD03BFF5BE2862BC891DBB79E43A8244B4D7DEEF5A1BFB79ED4015C912F9C8B85E44C1E1FAF45D4C71B4D8047555824264C2F16A606196D84073B0BC612CE1BA227542E4A"/>
+          <p:cNvSpPr/>
+          <p:nvPr/>
+        </p:nvSpPr>
+        <p:spPr>
+          <a:xfrm>
+            <a:off x="2743200" y="3011057"/>
+            <a:ext cx="1939397" cy="922020"/>
+          </a:xfrm>
+          <a:prstGeom prst="rect">
+            <a:avLst/>
+          </a:prstGeom>
+        </p:spPr>
+        <p:txBody>
+          <a:bodyPr wrap="square">
+            <a:spAutoFit/>
+          </a:bodyPr>
+          <a:lstStyle/>
+          <a:p>
+            <a:pPr defTabSz="914400">
+              <a:lnSpc>
+                <a:spcPct val="150000"/>
+              </a:lnSpc>
+              <a:defRPr/>
+            </a:pPr>
+            <a:r>
+              <a:rPr lang="zh-CN" altLang="en-US" sz="1200" kern="0">
+                <a:solidFill>
+                  <a:srgbClr val="4A5D50"/>
+                </a:solidFill>
+                <a:ea typeface="宋体" panose="02010600030101010101" pitchFamily="2" charset="-122"/>
+                <a:cs typeface="Arial" panose="020B0604020202020204" pitchFamily="34" charset="0"/>
+              </a:rPr>
+              <a:t>一个对象应该对其他对象保持最少的了解。（在一个类中应该少出现其他类）</a:t>
+            </a:r>
+            <a:endParaRPr lang="zh-CN" altLang="en-US" sz="1200" kern="0">
+              <a:solidFill>
+                <a:srgbClr val="4A5D50"/>
+              </a:solidFill>
+              <a:ea typeface="宋体" panose="02010600030101010101" pitchFamily="2" charset="-122"/>
+              <a:cs typeface="Arial" panose="020B0604020202020204" pitchFamily="34" charset="0"/>
+            </a:endParaRPr>
+          </a:p>
+        </p:txBody>
+      </p:sp>
+      <p:sp>
+        <p:nvSpPr>
+          <p:cNvPr id="6" name="文本框 7" descr="e7d195523061f1c09e9d68d7cf438b91ef959ecb14fc25d26BBA7F7DBC18E55DFF4014AF651F0BF2569D4B6C1DA7F1A4683A481403BD872FC687266AD13265C1DE7C373772FD8728ABDD69ADD03BFF5BE2862BC891DBB79E43A8244B4D7DEEF5A1BFB79ED4015C912F9C8B85E44C1E1FAF45D4C71B4D8047555824264C2F16A606196D84073B0BC612CE1BA227542E4A"/>
+          <p:cNvSpPr txBox="1">
+            <a:spLocks noChangeArrowheads="1"/>
+          </p:cNvSpPr>
+          <p:nvPr/>
+        </p:nvSpPr>
+        <p:spPr bwMode="auto">
+          <a:xfrm>
+            <a:off x="5453380" y="2634668"/>
+            <a:ext cx="1816014" cy="275590"/>
+          </a:xfrm>
+          <a:prstGeom prst="rect">
+            <a:avLst/>
+          </a:prstGeom>
+          <a:noFill/>
+          <a:ln>
+            <a:noFill/>
+          </a:ln>
+          <a:extLst>
+            <a:ext uri="{909E8E84-426E-40DD-AFC4-6F175D3DCCD1}">
+              <a14:hiddenFill xmlns:a14="http://schemas.microsoft.com/office/drawing/2010/main">
+                <a:solidFill>
+                  <a:srgbClr val="FFFFFF"/>
+                </a:solidFill>
+              </a14:hiddenFill>
+            </a:ext>
+            <a:ext uri="{91240B29-F687-4F45-9708-019B960494DF}">
+              <a14:hiddenLine xmlns:a14="http://schemas.microsoft.com/office/drawing/2010/main" w="9525">
+                <a:solidFill>
+                  <a:srgbClr val="000000"/>
+                </a:solidFill>
+                <a:miter lim="800000"/>
+                <a:headEnd/>
+                <a:tailEnd/>
+              </a14:hiddenLine>
+            </a:ext>
+          </a:extLst>
+        </p:spPr>
+        <p:txBody>
+          <a:bodyPr wrap="square">
+            <a:spAutoFit/>
+          </a:bodyPr>
+          <a:lstStyle>
+            <a:lvl1pPr defTabSz="514350">
+              <a:defRPr sz="1300">
+                <a:solidFill>
+                  <a:schemeClr val="tx1"/>
+                </a:solidFill>
+                <a:latin typeface="Calibri" panose="020F0502020204030204" pitchFamily="34" charset="0"/>
+                <a:ea typeface="宋体" panose="02010600030101010101" pitchFamily="2" charset="-122"/>
+              </a:defRPr>
+            </a:lvl1pPr>
+            <a:lvl2pPr marL="742950" indent="-285750" defTabSz="514350">
+              <a:defRPr sz="1300">
+                <a:solidFill>
+                  <a:schemeClr val="tx1"/>
+                </a:solidFill>
+                <a:latin typeface="Calibri" panose="020F0502020204030204" pitchFamily="34" charset="0"/>
+                <a:ea typeface="宋体" panose="02010600030101010101" pitchFamily="2" charset="-122"/>
+              </a:defRPr>
+            </a:lvl2pPr>
+            <a:lvl3pPr marL="1143000" indent="-228600" defTabSz="514350">
+              <a:defRPr sz="1300">
+                <a:solidFill>
+                  <a:schemeClr val="tx1"/>
+                </a:solidFill>
+                <a:latin typeface="Calibri" panose="020F0502020204030204" pitchFamily="34" charset="0"/>
+                <a:ea typeface="宋体" panose="02010600030101010101" pitchFamily="2" charset="-122"/>
+              </a:defRPr>
+            </a:lvl3pPr>
+            <a:lvl4pPr marL="1600200" indent="-228600" defTabSz="514350">
+              <a:defRPr sz="1300">
+                <a:solidFill>
+                  <a:schemeClr val="tx1"/>
+                </a:solidFill>
+                <a:latin typeface="Calibri" panose="020F0502020204030204" pitchFamily="34" charset="0"/>
+                <a:ea typeface="宋体" panose="02010600030101010101" pitchFamily="2" charset="-122"/>
+              </a:defRPr>
+            </a:lvl4pPr>
+            <a:lvl5pPr marL="2057400" indent="-228600" defTabSz="514350">
+              <a:defRPr sz="1300">
+                <a:solidFill>
+                  <a:schemeClr val="tx1"/>
+                </a:solidFill>
+                <a:latin typeface="Calibri" panose="020F0502020204030204" pitchFamily="34" charset="0"/>
+                <a:ea typeface="宋体" panose="02010600030101010101" pitchFamily="2" charset="-122"/>
+              </a:defRPr>
+            </a:lvl5pPr>
+            <a:lvl6pPr marL="2514600" indent="-228600" defTabSz="514350" eaLnBrk="0" fontAlgn="base" hangingPunct="0">
+              <a:spcBef>
+                <a:spcPct val="0"/>
+              </a:spcBef>
+              <a:spcAft>
+                <a:spcPct val="0"/>
+              </a:spcAft>
+              <a:defRPr sz="1300">
+                <a:solidFill>
+                  <a:schemeClr val="tx1"/>
+                </a:solidFill>
+                <a:latin typeface="Calibri" panose="020F0502020204030204" pitchFamily="34" charset="0"/>
+                <a:ea typeface="宋体" panose="02010600030101010101" pitchFamily="2" charset="-122"/>
+              </a:defRPr>
+            </a:lvl6pPr>
+            <a:lvl7pPr marL="2971800" indent="-228600" defTabSz="514350" eaLnBrk="0" fontAlgn="base" hangingPunct="0">
+              <a:spcBef>
+                <a:spcPct val="0"/>
+              </a:spcBef>
+              <a:spcAft>
+                <a:spcPct val="0"/>
+              </a:spcAft>
+              <a:defRPr sz="1300">
+                <a:solidFill>
+                  <a:schemeClr val="tx1"/>
+                </a:solidFill>
+                <a:latin typeface="Calibri" panose="020F0502020204030204" pitchFamily="34" charset="0"/>
+                <a:ea typeface="宋体" panose="02010600030101010101" pitchFamily="2" charset="-122"/>
+              </a:defRPr>
+            </a:lvl7pPr>
+            <a:lvl8pPr marL="3429000" indent="-228600" defTabSz="514350" eaLnBrk="0" fontAlgn="base" hangingPunct="0">
+              <a:spcBef>
+                <a:spcPct val="0"/>
+              </a:spcBef>
+              <a:spcAft>
+                <a:spcPct val="0"/>
+              </a:spcAft>
+              <a:defRPr sz="1300">
+                <a:solidFill>
+                  <a:schemeClr val="tx1"/>
+                </a:solidFill>
+                <a:latin typeface="Calibri" panose="020F0502020204030204" pitchFamily="34" charset="0"/>
+                <a:ea typeface="宋体" panose="02010600030101010101" pitchFamily="2" charset="-122"/>
+              </a:defRPr>
+            </a:lvl8pPr>
+            <a:lvl9pPr marL="3886200" indent="-228600" defTabSz="514350" eaLnBrk="0" fontAlgn="base" hangingPunct="0">
+              <a:spcBef>
+                <a:spcPct val="0"/>
+              </a:spcBef>
+              <a:spcAft>
+                <a:spcPct val="0"/>
+              </a:spcAft>
+              <a:defRPr sz="1300">
+                <a:solidFill>
+                  <a:schemeClr val="tx1"/>
+                </a:solidFill>
+                <a:latin typeface="Calibri" panose="020F0502020204030204" pitchFamily="34" charset="0"/>
+                <a:ea typeface="宋体" panose="02010600030101010101" pitchFamily="2" charset="-122"/>
+              </a:defRPr>
+            </a:lvl9pPr>
+          </a:lstStyle>
+          <a:p>
+            <a:pPr fontAlgn="base">
+              <a:spcBef>
+                <a:spcPct val="0"/>
+              </a:spcBef>
+              <a:spcAft>
+                <a:spcPct val="0"/>
+              </a:spcAft>
+            </a:pPr>
+            <a:r>
+              <a:rPr lang="zh-CN" altLang="en-US" sz="1200">
+                <a:solidFill>
+                  <a:srgbClr val="4A5D50"/>
+                </a:solidFill>
+                <a:latin typeface="+mj-lt"/>
+                <a:ea typeface="微软雅黑" panose="020B0503020204020204" pitchFamily="34" charset="-122"/>
+              </a:rPr>
+              <a:t>开闭原则</a:t>
+            </a:r>
+            <a:endParaRPr lang="zh-CN" altLang="en-US" sz="1200">
+              <a:solidFill>
+                <a:srgbClr val="4A5D50"/>
+              </a:solidFill>
+              <a:latin typeface="+mj-lt"/>
+              <a:ea typeface="微软雅黑" panose="020B0503020204020204" pitchFamily="34" charset="-122"/>
+            </a:endParaRPr>
+          </a:p>
+        </p:txBody>
+      </p:sp>
+      <p:sp>
+        <p:nvSpPr>
+          <p:cNvPr id="9" name="矩形 8" descr="e7d195523061f1c09e9d68d7cf438b91ef959ecb14fc25d26BBA7F7DBC18E55DFF4014AF651F0BF2569D4B6C1DA7F1A4683A481403BD872FC687266AD13265C1DE7C373772FD8728ABDD69ADD03BFF5BE2862BC891DBB79E43A8244B4D7DEEF5A1BFB79ED4015C912F9C8B85E44C1E1FAF45D4C71B4D8047555824264C2F16A606196D84073B0BC612CE1BA227542E4A"/>
+          <p:cNvSpPr/>
+          <p:nvPr/>
+        </p:nvSpPr>
+        <p:spPr>
+          <a:xfrm>
+            <a:off x="5453380" y="2961640"/>
+            <a:ext cx="2541270" cy="1476375"/>
+          </a:xfrm>
+          <a:prstGeom prst="rect">
+            <a:avLst/>
+          </a:prstGeom>
+        </p:spPr>
+        <p:txBody>
+          <a:bodyPr wrap="square">
+            <a:spAutoFit/>
+          </a:bodyPr>
+          <a:lstStyle/>
+          <a:p>
+            <a:pPr defTabSz="914400">
+              <a:lnSpc>
+                <a:spcPct val="150000"/>
+              </a:lnSpc>
+              <a:defRPr/>
+            </a:pPr>
+            <a:r>
+              <a:rPr lang="zh-CN" altLang="en-US" sz="1200" kern="0">
+                <a:solidFill>
+                  <a:srgbClr val="4A5D50"/>
+                </a:solidFill>
+                <a:ea typeface="宋体" panose="02010600030101010101" pitchFamily="2" charset="-122"/>
+                <a:cs typeface="Arial" panose="020B0604020202020204" pitchFamily="34" charset="0"/>
+              </a:rPr>
+              <a:t>一个软件实体如类、模块和函数应该对扩展开放，对修改关闭（不要改你以前写的代码，你应该加一些代码去扩展原来的功能，来实现新的需求）</a:t>
+            </a:r>
+            <a:endParaRPr lang="zh-CN" altLang="en-US" sz="1200" kern="0">
+              <a:solidFill>
+                <a:srgbClr val="4A5D50"/>
+              </a:solidFill>
+              <a:ea typeface="宋体" panose="02010600030101010101" pitchFamily="2" charset="-122"/>
+              <a:cs typeface="Arial" panose="020B0604020202020204" pitchFamily="34" charset="0"/>
+            </a:endParaRPr>
+          </a:p>
+        </p:txBody>
+      </p:sp>
     </p:spTree>
   </p:cSld>
   <p:clrMapOvr>

--- a/doc/设计模式.pptx
+++ b/doc/设计模式.pptx
@@ -30,9 +30,10 @@
     <p:sldId id="343" r:id="rId23"/>
     <p:sldId id="344" r:id="rId24"/>
     <p:sldId id="346" r:id="rId25"/>
-    <p:sldId id="301" r:id="rId26"/>
-    <p:sldId id="321" r:id="rId27"/>
-    <p:sldId id="312" r:id="rId28"/>
+    <p:sldId id="350" r:id="rId26"/>
+    <p:sldId id="301" r:id="rId27"/>
+    <p:sldId id="321" r:id="rId28"/>
+    <p:sldId id="312" r:id="rId29"/>
   </p:sldIdLst>
   <p:sldSz cx="9144000" cy="5143500" type="screen16x9"/>
   <p:notesSz cx="6858000" cy="9144000"/>
@@ -4000,6 +4001,84 @@
 </p:notes>
 </file>
 
+<file path=ppt/notesSlides/notesSlide26.xml><?xml version="1.0" encoding="utf-8"?>
+<p:notes xmlns:a="http://schemas.openxmlformats.org/drawingml/2006/main" xmlns:r="http://schemas.openxmlformats.org/officeDocument/2006/relationships" xmlns:p="http://schemas.openxmlformats.org/presentationml/2006/main">
+  <p:cSld>
+    <p:spTree>
+      <p:nvGrpSpPr>
+        <p:cNvPr id="1" name=""/>
+        <p:cNvGrpSpPr/>
+        <p:nvPr/>
+      </p:nvGrpSpPr>
+      <p:grpSpPr>
+        <a:xfrm>
+          <a:off x="0" y="0"/>
+          <a:ext cx="0" cy="0"/>
+          <a:chOff x="0" y="0"/>
+          <a:chExt cx="0" cy="0"/>
+        </a:xfrm>
+      </p:grpSpPr>
+      <p:sp>
+        <p:nvSpPr>
+          <p:cNvPr id="2" name="幻灯片图像占位符 1"/>
+          <p:cNvSpPr>
+            <a:spLocks noGrp="1" noRot="1" noChangeAspect="1"/>
+          </p:cNvSpPr>
+          <p:nvPr>
+            <p:ph type="sldImg"/>
+          </p:nvPr>
+        </p:nvSpPr>
+        <p:spPr/>
+      </p:sp>
+      <p:sp>
+        <p:nvSpPr>
+          <p:cNvPr id="3" name="备注占位符 2"/>
+          <p:cNvSpPr>
+            <a:spLocks noGrp="1"/>
+          </p:cNvSpPr>
+          <p:nvPr>
+            <p:ph type="body" idx="1"/>
+          </p:nvPr>
+        </p:nvSpPr>
+        <p:spPr/>
+        <p:txBody>
+          <a:bodyPr/>
+          <a:lstStyle/>
+          <a:p>
+            <a:endParaRPr lang="zh-CN" altLang="en-US"/>
+          </a:p>
+        </p:txBody>
+      </p:sp>
+      <p:sp>
+        <p:nvSpPr>
+          <p:cNvPr id="4" name="灯片编号占位符 3"/>
+          <p:cNvSpPr>
+            <a:spLocks noGrp="1"/>
+          </p:cNvSpPr>
+          <p:nvPr>
+            <p:ph type="sldNum" sz="quarter" idx="10"/>
+          </p:nvPr>
+        </p:nvSpPr>
+        <p:spPr/>
+        <p:txBody>
+          <a:bodyPr/>
+          <a:lstStyle/>
+          <a:p>
+            <a:fld id="{B953E823-547D-4ADC-8B52-664B24BC1565}" type="slidenum">
+              <a:rPr lang="zh-CN" altLang="en-US" smtClean="0"/>
+            </a:fld>
+            <a:endParaRPr lang="zh-CN" altLang="en-US"/>
+          </a:p>
+        </p:txBody>
+      </p:sp>
+    </p:spTree>
+  </p:cSld>
+  <p:clrMapOvr>
+    <a:masterClrMapping/>
+  </p:clrMapOvr>
+</p:notes>
+</file>
+
 <file path=ppt/notesSlides/notesSlide3.xml><?xml version="1.0" encoding="utf-8"?>
 <p:notes xmlns:a="http://schemas.openxmlformats.org/drawingml/2006/main" xmlns:r="http://schemas.openxmlformats.org/officeDocument/2006/relationships" xmlns:p="http://schemas.openxmlformats.org/presentationml/2006/main">
   <p:cSld>
@@ -17238,6 +17317,209 @@
 </file>
 
 <file path=ppt/slides/slide23.xml><?xml version="1.0" encoding="utf-8"?>
+<p:sld xmlns:a="http://schemas.openxmlformats.org/drawingml/2006/main" xmlns:r="http://schemas.openxmlformats.org/officeDocument/2006/relationships" xmlns:p="http://schemas.openxmlformats.org/presentationml/2006/main">
+  <p:cSld>
+    <p:spTree>
+      <p:nvGrpSpPr>
+        <p:cNvPr id="1" name=""/>
+        <p:cNvGrpSpPr/>
+        <p:nvPr/>
+      </p:nvGrpSpPr>
+      <p:grpSpPr>
+        <a:xfrm>
+          <a:off x="0" y="0"/>
+          <a:ext cx="0" cy="0"/>
+          <a:chOff x="0" y="0"/>
+          <a:chExt cx="0" cy="0"/>
+        </a:xfrm>
+      </p:grpSpPr>
+      <p:sp>
+        <p:nvSpPr>
+          <p:cNvPr id="13" name="矩形 12"/>
+          <p:cNvSpPr/>
+          <p:nvPr/>
+        </p:nvSpPr>
+        <p:spPr>
+          <a:xfrm>
+            <a:off x="0" y="864870"/>
+            <a:ext cx="9144000" cy="3413760"/>
+          </a:xfrm>
+          <a:prstGeom prst="rect">
+            <a:avLst/>
+          </a:prstGeom>
+          <a:ln>
+            <a:noFill/>
+          </a:ln>
+        </p:spPr>
+        <p:style>
+          <a:lnRef idx="2">
+            <a:schemeClr val="accent1">
+              <a:shade val="50000"/>
+            </a:schemeClr>
+          </a:lnRef>
+          <a:fillRef idx="1">
+            <a:schemeClr val="accent1"/>
+          </a:fillRef>
+          <a:effectRef idx="0">
+            <a:schemeClr val="accent1"/>
+          </a:effectRef>
+          <a:fontRef idx="minor">
+            <a:schemeClr val="lt1"/>
+          </a:fontRef>
+        </p:style>
+        <p:txBody>
+          <a:bodyPr rtlCol="0" anchor="ctr"/>
+          <a:lstStyle/>
+          <a:p>
+            <a:pPr algn="ctr"/>
+            <a:endParaRPr lang="en-US" altLang="zh-CN">
+              <a:solidFill>
+                <a:schemeClr val="bg1"/>
+              </a:solidFill>
+            </a:endParaRPr>
+          </a:p>
+        </p:txBody>
+      </p:sp>
+      <p:grpSp>
+        <p:nvGrpSpPr>
+          <p:cNvPr id="3" name="组合 2"/>
+          <p:cNvGrpSpPr/>
+          <p:nvPr/>
+        </p:nvGrpSpPr>
+        <p:grpSpPr>
+          <a:xfrm>
+            <a:off x="702310" y="1676503"/>
+            <a:ext cx="7727315" cy="1167731"/>
+            <a:chOff x="1106" y="3480"/>
+            <a:chExt cx="12169" cy="1395"/>
+          </a:xfrm>
+        </p:grpSpPr>
+        <p:sp>
+          <p:nvSpPr>
+            <p:cNvPr id="14" name="矩形 13" descr="e7d195523061f1c09e9d68d7cf438b91ef959ecb14fc25d26BBA7F7DBC18E55DFF4014AF651F0BF2569D4B6C1DA7F1A4683A481403BD872FC687266AD13265C1DE7C373772FD8728ABDD69ADD03BFF5BE2862BC891DBB79ED9A64E36B760F04717825CA1B175CEA4ADF1757C5F6972E159830655E44B4550EA1D996165CF5BB730B85CA0F0A8227A550C067FE8CB48054934EB960F2C1710"/>
+            <p:cNvSpPr/>
+            <p:nvPr/>
+          </p:nvSpPr>
+          <p:spPr>
+            <a:xfrm>
+              <a:off x="1106" y="3480"/>
+              <a:ext cx="4512" cy="624"/>
+            </a:xfrm>
+            <a:prstGeom prst="rect">
+              <a:avLst/>
+            </a:prstGeom>
+          </p:spPr>
+          <p:txBody>
+            <a:bodyPr wrap="square">
+              <a:spAutoFit/>
+            </a:bodyPr>
+            <a:lstStyle/>
+            <a:p>
+              <a:r>
+                <a:rPr lang="zh-CN" altLang="en-US" sz="2800">
+                  <a:solidFill>
+                    <a:schemeClr val="bg1"/>
+                  </a:solidFill>
+                  <a:latin typeface="+mj-ea"/>
+                  <a:ea typeface="+mj-ea"/>
+                  <a:sym typeface="Calibri" panose="020F0502020204030204" pitchFamily="34" charset="0"/>
+                </a:rPr>
+                <a:t>思考：</a:t>
+              </a:r>
+              <a:endParaRPr lang="zh-CN" altLang="en-US" sz="2800">
+                <a:solidFill>
+                  <a:schemeClr val="bg1"/>
+                </a:solidFill>
+                <a:latin typeface="+mj-ea"/>
+                <a:ea typeface="+mj-ea"/>
+                <a:sym typeface="Calibri" panose="020F0502020204030204" pitchFamily="34" charset="0"/>
+              </a:endParaRPr>
+            </a:p>
+          </p:txBody>
+        </p:sp>
+        <p:sp>
+          <p:nvSpPr>
+            <p:cNvPr id="16" name="矩形 15" descr="e7d195523061f1c09e9d68d7cf438b91ef959ecb14fc25d26BBA7F7DBC18E55DFF4014AF651F0BF2569D4B6C1DA7F1A4683A481403BD872FC687266AD13265C1DE7C373772FD8728ABDD69ADD03BFF5BE2862BC891DBB79ED9A64E36B760F04717825CA1B175CEA4ADF1757C5F6972E159830655E44B4550EA1D996165CF5BB730B85CA0F0A8227A550C067FE8CB48054934EB960F2C1710"/>
+            <p:cNvSpPr/>
+            <p:nvPr/>
+          </p:nvSpPr>
+          <p:spPr>
+            <a:xfrm>
+              <a:off x="3595" y="4104"/>
+              <a:ext cx="9680" cy="771"/>
+            </a:xfrm>
+            <a:prstGeom prst="rect">
+              <a:avLst/>
+            </a:prstGeom>
+          </p:spPr>
+          <p:txBody>
+            <a:bodyPr wrap="square">
+              <a:spAutoFit/>
+            </a:bodyPr>
+            <a:lstStyle/>
+            <a:p>
+              <a:pPr lvl="0" fontAlgn="base">
+                <a:lnSpc>
+                  <a:spcPct val="150000"/>
+                </a:lnSpc>
+                <a:spcBef>
+                  <a:spcPct val="0"/>
+                </a:spcBef>
+                <a:spcAft>
+                  <a:spcPct val="0"/>
+                </a:spcAft>
+              </a:pPr>
+              <a:r>
+                <a:rPr lang="en-US" altLang="zh-CN" sz="1600">
+                  <a:solidFill>
+                    <a:schemeClr val="bg1"/>
+                  </a:solidFill>
+                  <a:ea typeface="微软雅黑" panose="020B0503020204020204" pitchFamily="34" charset="-122"/>
+                  <a:cs typeface="Arial" panose="020B0604020202020204" pitchFamily="34" charset="0"/>
+                  <a:sym typeface="Calibri" panose="020F0502020204030204" pitchFamily="34" charset="0"/>
+                </a:rPr>
+                <a:t>     </a:t>
+              </a:r>
+              <a:r>
+                <a:rPr lang="zh-CN" altLang="en-US" sz="2400">
+                  <a:solidFill>
+                    <a:schemeClr val="bg1"/>
+                  </a:solidFill>
+                  <a:ea typeface="微软雅黑" panose="020B0503020204020204" pitchFamily="34" charset="-122"/>
+                  <a:cs typeface="Arial" panose="020B0604020202020204" pitchFamily="34" charset="0"/>
+                  <a:sym typeface="Calibri" panose="020F0502020204030204" pitchFamily="34" charset="0"/>
+                </a:rPr>
+                <a:t>必须要先订阅，在发布吗？</a:t>
+              </a:r>
+              <a:endParaRPr lang="zh-CN" altLang="en-US" sz="2400">
+                <a:solidFill>
+                  <a:schemeClr val="bg1"/>
+                </a:solidFill>
+                <a:ea typeface="微软雅黑" panose="020B0503020204020204" pitchFamily="34" charset="-122"/>
+                <a:cs typeface="Arial" panose="020B0604020202020204" pitchFamily="34" charset="0"/>
+                <a:sym typeface="Calibri" panose="020F0502020204030204" pitchFamily="34" charset="0"/>
+              </a:endParaRPr>
+            </a:p>
+          </p:txBody>
+        </p:sp>
+      </p:grpSp>
+    </p:spTree>
+  </p:cSld>
+  <p:clrMapOvr>
+    <a:masterClrMapping/>
+  </p:clrMapOvr>
+  <mc:AlternateContent xmlns:mc="http://schemas.openxmlformats.org/markup-compatibility/2006">
+    <mc:Choice xmlns:p14="http://schemas.microsoft.com/office/powerpoint/2010/main" Requires="p14">
+      <p:transition spd="slow" p14:dur="2000"/>
+    </mc:Choice>
+    <mc:Fallback>
+      <p:transition spd="slow"/>
+    </mc:Fallback>
+  </mc:AlternateContent>
+</p:sld>
+</file>
+
+<file path=ppt/slides/slide24.xml><?xml version="1.0" encoding="utf-8"?>
 <p:sld xmlns:a="http://schemas.openxmlformats.org/drawingml/2006/main" xmlns:r="http://schemas.openxmlformats.org/officeDocument/2006/relationships" xmlns:p="http://schemas.openxmlformats.org/presentationml/2006/main" showMasterSp="0">
   <p:cSld>
     <p:spTree>
@@ -18159,37 +18441,7 @@
                   <a:ea typeface="宋体" panose="02010600030101010101" pitchFamily="2" charset="-122"/>
                   <a:cs typeface="Arial" panose="020B0604020202020204" pitchFamily="34" charset="0"/>
                 </a:rPr>
-                <a:t>客户端不应该被强迫地依赖那些根本用不上的方法。（拆方法</a:t>
-              </a:r>
-              <a:r>
-                <a:rPr lang="zh-CN" altLang="en-US" sz="1200" kern="0">
-                  <a:solidFill>
-                    <a:srgbClr val="4A5D50"/>
-                  </a:solidFill>
-                  <a:ea typeface="宋体" panose="02010600030101010101" pitchFamily="2" charset="-122"/>
-                  <a:cs typeface="Arial" panose="020B0604020202020204" pitchFamily="34" charset="0"/>
-                </a:rPr>
-                <a:t>，</a:t>
-              </a:r>
-              <a:r>
-                <a:rPr lang="zh-CN" altLang="en-US" sz="1200" kern="0">
-                  <a:solidFill>
-                    <a:srgbClr val="4A5D50"/>
-                  </a:solidFill>
-                  <a:ea typeface="宋体" panose="02010600030101010101" pitchFamily="2" charset="-122"/>
-                  <a:cs typeface="Arial" panose="020B0604020202020204" pitchFamily="34" charset="0"/>
-                </a:rPr>
-                <a:t>多用组合</a:t>
-              </a:r>
-              <a:r>
-                <a:rPr lang="zh-CN" altLang="en-US" sz="1200" kern="0">
-                  <a:solidFill>
-                    <a:srgbClr val="4A5D50"/>
-                  </a:solidFill>
-                  <a:ea typeface="宋体" panose="02010600030101010101" pitchFamily="2" charset="-122"/>
-                  <a:cs typeface="Arial" panose="020B0604020202020204" pitchFamily="34" charset="0"/>
-                </a:rPr>
-                <a:t>）</a:t>
+                <a:t>客户端不应该被强迫地依赖那些根本用不上的方法。（拆方法，多用组合）</a:t>
               </a:r>
               <a:endParaRPr lang="zh-CN" altLang="en-US" sz="1200" kern="0">
                 <a:solidFill>
@@ -18426,17 +18678,7 @@
                   <a:ea typeface="宋体" panose="02010600030101010101" pitchFamily="2" charset="-122"/>
                   <a:cs typeface="Arial" panose="020B0604020202020204" pitchFamily="34" charset="0"/>
                 </a:rPr>
-                <a:t>（太抽象了</a:t>
-              </a:r>
-              <a:r>
-                <a:rPr lang="zh-CN" altLang="en-US" sz="1200" kern="0">
-                  <a:solidFill>
-                    <a:srgbClr val="4A5D50"/>
-                  </a:solidFill>
-                  <a:ea typeface="宋体" panose="02010600030101010101" pitchFamily="2" charset="-122"/>
-                  <a:cs typeface="Arial" panose="020B0604020202020204" pitchFamily="34" charset="0"/>
-                </a:rPr>
-                <a:t>）</a:t>
+                <a:t>（太抽象了）</a:t>
               </a:r>
               <a:endParaRPr lang="zh-CN" altLang="en-US" sz="1200" kern="0">
                 <a:solidFill>
@@ -18919,7 +19161,7 @@
 </p:sld>
 </file>
 
-<file path=ppt/slides/slide24.xml><?xml version="1.0" encoding="utf-8"?>
+<file path=ppt/slides/slide25.xml><?xml version="1.0" encoding="utf-8"?>
 <p:sld xmlns:a="http://schemas.openxmlformats.org/drawingml/2006/main" xmlns:r="http://schemas.openxmlformats.org/officeDocument/2006/relationships" xmlns:p="http://schemas.openxmlformats.org/presentationml/2006/main">
   <p:cSld>
     <p:spTree>
@@ -19397,7 +19639,7 @@
 </p:sld>
 </file>
 
-<file path=ppt/slides/slide25.xml><?xml version="1.0" encoding="utf-8"?>
+<file path=ppt/slides/slide26.xml><?xml version="1.0" encoding="utf-8"?>
 <p:sld xmlns:a="http://schemas.openxmlformats.org/drawingml/2006/main" xmlns:r="http://schemas.openxmlformats.org/officeDocument/2006/relationships" xmlns:p="http://schemas.openxmlformats.org/presentationml/2006/main" showMasterSp="0">
   <p:cSld>
     <p:spTree>

--- a/doc/设计模式.pptx
+++ b/doc/设计模式.pptx
@@ -11,29 +11,30 @@
     <p:sldId id="256" r:id="rId3"/>
     <p:sldId id="257" r:id="rId5"/>
     <p:sldId id="292" r:id="rId6"/>
-    <p:sldId id="270" r:id="rId7"/>
-    <p:sldId id="281" r:id="rId8"/>
-    <p:sldId id="283" r:id="rId9"/>
-    <p:sldId id="284" r:id="rId10"/>
-    <p:sldId id="332" r:id="rId11"/>
-    <p:sldId id="333" r:id="rId12"/>
-    <p:sldId id="334" r:id="rId13"/>
-    <p:sldId id="335" r:id="rId14"/>
-    <p:sldId id="282" r:id="rId15"/>
-    <p:sldId id="336" r:id="rId16"/>
-    <p:sldId id="337" r:id="rId17"/>
-    <p:sldId id="338" r:id="rId18"/>
-    <p:sldId id="340" r:id="rId19"/>
-    <p:sldId id="319" r:id="rId20"/>
-    <p:sldId id="341" r:id="rId21"/>
-    <p:sldId id="342" r:id="rId22"/>
-    <p:sldId id="343" r:id="rId23"/>
-    <p:sldId id="344" r:id="rId24"/>
-    <p:sldId id="346" r:id="rId25"/>
-    <p:sldId id="350" r:id="rId26"/>
-    <p:sldId id="301" r:id="rId27"/>
-    <p:sldId id="321" r:id="rId28"/>
-    <p:sldId id="312" r:id="rId29"/>
+    <p:sldId id="354" r:id="rId7"/>
+    <p:sldId id="270" r:id="rId8"/>
+    <p:sldId id="281" r:id="rId9"/>
+    <p:sldId id="283" r:id="rId10"/>
+    <p:sldId id="284" r:id="rId11"/>
+    <p:sldId id="332" r:id="rId12"/>
+    <p:sldId id="333" r:id="rId13"/>
+    <p:sldId id="334" r:id="rId14"/>
+    <p:sldId id="335" r:id="rId15"/>
+    <p:sldId id="282" r:id="rId16"/>
+    <p:sldId id="336" r:id="rId17"/>
+    <p:sldId id="337" r:id="rId18"/>
+    <p:sldId id="338" r:id="rId19"/>
+    <p:sldId id="340" r:id="rId20"/>
+    <p:sldId id="319" r:id="rId21"/>
+    <p:sldId id="341" r:id="rId22"/>
+    <p:sldId id="342" r:id="rId23"/>
+    <p:sldId id="343" r:id="rId24"/>
+    <p:sldId id="344" r:id="rId25"/>
+    <p:sldId id="346" r:id="rId26"/>
+    <p:sldId id="350" r:id="rId27"/>
+    <p:sldId id="301" r:id="rId28"/>
+    <p:sldId id="321" r:id="rId29"/>
+    <p:sldId id="312" r:id="rId30"/>
   </p:sldIdLst>
   <p:sldSz cx="9144000" cy="5143500" type="screen16x9"/>
   <p:notesSz cx="6858000" cy="9144000"/>
@@ -4079,6 +4080,84 @@
 </p:notes>
 </file>
 
+<file path=ppt/notesSlides/notesSlide27.xml><?xml version="1.0" encoding="utf-8"?>
+<p:notes xmlns:a="http://schemas.openxmlformats.org/drawingml/2006/main" xmlns:r="http://schemas.openxmlformats.org/officeDocument/2006/relationships" xmlns:p="http://schemas.openxmlformats.org/presentationml/2006/main">
+  <p:cSld>
+    <p:spTree>
+      <p:nvGrpSpPr>
+        <p:cNvPr id="1" name=""/>
+        <p:cNvGrpSpPr/>
+        <p:nvPr/>
+      </p:nvGrpSpPr>
+      <p:grpSpPr>
+        <a:xfrm>
+          <a:off x="0" y="0"/>
+          <a:ext cx="0" cy="0"/>
+          <a:chOff x="0" y="0"/>
+          <a:chExt cx="0" cy="0"/>
+        </a:xfrm>
+      </p:grpSpPr>
+      <p:sp>
+        <p:nvSpPr>
+          <p:cNvPr id="2" name="幻灯片图像占位符 1"/>
+          <p:cNvSpPr>
+            <a:spLocks noGrp="1" noRot="1" noChangeAspect="1"/>
+          </p:cNvSpPr>
+          <p:nvPr>
+            <p:ph type="sldImg"/>
+          </p:nvPr>
+        </p:nvSpPr>
+        <p:spPr/>
+      </p:sp>
+      <p:sp>
+        <p:nvSpPr>
+          <p:cNvPr id="3" name="备注占位符 2"/>
+          <p:cNvSpPr>
+            <a:spLocks noGrp="1"/>
+          </p:cNvSpPr>
+          <p:nvPr>
+            <p:ph type="body" idx="1"/>
+          </p:nvPr>
+        </p:nvSpPr>
+        <p:spPr/>
+        <p:txBody>
+          <a:bodyPr/>
+          <a:lstStyle/>
+          <a:p>
+            <a:endParaRPr lang="zh-CN" altLang="en-US"/>
+          </a:p>
+        </p:txBody>
+      </p:sp>
+      <p:sp>
+        <p:nvSpPr>
+          <p:cNvPr id="4" name="灯片编号占位符 3"/>
+          <p:cNvSpPr>
+            <a:spLocks noGrp="1"/>
+          </p:cNvSpPr>
+          <p:nvPr>
+            <p:ph type="sldNum" sz="quarter" idx="10"/>
+          </p:nvPr>
+        </p:nvSpPr>
+        <p:spPr/>
+        <p:txBody>
+          <a:bodyPr/>
+          <a:lstStyle/>
+          <a:p>
+            <a:fld id="{B953E823-547D-4ADC-8B52-664B24BC1565}" type="slidenum">
+              <a:rPr lang="zh-CN" altLang="en-US" smtClean="0"/>
+            </a:fld>
+            <a:endParaRPr lang="zh-CN" altLang="en-US"/>
+          </a:p>
+        </p:txBody>
+      </p:sp>
+    </p:spTree>
+  </p:cSld>
+  <p:clrMapOvr>
+    <a:masterClrMapping/>
+  </p:clrMapOvr>
+</p:notes>
+</file>
+
 <file path=ppt/notesSlides/notesSlide3.xml><?xml version="1.0" encoding="utf-8"?>
 <p:notes xmlns:a="http://schemas.openxmlformats.org/drawingml/2006/main" xmlns:r="http://schemas.openxmlformats.org/officeDocument/2006/relationships" xmlns:p="http://schemas.openxmlformats.org/presentationml/2006/main">
   <p:cSld>
@@ -8107,6 +8186,396 @@
       </p:grpSpPr>
       <p:sp>
         <p:nvSpPr>
+          <p:cNvPr id="2" name="矩形 1"/>
+          <p:cNvSpPr/>
+          <p:nvPr/>
+        </p:nvSpPr>
+        <p:spPr>
+          <a:xfrm>
+            <a:off x="636270" y="469265"/>
+            <a:ext cx="7841615" cy="4205605"/>
+          </a:xfrm>
+          <a:prstGeom prst="rect">
+            <a:avLst/>
+          </a:prstGeom>
+          <a:ln>
+            <a:noFill/>
+          </a:ln>
+        </p:spPr>
+        <p:style>
+          <a:lnRef idx="2">
+            <a:schemeClr val="accent1">
+              <a:shade val="50000"/>
+            </a:schemeClr>
+          </a:lnRef>
+          <a:fillRef idx="1">
+            <a:schemeClr val="accent1"/>
+          </a:fillRef>
+          <a:effectRef idx="0">
+            <a:schemeClr val="accent1"/>
+          </a:effectRef>
+          <a:fontRef idx="minor">
+            <a:schemeClr val="lt1"/>
+          </a:fontRef>
+        </p:style>
+        <p:txBody>
+          <a:bodyPr rtlCol="0" anchor="ctr"/>
+          <a:lstStyle/>
+          <a:p>
+            <a:pPr algn="ctr"/>
+            <a:endParaRPr lang="en-US" altLang="zh-CN"/>
+          </a:p>
+        </p:txBody>
+      </p:sp>
+      <p:grpSp>
+        <p:nvGrpSpPr>
+          <p:cNvPr id="7" name="组合 6"/>
+          <p:cNvGrpSpPr/>
+          <p:nvPr/>
+        </p:nvGrpSpPr>
+        <p:grpSpPr>
+          <a:xfrm>
+            <a:off x="1238885" y="1497330"/>
+            <a:ext cx="6636385" cy="2236470"/>
+            <a:chOff x="8917" y="2358"/>
+            <a:chExt cx="4831" cy="3522"/>
+          </a:xfrm>
+        </p:grpSpPr>
+        <p:sp>
+          <p:nvSpPr>
+            <p:cNvPr id="4" name="矩形 3"/>
+            <p:cNvSpPr/>
+            <p:nvPr/>
+          </p:nvSpPr>
+          <p:spPr>
+            <a:xfrm>
+              <a:off x="8917" y="2358"/>
+              <a:ext cx="3845" cy="1210"/>
+            </a:xfrm>
+            <a:prstGeom prst="rect">
+              <a:avLst/>
+            </a:prstGeom>
+          </p:spPr>
+          <p:txBody>
+            <a:bodyPr wrap="square">
+              <a:spAutoFit/>
+            </a:bodyPr>
+            <a:lstStyle/>
+            <a:p>
+              <a:pPr lvl="0" fontAlgn="base">
+                <a:spcBef>
+                  <a:spcPct val="0"/>
+                </a:spcBef>
+                <a:spcAft>
+                  <a:spcPct val="0"/>
+                </a:spcAft>
+              </a:pPr>
+              <a:r>
+                <a:rPr lang="zh-CN" altLang="en-US" sz="4400">
+                  <a:solidFill>
+                    <a:schemeClr val="bg1"/>
+                  </a:solidFill>
+                  <a:latin typeface="微软雅黑" panose="020B0503020204020204" pitchFamily="34" charset="-122"/>
+                  <a:ea typeface="微软雅黑" panose="020B0503020204020204" pitchFamily="34" charset="-122"/>
+                  <a:sym typeface="Calibri" panose="020F0502020204030204" pitchFamily="34" charset="0"/>
+                </a:rPr>
+                <a:t>预加载使用代理好处</a:t>
+              </a:r>
+              <a:endParaRPr lang="zh-CN" altLang="en-US" sz="4400">
+                <a:solidFill>
+                  <a:schemeClr val="bg1"/>
+                </a:solidFill>
+                <a:latin typeface="微软雅黑" panose="020B0503020204020204" pitchFamily="34" charset="-122"/>
+                <a:ea typeface="微软雅黑" panose="020B0503020204020204" pitchFamily="34" charset="-122"/>
+                <a:sym typeface="Calibri" panose="020F0502020204030204" pitchFamily="34" charset="0"/>
+              </a:endParaRPr>
+            </a:p>
+          </p:txBody>
+        </p:sp>
+        <p:sp>
+          <p:nvSpPr>
+            <p:cNvPr id="6" name="Rectangle 15" descr="e7d195523061f1c09e9d68d7cf438b91ef959ecb14fc25d26BBA7F7DBC18E55DFF4014AF651F0BF2569D4B6C1DA7F1A4683A481403BD872FC687266AD13265C1DE7C373772FD8728ABDD69ADD03BFF5BE2862BC891DBB79E43A8244B4D7DEEF5A1BFB79ED4015C912F9C8B85E44C1E1FAF45D4C71B4D8047555824264C2F16A606196D84073B0BC612CE1BA227542E4A"/>
+            <p:cNvSpPr>
+              <a:spLocks noChangeArrowheads="1"/>
+            </p:cNvSpPr>
+            <p:nvPr/>
+          </p:nvSpPr>
+          <p:spPr bwMode="auto">
+            <a:xfrm>
+              <a:off x="8917" y="4210"/>
+              <a:ext cx="4831" cy="1670"/>
+            </a:xfrm>
+            <a:prstGeom prst="rect">
+              <a:avLst/>
+            </a:prstGeom>
+            <a:noFill/>
+            <a:ln>
+              <a:noFill/>
+            </a:ln>
+            <a:extLst>
+              <a:ext uri="{909E8E84-426E-40DD-AFC4-6F175D3DCCD1}">
+                <a14:hiddenFill xmlns:a14="http://schemas.microsoft.com/office/drawing/2010/main">
+                  <a:solidFill>
+                    <a:srgbClr val="FFFFFF"/>
+                  </a:solidFill>
+                </a14:hiddenFill>
+              </a:ext>
+              <a:ext uri="{91240B29-F687-4F45-9708-019B960494DF}">
+                <a14:hiddenLine xmlns:a14="http://schemas.microsoft.com/office/drawing/2010/main" w="9525">
+                  <a:solidFill>
+                    <a:srgbClr val="000000"/>
+                  </a:solidFill>
+                  <a:miter lim="800000"/>
+                  <a:headEnd/>
+                  <a:tailEnd/>
+                </a14:hiddenLine>
+              </a:ext>
+            </a:extLst>
+          </p:spPr>
+          <p:txBody>
+            <a:bodyPr wrap="square">
+              <a:spAutoFit/>
+            </a:bodyPr>
+            <a:lstStyle>
+              <a:lvl1pPr>
+                <a:defRPr sz="1300">
+                  <a:solidFill>
+                    <a:schemeClr val="tx1"/>
+                  </a:solidFill>
+                  <a:latin typeface="Arial" panose="020B0604020202020204" pitchFamily="34" charset="0"/>
+                  <a:ea typeface="微软雅黑" panose="020B0503020204020204" pitchFamily="34" charset="-122"/>
+                </a:defRPr>
+              </a:lvl1pPr>
+              <a:lvl2pPr marL="742950" indent="-285750">
+                <a:defRPr sz="1300">
+                  <a:solidFill>
+                    <a:schemeClr val="tx1"/>
+                  </a:solidFill>
+                  <a:latin typeface="Arial" panose="020B0604020202020204" pitchFamily="34" charset="0"/>
+                  <a:ea typeface="微软雅黑" panose="020B0503020204020204" pitchFamily="34" charset="-122"/>
+                </a:defRPr>
+              </a:lvl2pPr>
+              <a:lvl3pPr marL="1143000" indent="-228600">
+                <a:defRPr sz="1300">
+                  <a:solidFill>
+                    <a:schemeClr val="tx1"/>
+                  </a:solidFill>
+                  <a:latin typeface="Arial" panose="020B0604020202020204" pitchFamily="34" charset="0"/>
+                  <a:ea typeface="微软雅黑" panose="020B0503020204020204" pitchFamily="34" charset="-122"/>
+                </a:defRPr>
+              </a:lvl3pPr>
+              <a:lvl4pPr marL="1600200" indent="-228600">
+                <a:defRPr sz="1300">
+                  <a:solidFill>
+                    <a:schemeClr val="tx1"/>
+                  </a:solidFill>
+                  <a:latin typeface="Arial" panose="020B0604020202020204" pitchFamily="34" charset="0"/>
+                  <a:ea typeface="微软雅黑" panose="020B0503020204020204" pitchFamily="34" charset="-122"/>
+                </a:defRPr>
+              </a:lvl4pPr>
+              <a:lvl5pPr marL="2057400" indent="-228600">
+                <a:defRPr sz="1300">
+                  <a:solidFill>
+                    <a:schemeClr val="tx1"/>
+                  </a:solidFill>
+                  <a:latin typeface="Arial" panose="020B0604020202020204" pitchFamily="34" charset="0"/>
+                  <a:ea typeface="微软雅黑" panose="020B0503020204020204" pitchFamily="34" charset="-122"/>
+                </a:defRPr>
+              </a:lvl5pPr>
+              <a:lvl6pPr marL="2514600" indent="-228600" eaLnBrk="0" fontAlgn="base" hangingPunct="0">
+                <a:spcBef>
+                  <a:spcPct val="0"/>
+                </a:spcBef>
+                <a:spcAft>
+                  <a:spcPct val="0"/>
+                </a:spcAft>
+                <a:defRPr sz="1300">
+                  <a:solidFill>
+                    <a:schemeClr val="tx1"/>
+                  </a:solidFill>
+                  <a:latin typeface="Arial" panose="020B0604020202020204" pitchFamily="34" charset="0"/>
+                  <a:ea typeface="微软雅黑" panose="020B0503020204020204" pitchFamily="34" charset="-122"/>
+                </a:defRPr>
+              </a:lvl6pPr>
+              <a:lvl7pPr marL="2971800" indent="-228600" eaLnBrk="0" fontAlgn="base" hangingPunct="0">
+                <a:spcBef>
+                  <a:spcPct val="0"/>
+                </a:spcBef>
+                <a:spcAft>
+                  <a:spcPct val="0"/>
+                </a:spcAft>
+                <a:defRPr sz="1300">
+                  <a:solidFill>
+                    <a:schemeClr val="tx1"/>
+                  </a:solidFill>
+                  <a:latin typeface="Arial" panose="020B0604020202020204" pitchFamily="34" charset="0"/>
+                  <a:ea typeface="微软雅黑" panose="020B0503020204020204" pitchFamily="34" charset="-122"/>
+                </a:defRPr>
+              </a:lvl7pPr>
+              <a:lvl8pPr marL="3429000" indent="-228600" eaLnBrk="0" fontAlgn="base" hangingPunct="0">
+                <a:spcBef>
+                  <a:spcPct val="0"/>
+                </a:spcBef>
+                <a:spcAft>
+                  <a:spcPct val="0"/>
+                </a:spcAft>
+                <a:defRPr sz="1300">
+                  <a:solidFill>
+                    <a:schemeClr val="tx1"/>
+                  </a:solidFill>
+                  <a:latin typeface="Arial" panose="020B0604020202020204" pitchFamily="34" charset="0"/>
+                  <a:ea typeface="微软雅黑" panose="020B0503020204020204" pitchFamily="34" charset="-122"/>
+                </a:defRPr>
+              </a:lvl8pPr>
+              <a:lvl9pPr marL="3886200" indent="-228600" eaLnBrk="0" fontAlgn="base" hangingPunct="0">
+                <a:spcBef>
+                  <a:spcPct val="0"/>
+                </a:spcBef>
+                <a:spcAft>
+                  <a:spcPct val="0"/>
+                </a:spcAft>
+                <a:defRPr sz="1300">
+                  <a:solidFill>
+                    <a:schemeClr val="tx1"/>
+                  </a:solidFill>
+                  <a:latin typeface="Arial" panose="020B0604020202020204" pitchFamily="34" charset="0"/>
+                  <a:ea typeface="微软雅黑" panose="020B0503020204020204" pitchFamily="34" charset="-122"/>
+                </a:defRPr>
+              </a:lvl9pPr>
+            </a:lstStyle>
+            <a:p>
+              <a:pPr defTabSz="914400">
+                <a:lnSpc>
+                  <a:spcPct val="150000"/>
+                </a:lnSpc>
+                <a:defRPr/>
+              </a:pPr>
+              <a:r>
+                <a:rPr lang="zh-CN" altLang="en-US" sz="1400">
+                  <a:solidFill>
+                    <a:schemeClr val="bg1"/>
+                  </a:solidFill>
+                  <a:latin typeface="+mn-lt"/>
+                </a:rPr>
+                <a:t>当</a:t>
+              </a:r>
+              <a:r>
+                <a:rPr lang="en-US" altLang="zh-CN" sz="1400">
+                  <a:solidFill>
+                    <a:schemeClr val="bg1"/>
+                  </a:solidFill>
+                  <a:latin typeface="+mn-lt"/>
+                </a:rPr>
+                <a:t>myImage</a:t>
+              </a:r>
+              <a:r>
+                <a:rPr lang="zh-CN" altLang="en-US" sz="1400">
+                  <a:solidFill>
+                    <a:schemeClr val="bg1"/>
+                  </a:solidFill>
+                  <a:latin typeface="+mn-lt"/>
+                </a:rPr>
+                <a:t>对象除了负责给</a:t>
+              </a:r>
+              <a:r>
+                <a:rPr lang="en-US" altLang="zh-CN" sz="1400">
+                  <a:solidFill>
+                    <a:schemeClr val="bg1"/>
+                  </a:solidFill>
+                  <a:latin typeface="+mn-lt"/>
+                </a:rPr>
+                <a:t>img</a:t>
+              </a:r>
+              <a:r>
+                <a:rPr lang="zh-CN" altLang="en-US" sz="1400">
+                  <a:solidFill>
+                    <a:schemeClr val="bg1"/>
+                  </a:solidFill>
+                  <a:latin typeface="+mn-lt"/>
+                </a:rPr>
+                <a:t>节点设置</a:t>
+              </a:r>
+              <a:r>
+                <a:rPr lang="en-US" altLang="zh-CN" sz="1400">
+                  <a:solidFill>
+                    <a:schemeClr val="bg1"/>
+                  </a:solidFill>
+                  <a:latin typeface="+mn-lt"/>
+                </a:rPr>
+                <a:t>src</a:t>
+              </a:r>
+              <a:r>
+                <a:rPr lang="zh-CN" altLang="en-US" sz="1400">
+                  <a:solidFill>
+                    <a:schemeClr val="bg1"/>
+                  </a:solidFill>
+                  <a:latin typeface="+mn-lt"/>
+                </a:rPr>
+                <a:t>属性，还要实现图片预加载时，这两件事就耦合在了一起，当网速够快我们不需要预加载功能时，不可避免去改动</a:t>
+              </a:r>
+              <a:r>
+                <a:rPr lang="en-US" altLang="zh-CN" sz="1400">
+                  <a:solidFill>
+                    <a:schemeClr val="bg1"/>
+                  </a:solidFill>
+                  <a:latin typeface="+mn-lt"/>
+                </a:rPr>
+                <a:t>myImage</a:t>
+              </a:r>
+              <a:r>
+                <a:rPr lang="zh-CN" altLang="en-US" sz="1400">
+                  <a:solidFill>
+                    <a:schemeClr val="bg1"/>
+                  </a:solidFill>
+                  <a:latin typeface="+mn-lt"/>
+                </a:rPr>
+                <a:t>对象。然而使用代理模式，只需将请求代理改为请求本体即可。</a:t>
+              </a:r>
+              <a:endParaRPr lang="zh-CN" altLang="en-US" sz="1400">
+                <a:solidFill>
+                  <a:schemeClr val="bg1"/>
+                </a:solidFill>
+                <a:latin typeface="+mn-lt"/>
+              </a:endParaRPr>
+            </a:p>
+          </p:txBody>
+        </p:sp>
+      </p:grpSp>
+    </p:spTree>
+  </p:cSld>
+  <p:clrMapOvr>
+    <a:masterClrMapping/>
+  </p:clrMapOvr>
+  <mc:AlternateContent xmlns:mc="http://schemas.openxmlformats.org/markup-compatibility/2006">
+    <mc:Choice xmlns:p14="http://schemas.microsoft.com/office/powerpoint/2010/main" Requires="p14">
+      <p:transition spd="slow" p14:dur="2000"/>
+    </mc:Choice>
+    <mc:Fallback>
+      <p:transition spd="slow"/>
+    </mc:Fallback>
+  </mc:AlternateContent>
+</p:sld>
+</file>
+
+<file path=ppt/slides/slide11.xml><?xml version="1.0" encoding="utf-8"?>
+<p:sld xmlns:a="http://schemas.openxmlformats.org/drawingml/2006/main" xmlns:r="http://schemas.openxmlformats.org/officeDocument/2006/relationships" xmlns:p="http://schemas.openxmlformats.org/presentationml/2006/main">
+  <p:cSld>
+    <p:spTree>
+      <p:nvGrpSpPr>
+        <p:cNvPr id="1" name=""/>
+        <p:cNvGrpSpPr/>
+        <p:nvPr/>
+      </p:nvGrpSpPr>
+      <p:grpSpPr>
+        <a:xfrm>
+          <a:off x="0" y="0"/>
+          <a:ext cx="0" cy="0"/>
+          <a:chOff x="0" y="0"/>
+          <a:chExt cx="0" cy="0"/>
+        </a:xfrm>
+      </p:grpSpPr>
+      <p:sp>
+        <p:nvSpPr>
           <p:cNvPr id="13" name="矩形 12"/>
           <p:cNvSpPr/>
           <p:nvPr/>
@@ -8341,7 +8810,7 @@
 </p:sld>
 </file>
 
-<file path=ppt/slides/slide11.xml><?xml version="1.0" encoding="utf-8"?>
+<file path=ppt/slides/slide12.xml><?xml version="1.0" encoding="utf-8"?>
 <p:sld xmlns:a="http://schemas.openxmlformats.org/drawingml/2006/main" xmlns:r="http://schemas.openxmlformats.org/officeDocument/2006/relationships" xmlns:p="http://schemas.openxmlformats.org/presentationml/2006/main">
   <p:cSld>
     <p:spTree>
@@ -10028,7 +10497,7 @@
 </p:sld>
 </file>
 
-<file path=ppt/slides/slide12.xml><?xml version="1.0" encoding="utf-8"?>
+<file path=ppt/slides/slide13.xml><?xml version="1.0" encoding="utf-8"?>
 <p:sld xmlns:a="http://schemas.openxmlformats.org/drawingml/2006/main" xmlns:r="http://schemas.openxmlformats.org/officeDocument/2006/relationships" xmlns:p="http://schemas.openxmlformats.org/presentationml/2006/main">
   <p:cSld>
     <p:spTree>
@@ -10673,7 +11142,7 @@
 </p:sld>
 </file>
 
-<file path=ppt/slides/slide13.xml><?xml version="1.0" encoding="utf-8"?>
+<file path=ppt/slides/slide14.xml><?xml version="1.0" encoding="utf-8"?>
 <p:sld xmlns:a="http://schemas.openxmlformats.org/drawingml/2006/main" xmlns:r="http://schemas.openxmlformats.org/officeDocument/2006/relationships" xmlns:p="http://schemas.openxmlformats.org/presentationml/2006/main">
   <p:cSld>
     <p:spTree>
@@ -10999,7 +11468,7 @@
 </p:sld>
 </file>
 
-<file path=ppt/slides/slide14.xml><?xml version="1.0" encoding="utf-8"?>
+<file path=ppt/slides/slide15.xml><?xml version="1.0" encoding="utf-8"?>
 <p:sld xmlns:a="http://schemas.openxmlformats.org/drawingml/2006/main" xmlns:r="http://schemas.openxmlformats.org/officeDocument/2006/relationships" xmlns:p="http://schemas.openxmlformats.org/presentationml/2006/main">
   <p:cSld>
     <p:spTree>
@@ -11609,283 +12078,6 @@
 </p:sld>
 </file>
 
-<file path=ppt/slides/slide15.xml><?xml version="1.0" encoding="utf-8"?>
-<p:sld xmlns:a="http://schemas.openxmlformats.org/drawingml/2006/main" xmlns:r="http://schemas.openxmlformats.org/officeDocument/2006/relationships" xmlns:p="http://schemas.openxmlformats.org/presentationml/2006/main">
-  <p:cSld>
-    <p:spTree>
-      <p:nvGrpSpPr>
-        <p:cNvPr id="1" name=""/>
-        <p:cNvGrpSpPr/>
-        <p:nvPr/>
-      </p:nvGrpSpPr>
-      <p:grpSpPr>
-        <a:xfrm>
-          <a:off x="0" y="0"/>
-          <a:ext cx="0" cy="0"/>
-          <a:chOff x="0" y="0"/>
-          <a:chExt cx="0" cy="0"/>
-        </a:xfrm>
-      </p:grpSpPr>
-      <p:sp>
-        <p:nvSpPr>
-          <p:cNvPr id="2" name="矩形 1"/>
-          <p:cNvSpPr/>
-          <p:nvPr/>
-        </p:nvSpPr>
-        <p:spPr>
-          <a:xfrm>
-            <a:off x="630555" y="469265"/>
-            <a:ext cx="7841615" cy="4205605"/>
-          </a:xfrm>
-          <a:prstGeom prst="rect">
-            <a:avLst/>
-          </a:prstGeom>
-          <a:ln>
-            <a:noFill/>
-          </a:ln>
-        </p:spPr>
-        <p:style>
-          <a:lnRef idx="2">
-            <a:schemeClr val="accent1">
-              <a:shade val="50000"/>
-            </a:schemeClr>
-          </a:lnRef>
-          <a:fillRef idx="1">
-            <a:schemeClr val="accent1"/>
-          </a:fillRef>
-          <a:effectRef idx="0">
-            <a:schemeClr val="accent1"/>
-          </a:effectRef>
-          <a:fontRef idx="minor">
-            <a:schemeClr val="lt1"/>
-          </a:fontRef>
-        </p:style>
-        <p:txBody>
-          <a:bodyPr rtlCol="0" anchor="ctr"/>
-          <a:lstStyle/>
-          <a:p>
-            <a:pPr algn="ctr"/>
-            <a:endParaRPr lang="zh-CN" altLang="en-US"/>
-          </a:p>
-        </p:txBody>
-      </p:sp>
-      <p:sp>
-        <p:nvSpPr>
-          <p:cNvPr id="6" name="Rectangle 15" descr="e7d195523061f1c09e9d68d7cf438b91ef959ecb14fc25d26BBA7F7DBC18E55DFF4014AF651F0BF2569D4B6C1DA7F1A4683A481403BD872FC687266AD13265C1DE7C373772FD8728ABDD69ADD03BFF5BE2862BC891DBB79E43A8244B4D7DEEF5A1BFB79ED4015C912F9C8B85E44C1E1FAF45D4C71B4D8047555824264C2F16A606196D84073B0BC612CE1BA227542E4A"/>
-          <p:cNvSpPr>
-            <a:spLocks noChangeArrowheads="1"/>
-          </p:cNvSpPr>
-          <p:nvPr/>
-        </p:nvSpPr>
-        <p:spPr bwMode="auto">
-          <a:xfrm>
-            <a:off x="1238885" y="2673350"/>
-            <a:ext cx="6636385" cy="575945"/>
-          </a:xfrm>
-          <a:prstGeom prst="rect">
-            <a:avLst/>
-          </a:prstGeom>
-          <a:noFill/>
-          <a:ln>
-            <a:noFill/>
-          </a:ln>
-          <a:extLst>
-            <a:ext uri="{909E8E84-426E-40DD-AFC4-6F175D3DCCD1}">
-              <a14:hiddenFill xmlns:a14="http://schemas.microsoft.com/office/drawing/2010/main">
-                <a:solidFill>
-                  <a:srgbClr val="FFFFFF"/>
-                </a:solidFill>
-              </a14:hiddenFill>
-            </a:ext>
-            <a:ext uri="{91240B29-F687-4F45-9708-019B960494DF}">
-              <a14:hiddenLine xmlns:a14="http://schemas.microsoft.com/office/drawing/2010/main" w="9525">
-                <a:solidFill>
-                  <a:srgbClr val="000000"/>
-                </a:solidFill>
-                <a:miter lim="800000"/>
-                <a:headEnd/>
-                <a:tailEnd/>
-              </a14:hiddenLine>
-            </a:ext>
-          </a:extLst>
-        </p:spPr>
-        <p:txBody>
-          <a:bodyPr wrap="square">
-            <a:spAutoFit/>
-          </a:bodyPr>
-          <a:lstStyle>
-            <a:lvl1pPr>
-              <a:defRPr sz="1300">
-                <a:solidFill>
-                  <a:schemeClr val="tx1"/>
-                </a:solidFill>
-                <a:latin typeface="Arial" panose="020B0604020202020204" pitchFamily="34" charset="0"/>
-                <a:ea typeface="微软雅黑" panose="020B0503020204020204" pitchFamily="34" charset="-122"/>
-              </a:defRPr>
-            </a:lvl1pPr>
-            <a:lvl2pPr marL="742950" indent="-285750">
-              <a:defRPr sz="1300">
-                <a:solidFill>
-                  <a:schemeClr val="tx1"/>
-                </a:solidFill>
-                <a:latin typeface="Arial" panose="020B0604020202020204" pitchFamily="34" charset="0"/>
-                <a:ea typeface="微软雅黑" panose="020B0503020204020204" pitchFamily="34" charset="-122"/>
-              </a:defRPr>
-            </a:lvl2pPr>
-            <a:lvl3pPr marL="1143000" indent="-228600">
-              <a:defRPr sz="1300">
-                <a:solidFill>
-                  <a:schemeClr val="tx1"/>
-                </a:solidFill>
-                <a:latin typeface="Arial" panose="020B0604020202020204" pitchFamily="34" charset="0"/>
-                <a:ea typeface="微软雅黑" panose="020B0503020204020204" pitchFamily="34" charset="-122"/>
-              </a:defRPr>
-            </a:lvl3pPr>
-            <a:lvl4pPr marL="1600200" indent="-228600">
-              <a:defRPr sz="1300">
-                <a:solidFill>
-                  <a:schemeClr val="tx1"/>
-                </a:solidFill>
-                <a:latin typeface="Arial" panose="020B0604020202020204" pitchFamily="34" charset="0"/>
-                <a:ea typeface="微软雅黑" panose="020B0503020204020204" pitchFamily="34" charset="-122"/>
-              </a:defRPr>
-            </a:lvl4pPr>
-            <a:lvl5pPr marL="2057400" indent="-228600">
-              <a:defRPr sz="1300">
-                <a:solidFill>
-                  <a:schemeClr val="tx1"/>
-                </a:solidFill>
-                <a:latin typeface="Arial" panose="020B0604020202020204" pitchFamily="34" charset="0"/>
-                <a:ea typeface="微软雅黑" panose="020B0503020204020204" pitchFamily="34" charset="-122"/>
-              </a:defRPr>
-            </a:lvl5pPr>
-            <a:lvl6pPr marL="2514600" indent="-228600" eaLnBrk="0" fontAlgn="base" hangingPunct="0">
-              <a:spcBef>
-                <a:spcPct val="0"/>
-              </a:spcBef>
-              <a:spcAft>
-                <a:spcPct val="0"/>
-              </a:spcAft>
-              <a:defRPr sz="1300">
-                <a:solidFill>
-                  <a:schemeClr val="tx1"/>
-                </a:solidFill>
-                <a:latin typeface="Arial" panose="020B0604020202020204" pitchFamily="34" charset="0"/>
-                <a:ea typeface="微软雅黑" panose="020B0503020204020204" pitchFamily="34" charset="-122"/>
-              </a:defRPr>
-            </a:lvl6pPr>
-            <a:lvl7pPr marL="2971800" indent="-228600" eaLnBrk="0" fontAlgn="base" hangingPunct="0">
-              <a:spcBef>
-                <a:spcPct val="0"/>
-              </a:spcBef>
-              <a:spcAft>
-                <a:spcPct val="0"/>
-              </a:spcAft>
-              <a:defRPr sz="1300">
-                <a:solidFill>
-                  <a:schemeClr val="tx1"/>
-                </a:solidFill>
-                <a:latin typeface="Arial" panose="020B0604020202020204" pitchFamily="34" charset="0"/>
-                <a:ea typeface="微软雅黑" panose="020B0503020204020204" pitchFamily="34" charset="-122"/>
-              </a:defRPr>
-            </a:lvl7pPr>
-            <a:lvl8pPr marL="3429000" indent="-228600" eaLnBrk="0" fontAlgn="base" hangingPunct="0">
-              <a:spcBef>
-                <a:spcPct val="0"/>
-              </a:spcBef>
-              <a:spcAft>
-                <a:spcPct val="0"/>
-              </a:spcAft>
-              <a:defRPr sz="1300">
-                <a:solidFill>
-                  <a:schemeClr val="tx1"/>
-                </a:solidFill>
-                <a:latin typeface="Arial" panose="020B0604020202020204" pitchFamily="34" charset="0"/>
-                <a:ea typeface="微软雅黑" panose="020B0503020204020204" pitchFamily="34" charset="-122"/>
-              </a:defRPr>
-            </a:lvl8pPr>
-            <a:lvl9pPr marL="3886200" indent="-228600" eaLnBrk="0" fontAlgn="base" hangingPunct="0">
-              <a:spcBef>
-                <a:spcPct val="0"/>
-              </a:spcBef>
-              <a:spcAft>
-                <a:spcPct val="0"/>
-              </a:spcAft>
-              <a:defRPr sz="1300">
-                <a:solidFill>
-                  <a:schemeClr val="tx1"/>
-                </a:solidFill>
-                <a:latin typeface="Arial" panose="020B0604020202020204" pitchFamily="34" charset="0"/>
-                <a:ea typeface="微软雅黑" panose="020B0503020204020204" pitchFamily="34" charset="-122"/>
-              </a:defRPr>
-            </a:lvl9pPr>
-          </a:lstStyle>
-          <a:p>
-            <a:pPr defTabSz="914400">
-              <a:lnSpc>
-                <a:spcPct val="150000"/>
-              </a:lnSpc>
-              <a:defRPr/>
-            </a:pPr>
-            <a:r>
-              <a:rPr lang="en-US" altLang="zh-CN" sz="1050">
-                <a:solidFill>
-                  <a:schemeClr val="bg1"/>
-                </a:solidFill>
-                <a:latin typeface="+mn-lt"/>
-              </a:rPr>
-              <a:t>Lorem ipsum dolor sit amet, consectetur adipiscing elit. Quisque ultrices venenatis ultrices. Duis et lectus sapien. Etiam tempor sodales gravida. Lorem ipsum dolor sit amet, consectetur adipiscing elit. Quisque ultrices venenatis ultrices. </a:t>
-            </a:r>
-            <a:endParaRPr lang="en-US" altLang="zh-CN" sz="1050">
-              <a:solidFill>
-                <a:schemeClr val="bg1"/>
-              </a:solidFill>
-              <a:latin typeface="+mn-lt"/>
-            </a:endParaRPr>
-          </a:p>
-        </p:txBody>
-      </p:sp>
-      <p:pic>
-        <p:nvPicPr>
-          <p:cNvPr id="8" name="图片 7" descr="C:\Users\Go\Desktop\2588290-69a5167e9db1a2cb.png2588290-69a5167e9db1a2cb"/>
-          <p:cNvPicPr>
-            <a:picLocks noChangeAspect="1"/>
-          </p:cNvPicPr>
-          <p:nvPr/>
-        </p:nvPicPr>
-        <p:blipFill>
-          <a:blip r:embed="rId1"/>
-          <a:srcRect/>
-          <a:stretch>
-            <a:fillRect/>
-          </a:stretch>
-        </p:blipFill>
-        <p:spPr>
-          <a:xfrm>
-            <a:off x="1238250" y="1085850"/>
-            <a:ext cx="6666865" cy="2971165"/>
-          </a:xfrm>
-          <a:prstGeom prst="rect">
-            <a:avLst/>
-          </a:prstGeom>
-        </p:spPr>
-      </p:pic>
-    </p:spTree>
-  </p:cSld>
-  <p:clrMapOvr>
-    <a:masterClrMapping/>
-  </p:clrMapOvr>
-  <mc:AlternateContent xmlns:mc="http://schemas.openxmlformats.org/markup-compatibility/2006">
-    <mc:Choice xmlns:p14="http://schemas.microsoft.com/office/powerpoint/2010/main" Requires="p14">
-      <p:transition spd="slow" p14:dur="2000"/>
-    </mc:Choice>
-    <mc:Fallback>
-      <p:transition spd="slow"/>
-    </mc:Fallback>
-  </mc:AlternateContent>
-</p:sld>
-</file>
-
 <file path=ppt/slides/slide16.xml><?xml version="1.0" encoding="utf-8"?>
 <p:sld xmlns:a="http://schemas.openxmlformats.org/drawingml/2006/main" xmlns:r="http://schemas.openxmlformats.org/officeDocument/2006/relationships" xmlns:p="http://schemas.openxmlformats.org/presentationml/2006/main">
   <p:cSld>
@@ -12124,6 +12316,283 @@
       </p:sp>
       <p:pic>
         <p:nvPicPr>
+          <p:cNvPr id="8" name="图片 7" descr="C:\Users\Go\Desktop\2588290-69a5167e9db1a2cb.png2588290-69a5167e9db1a2cb"/>
+          <p:cNvPicPr>
+            <a:picLocks noChangeAspect="1"/>
+          </p:cNvPicPr>
+          <p:nvPr/>
+        </p:nvPicPr>
+        <p:blipFill>
+          <a:blip r:embed="rId1"/>
+          <a:srcRect/>
+          <a:stretch>
+            <a:fillRect/>
+          </a:stretch>
+        </p:blipFill>
+        <p:spPr>
+          <a:xfrm>
+            <a:off x="1238250" y="1085850"/>
+            <a:ext cx="6666865" cy="2971165"/>
+          </a:xfrm>
+          <a:prstGeom prst="rect">
+            <a:avLst/>
+          </a:prstGeom>
+        </p:spPr>
+      </p:pic>
+    </p:spTree>
+  </p:cSld>
+  <p:clrMapOvr>
+    <a:masterClrMapping/>
+  </p:clrMapOvr>
+  <mc:AlternateContent xmlns:mc="http://schemas.openxmlformats.org/markup-compatibility/2006">
+    <mc:Choice xmlns:p14="http://schemas.microsoft.com/office/powerpoint/2010/main" Requires="p14">
+      <p:transition spd="slow" p14:dur="2000"/>
+    </mc:Choice>
+    <mc:Fallback>
+      <p:transition spd="slow"/>
+    </mc:Fallback>
+  </mc:AlternateContent>
+</p:sld>
+</file>
+
+<file path=ppt/slides/slide17.xml><?xml version="1.0" encoding="utf-8"?>
+<p:sld xmlns:a="http://schemas.openxmlformats.org/drawingml/2006/main" xmlns:r="http://schemas.openxmlformats.org/officeDocument/2006/relationships" xmlns:p="http://schemas.openxmlformats.org/presentationml/2006/main">
+  <p:cSld>
+    <p:spTree>
+      <p:nvGrpSpPr>
+        <p:cNvPr id="1" name=""/>
+        <p:cNvGrpSpPr/>
+        <p:nvPr/>
+      </p:nvGrpSpPr>
+      <p:grpSpPr>
+        <a:xfrm>
+          <a:off x="0" y="0"/>
+          <a:ext cx="0" cy="0"/>
+          <a:chOff x="0" y="0"/>
+          <a:chExt cx="0" cy="0"/>
+        </a:xfrm>
+      </p:grpSpPr>
+      <p:sp>
+        <p:nvSpPr>
+          <p:cNvPr id="2" name="矩形 1"/>
+          <p:cNvSpPr/>
+          <p:nvPr/>
+        </p:nvSpPr>
+        <p:spPr>
+          <a:xfrm>
+            <a:off x="630555" y="469265"/>
+            <a:ext cx="7841615" cy="4205605"/>
+          </a:xfrm>
+          <a:prstGeom prst="rect">
+            <a:avLst/>
+          </a:prstGeom>
+          <a:ln>
+            <a:noFill/>
+          </a:ln>
+        </p:spPr>
+        <p:style>
+          <a:lnRef idx="2">
+            <a:schemeClr val="accent1">
+              <a:shade val="50000"/>
+            </a:schemeClr>
+          </a:lnRef>
+          <a:fillRef idx="1">
+            <a:schemeClr val="accent1"/>
+          </a:fillRef>
+          <a:effectRef idx="0">
+            <a:schemeClr val="accent1"/>
+          </a:effectRef>
+          <a:fontRef idx="minor">
+            <a:schemeClr val="lt1"/>
+          </a:fontRef>
+        </p:style>
+        <p:txBody>
+          <a:bodyPr rtlCol="0" anchor="ctr"/>
+          <a:lstStyle/>
+          <a:p>
+            <a:pPr algn="ctr"/>
+            <a:endParaRPr lang="zh-CN" altLang="en-US"/>
+          </a:p>
+        </p:txBody>
+      </p:sp>
+      <p:sp>
+        <p:nvSpPr>
+          <p:cNvPr id="6" name="Rectangle 15" descr="e7d195523061f1c09e9d68d7cf438b91ef959ecb14fc25d26BBA7F7DBC18E55DFF4014AF651F0BF2569D4B6C1DA7F1A4683A481403BD872FC687266AD13265C1DE7C373772FD8728ABDD69ADD03BFF5BE2862BC891DBB79E43A8244B4D7DEEF5A1BFB79ED4015C912F9C8B85E44C1E1FAF45D4C71B4D8047555824264C2F16A606196D84073B0BC612CE1BA227542E4A"/>
+          <p:cNvSpPr>
+            <a:spLocks noChangeArrowheads="1"/>
+          </p:cNvSpPr>
+          <p:nvPr/>
+        </p:nvSpPr>
+        <p:spPr bwMode="auto">
+          <a:xfrm>
+            <a:off x="1238885" y="2673350"/>
+            <a:ext cx="6636385" cy="575945"/>
+          </a:xfrm>
+          <a:prstGeom prst="rect">
+            <a:avLst/>
+          </a:prstGeom>
+          <a:noFill/>
+          <a:ln>
+            <a:noFill/>
+          </a:ln>
+          <a:extLst>
+            <a:ext uri="{909E8E84-426E-40DD-AFC4-6F175D3DCCD1}">
+              <a14:hiddenFill xmlns:a14="http://schemas.microsoft.com/office/drawing/2010/main">
+                <a:solidFill>
+                  <a:srgbClr val="FFFFFF"/>
+                </a:solidFill>
+              </a14:hiddenFill>
+            </a:ext>
+            <a:ext uri="{91240B29-F687-4F45-9708-019B960494DF}">
+              <a14:hiddenLine xmlns:a14="http://schemas.microsoft.com/office/drawing/2010/main" w="9525">
+                <a:solidFill>
+                  <a:srgbClr val="000000"/>
+                </a:solidFill>
+                <a:miter lim="800000"/>
+                <a:headEnd/>
+                <a:tailEnd/>
+              </a14:hiddenLine>
+            </a:ext>
+          </a:extLst>
+        </p:spPr>
+        <p:txBody>
+          <a:bodyPr wrap="square">
+            <a:spAutoFit/>
+          </a:bodyPr>
+          <a:lstStyle>
+            <a:lvl1pPr>
+              <a:defRPr sz="1300">
+                <a:solidFill>
+                  <a:schemeClr val="tx1"/>
+                </a:solidFill>
+                <a:latin typeface="Arial" panose="020B0604020202020204" pitchFamily="34" charset="0"/>
+                <a:ea typeface="微软雅黑" panose="020B0503020204020204" pitchFamily="34" charset="-122"/>
+              </a:defRPr>
+            </a:lvl1pPr>
+            <a:lvl2pPr marL="742950" indent="-285750">
+              <a:defRPr sz="1300">
+                <a:solidFill>
+                  <a:schemeClr val="tx1"/>
+                </a:solidFill>
+                <a:latin typeface="Arial" panose="020B0604020202020204" pitchFamily="34" charset="0"/>
+                <a:ea typeface="微软雅黑" panose="020B0503020204020204" pitchFamily="34" charset="-122"/>
+              </a:defRPr>
+            </a:lvl2pPr>
+            <a:lvl3pPr marL="1143000" indent="-228600">
+              <a:defRPr sz="1300">
+                <a:solidFill>
+                  <a:schemeClr val="tx1"/>
+                </a:solidFill>
+                <a:latin typeface="Arial" panose="020B0604020202020204" pitchFamily="34" charset="0"/>
+                <a:ea typeface="微软雅黑" panose="020B0503020204020204" pitchFamily="34" charset="-122"/>
+              </a:defRPr>
+            </a:lvl3pPr>
+            <a:lvl4pPr marL="1600200" indent="-228600">
+              <a:defRPr sz="1300">
+                <a:solidFill>
+                  <a:schemeClr val="tx1"/>
+                </a:solidFill>
+                <a:latin typeface="Arial" panose="020B0604020202020204" pitchFamily="34" charset="0"/>
+                <a:ea typeface="微软雅黑" panose="020B0503020204020204" pitchFamily="34" charset="-122"/>
+              </a:defRPr>
+            </a:lvl4pPr>
+            <a:lvl5pPr marL="2057400" indent="-228600">
+              <a:defRPr sz="1300">
+                <a:solidFill>
+                  <a:schemeClr val="tx1"/>
+                </a:solidFill>
+                <a:latin typeface="Arial" panose="020B0604020202020204" pitchFamily="34" charset="0"/>
+                <a:ea typeface="微软雅黑" panose="020B0503020204020204" pitchFamily="34" charset="-122"/>
+              </a:defRPr>
+            </a:lvl5pPr>
+            <a:lvl6pPr marL="2514600" indent="-228600" eaLnBrk="0" fontAlgn="base" hangingPunct="0">
+              <a:spcBef>
+                <a:spcPct val="0"/>
+              </a:spcBef>
+              <a:spcAft>
+                <a:spcPct val="0"/>
+              </a:spcAft>
+              <a:defRPr sz="1300">
+                <a:solidFill>
+                  <a:schemeClr val="tx1"/>
+                </a:solidFill>
+                <a:latin typeface="Arial" panose="020B0604020202020204" pitchFamily="34" charset="0"/>
+                <a:ea typeface="微软雅黑" panose="020B0503020204020204" pitchFamily="34" charset="-122"/>
+              </a:defRPr>
+            </a:lvl6pPr>
+            <a:lvl7pPr marL="2971800" indent="-228600" eaLnBrk="0" fontAlgn="base" hangingPunct="0">
+              <a:spcBef>
+                <a:spcPct val="0"/>
+              </a:spcBef>
+              <a:spcAft>
+                <a:spcPct val="0"/>
+              </a:spcAft>
+              <a:defRPr sz="1300">
+                <a:solidFill>
+                  <a:schemeClr val="tx1"/>
+                </a:solidFill>
+                <a:latin typeface="Arial" panose="020B0604020202020204" pitchFamily="34" charset="0"/>
+                <a:ea typeface="微软雅黑" panose="020B0503020204020204" pitchFamily="34" charset="-122"/>
+              </a:defRPr>
+            </a:lvl7pPr>
+            <a:lvl8pPr marL="3429000" indent="-228600" eaLnBrk="0" fontAlgn="base" hangingPunct="0">
+              <a:spcBef>
+                <a:spcPct val="0"/>
+              </a:spcBef>
+              <a:spcAft>
+                <a:spcPct val="0"/>
+              </a:spcAft>
+              <a:defRPr sz="1300">
+                <a:solidFill>
+                  <a:schemeClr val="tx1"/>
+                </a:solidFill>
+                <a:latin typeface="Arial" panose="020B0604020202020204" pitchFamily="34" charset="0"/>
+                <a:ea typeface="微软雅黑" panose="020B0503020204020204" pitchFamily="34" charset="-122"/>
+              </a:defRPr>
+            </a:lvl8pPr>
+            <a:lvl9pPr marL="3886200" indent="-228600" eaLnBrk="0" fontAlgn="base" hangingPunct="0">
+              <a:spcBef>
+                <a:spcPct val="0"/>
+              </a:spcBef>
+              <a:spcAft>
+                <a:spcPct val="0"/>
+              </a:spcAft>
+              <a:defRPr sz="1300">
+                <a:solidFill>
+                  <a:schemeClr val="tx1"/>
+                </a:solidFill>
+                <a:latin typeface="Arial" panose="020B0604020202020204" pitchFamily="34" charset="0"/>
+                <a:ea typeface="微软雅黑" panose="020B0503020204020204" pitchFamily="34" charset="-122"/>
+              </a:defRPr>
+            </a:lvl9pPr>
+          </a:lstStyle>
+          <a:p>
+            <a:pPr defTabSz="914400">
+              <a:lnSpc>
+                <a:spcPct val="150000"/>
+              </a:lnSpc>
+              <a:defRPr/>
+            </a:pPr>
+            <a:r>
+              <a:rPr lang="en-US" altLang="zh-CN" sz="1050">
+                <a:solidFill>
+                  <a:schemeClr val="bg1"/>
+                </a:solidFill>
+                <a:latin typeface="+mn-lt"/>
+              </a:rPr>
+              <a:t>Lorem ipsum dolor sit amet, consectetur adipiscing elit. Quisque ultrices venenatis ultrices. Duis et lectus sapien. Etiam tempor sodales gravida. Lorem ipsum dolor sit amet, consectetur adipiscing elit. Quisque ultrices venenatis ultrices. </a:t>
+            </a:r>
+            <a:endParaRPr lang="en-US" altLang="zh-CN" sz="1050">
+              <a:solidFill>
+                <a:schemeClr val="bg1"/>
+              </a:solidFill>
+              <a:latin typeface="+mn-lt"/>
+            </a:endParaRPr>
+          </a:p>
+        </p:txBody>
+      </p:sp>
+      <p:pic>
+        <p:nvPicPr>
           <p:cNvPr id="8" name="图片 7" descr="C:\Users\Go\Desktop\2588290-c1fe0168d8d8c5fd.png2588290-c1fe0168d8d8c5fd"/>
           <p:cNvPicPr>
             <a:picLocks noChangeAspect="1"/>
@@ -12163,7 +12632,7 @@
 </p:sld>
 </file>
 
-<file path=ppt/slides/slide17.xml><?xml version="1.0" encoding="utf-8"?>
+<file path=ppt/slides/slide18.xml><?xml version="1.0" encoding="utf-8"?>
 <p:sld xmlns:a="http://schemas.openxmlformats.org/drawingml/2006/main" xmlns:r="http://schemas.openxmlformats.org/officeDocument/2006/relationships" xmlns:p="http://schemas.openxmlformats.org/presentationml/2006/main">
   <p:cSld>
     <p:spTree>
@@ -12737,7 +13206,7 @@
 </p:sld>
 </file>
 
-<file path=ppt/slides/slide18.xml><?xml version="1.0" encoding="utf-8"?>
+<file path=ppt/slides/slide19.xml><?xml version="1.0" encoding="utf-8"?>
 <p:sld xmlns:a="http://schemas.openxmlformats.org/drawingml/2006/main" xmlns:r="http://schemas.openxmlformats.org/officeDocument/2006/relationships" xmlns:p="http://schemas.openxmlformats.org/presentationml/2006/main">
   <p:cSld>
     <p:spTree>
@@ -13014,7 +13483,992 @@
 </p:sld>
 </file>
 
-<file path=ppt/slides/slide19.xml><?xml version="1.0" encoding="utf-8"?>
+<file path=ppt/slides/slide2.xml><?xml version="1.0" encoding="utf-8"?>
+<p:sld xmlns:a="http://schemas.openxmlformats.org/drawingml/2006/main" xmlns:r="http://schemas.openxmlformats.org/officeDocument/2006/relationships" xmlns:p="http://schemas.openxmlformats.org/presentationml/2006/main">
+  <p:cSld>
+    <p:spTree>
+      <p:nvGrpSpPr>
+        <p:cNvPr id="1" name=""/>
+        <p:cNvGrpSpPr/>
+        <p:nvPr/>
+      </p:nvGrpSpPr>
+      <p:grpSpPr>
+        <a:xfrm>
+          <a:off x="0" y="0"/>
+          <a:ext cx="0" cy="0"/>
+          <a:chOff x="0" y="0"/>
+          <a:chExt cx="0" cy="0"/>
+        </a:xfrm>
+      </p:grpSpPr>
+      <p:grpSp>
+        <p:nvGrpSpPr>
+          <p:cNvPr id="2" name="组合 1"/>
+          <p:cNvGrpSpPr/>
+          <p:nvPr/>
+        </p:nvGrpSpPr>
+        <p:grpSpPr>
+          <a:xfrm>
+            <a:off x="4460558" y="1218565"/>
+            <a:ext cx="2719427" cy="2861310"/>
+            <a:chOff x="453" y="2894"/>
+            <a:chExt cx="4282" cy="4506"/>
+          </a:xfrm>
+        </p:grpSpPr>
+        <p:sp>
+          <p:nvSpPr>
+            <p:cNvPr id="12" name="PA_文本框 7" descr="e7d195523061f1c09e9d68d7cf438b91ef959ecb14fc25d26BBA7F7DBC18E55DFF4014AF651F0BF2569D4B6C1DA7F1A4683A481403BD872FC687266AD13265C1DE7C373772FD8728ABDD69ADD03BFF5BE2862BC891DBB79E48D68EAF9BC0B135F08CB3AA261467E47643FBA29D38A9757F7FFD5B7023D39A21F358D3BB12D2D6D548E32EE07CB42717034D7FAE5F42C8"/>
+            <p:cNvSpPr txBox="1">
+              <a:spLocks noChangeArrowheads="1"/>
+            </p:cNvSpPr>
+            <p:nvPr>
+              <p:custDataLst>
+                <p:tags r:id="rId1"/>
+              </p:custDataLst>
+            </p:nvPr>
+          </p:nvSpPr>
+          <p:spPr bwMode="auto">
+            <a:xfrm>
+              <a:off x="453" y="2894"/>
+              <a:ext cx="4282" cy="628"/>
+            </a:xfrm>
+            <a:prstGeom prst="rect">
+              <a:avLst/>
+            </a:prstGeom>
+            <a:noFill/>
+            <a:ln>
+              <a:noFill/>
+            </a:ln>
+            <a:extLst>
+              <a:ext uri="{909E8E84-426E-40DD-AFC4-6F175D3DCCD1}">
+                <a14:hiddenFill xmlns:a14="http://schemas.microsoft.com/office/drawing/2010/main">
+                  <a:solidFill>
+                    <a:srgbClr val="FFFFFF"/>
+                  </a:solidFill>
+                </a14:hiddenFill>
+              </a:ext>
+              <a:ext uri="{91240B29-F687-4F45-9708-019B960494DF}">
+                <a14:hiddenLine xmlns:a14="http://schemas.microsoft.com/office/drawing/2010/main" w="9525">
+                  <a:solidFill>
+                    <a:srgbClr val="000000"/>
+                  </a:solidFill>
+                  <a:miter lim="800000"/>
+                  <a:headEnd/>
+                  <a:tailEnd/>
+                </a14:hiddenLine>
+              </a:ext>
+            </a:extLst>
+          </p:spPr>
+          <p:txBody>
+            <a:bodyPr wrap="square">
+              <a:spAutoFit/>
+            </a:bodyPr>
+            <a:lstStyle>
+              <a:lvl1pPr defTabSz="514350">
+                <a:defRPr sz="1300">
+                  <a:solidFill>
+                    <a:schemeClr val="tx1"/>
+                  </a:solidFill>
+                  <a:latin typeface="Calibri" panose="020F0502020204030204" pitchFamily="34" charset="0"/>
+                  <a:ea typeface="宋体" panose="02010600030101010101" pitchFamily="2" charset="-122"/>
+                </a:defRPr>
+              </a:lvl1pPr>
+              <a:lvl2pPr marL="742950" indent="-285750" defTabSz="514350">
+                <a:defRPr sz="1300">
+                  <a:solidFill>
+                    <a:schemeClr val="tx1"/>
+                  </a:solidFill>
+                  <a:latin typeface="Calibri" panose="020F0502020204030204" pitchFamily="34" charset="0"/>
+                  <a:ea typeface="宋体" panose="02010600030101010101" pitchFamily="2" charset="-122"/>
+                </a:defRPr>
+              </a:lvl2pPr>
+              <a:lvl3pPr marL="1143000" indent="-228600" defTabSz="514350">
+                <a:defRPr sz="1300">
+                  <a:solidFill>
+                    <a:schemeClr val="tx1"/>
+                  </a:solidFill>
+                  <a:latin typeface="Calibri" panose="020F0502020204030204" pitchFamily="34" charset="0"/>
+                  <a:ea typeface="宋体" panose="02010600030101010101" pitchFamily="2" charset="-122"/>
+                </a:defRPr>
+              </a:lvl3pPr>
+              <a:lvl4pPr marL="1600200" indent="-228600" defTabSz="514350">
+                <a:defRPr sz="1300">
+                  <a:solidFill>
+                    <a:schemeClr val="tx1"/>
+                  </a:solidFill>
+                  <a:latin typeface="Calibri" panose="020F0502020204030204" pitchFamily="34" charset="0"/>
+                  <a:ea typeface="宋体" panose="02010600030101010101" pitchFamily="2" charset="-122"/>
+                </a:defRPr>
+              </a:lvl4pPr>
+              <a:lvl5pPr marL="2057400" indent="-228600" defTabSz="514350">
+                <a:defRPr sz="1300">
+                  <a:solidFill>
+                    <a:schemeClr val="tx1"/>
+                  </a:solidFill>
+                  <a:latin typeface="Calibri" panose="020F0502020204030204" pitchFamily="34" charset="0"/>
+                  <a:ea typeface="宋体" panose="02010600030101010101" pitchFamily="2" charset="-122"/>
+                </a:defRPr>
+              </a:lvl5pPr>
+              <a:lvl6pPr marL="2514600" indent="-228600" defTabSz="514350" eaLnBrk="0" fontAlgn="base" hangingPunct="0">
+                <a:spcBef>
+                  <a:spcPct val="0"/>
+                </a:spcBef>
+                <a:spcAft>
+                  <a:spcPct val="0"/>
+                </a:spcAft>
+                <a:defRPr sz="1300">
+                  <a:solidFill>
+                    <a:schemeClr val="tx1"/>
+                  </a:solidFill>
+                  <a:latin typeface="Calibri" panose="020F0502020204030204" pitchFamily="34" charset="0"/>
+                  <a:ea typeface="宋体" panose="02010600030101010101" pitchFamily="2" charset="-122"/>
+                </a:defRPr>
+              </a:lvl6pPr>
+              <a:lvl7pPr marL="2971800" indent="-228600" defTabSz="514350" eaLnBrk="0" fontAlgn="base" hangingPunct="0">
+                <a:spcBef>
+                  <a:spcPct val="0"/>
+                </a:spcBef>
+                <a:spcAft>
+                  <a:spcPct val="0"/>
+                </a:spcAft>
+                <a:defRPr sz="1300">
+                  <a:solidFill>
+                    <a:schemeClr val="tx1"/>
+                  </a:solidFill>
+                  <a:latin typeface="Calibri" panose="020F0502020204030204" pitchFamily="34" charset="0"/>
+                  <a:ea typeface="宋体" panose="02010600030101010101" pitchFamily="2" charset="-122"/>
+                </a:defRPr>
+              </a:lvl7pPr>
+              <a:lvl8pPr marL="3429000" indent="-228600" defTabSz="514350" eaLnBrk="0" fontAlgn="base" hangingPunct="0">
+                <a:spcBef>
+                  <a:spcPct val="0"/>
+                </a:spcBef>
+                <a:spcAft>
+                  <a:spcPct val="0"/>
+                </a:spcAft>
+                <a:defRPr sz="1300">
+                  <a:solidFill>
+                    <a:schemeClr val="tx1"/>
+                  </a:solidFill>
+                  <a:latin typeface="Calibri" panose="020F0502020204030204" pitchFamily="34" charset="0"/>
+                  <a:ea typeface="宋体" panose="02010600030101010101" pitchFamily="2" charset="-122"/>
+                </a:defRPr>
+              </a:lvl8pPr>
+              <a:lvl9pPr marL="3886200" indent="-228600" defTabSz="514350" eaLnBrk="0" fontAlgn="base" hangingPunct="0">
+                <a:spcBef>
+                  <a:spcPct val="0"/>
+                </a:spcBef>
+                <a:spcAft>
+                  <a:spcPct val="0"/>
+                </a:spcAft>
+                <a:defRPr sz="1300">
+                  <a:solidFill>
+                    <a:schemeClr val="tx1"/>
+                  </a:solidFill>
+                  <a:latin typeface="Calibri" panose="020F0502020204030204" pitchFamily="34" charset="0"/>
+                  <a:ea typeface="宋体" panose="02010600030101010101" pitchFamily="2" charset="-122"/>
+                </a:defRPr>
+              </a:lvl9pPr>
+            </a:lstStyle>
+            <a:p>
+              <a:pPr indent="0" fontAlgn="base">
+                <a:spcBef>
+                  <a:spcPct val="0"/>
+                </a:spcBef>
+                <a:spcAft>
+                  <a:spcPct val="0"/>
+                </a:spcAft>
+                <a:buNone/>
+              </a:pPr>
+              <a:r>
+                <a:rPr lang="zh-CN" altLang="en-US" sz="2000">
+                  <a:solidFill>
+                    <a:schemeClr val="accent1"/>
+                  </a:solidFill>
+                  <a:latin typeface="+mj-ea"/>
+                  <a:ea typeface="+mj-ea"/>
+                  <a:sym typeface="Calibri" panose="020F0502020204030204" pitchFamily="34" charset="0"/>
+                </a:rPr>
+                <a:t>为什么要用设计模式？</a:t>
+              </a:r>
+              <a:endParaRPr lang="zh-CN" altLang="en-US" sz="2000">
+                <a:solidFill>
+                  <a:schemeClr val="accent1"/>
+                </a:solidFill>
+                <a:latin typeface="+mj-ea"/>
+                <a:ea typeface="+mj-ea"/>
+                <a:sym typeface="Calibri" panose="020F0502020204030204" pitchFamily="34" charset="0"/>
+              </a:endParaRPr>
+            </a:p>
+          </p:txBody>
+        </p:sp>
+        <p:sp>
+          <p:nvSpPr>
+            <p:cNvPr id="13" name="PA_文本框 12" descr="e7d195523061f1c09e9d68d7cf438b91ef959ecb14fc25d26BBA7F7DBC18E55DFF4014AF651F0BF2569D4B6C1DA7F1A4683A481403BD872FC687266AD13265C1DE7C373772FD8728ABDD69ADD03BFF5BE2862BC891DBB79E48D68EAF9BC0B135F08CB3AA261467E47643FBA29D38A9757F7FFD5B7023D39A21F358D3BB12D2D6D548E32EE07CB42717034D7FAE5F42C8"/>
+            <p:cNvSpPr txBox="1">
+              <a:spLocks noChangeArrowheads="1"/>
+            </p:cNvSpPr>
+            <p:nvPr>
+              <p:custDataLst>
+                <p:tags r:id="rId2"/>
+              </p:custDataLst>
+            </p:nvPr>
+          </p:nvSpPr>
+          <p:spPr bwMode="auto">
+            <a:xfrm>
+              <a:off x="453" y="5479"/>
+              <a:ext cx="3436" cy="628"/>
+            </a:xfrm>
+            <a:prstGeom prst="rect">
+              <a:avLst/>
+            </a:prstGeom>
+            <a:noFill/>
+            <a:ln>
+              <a:noFill/>
+            </a:ln>
+            <a:extLst>
+              <a:ext uri="{909E8E84-426E-40DD-AFC4-6F175D3DCCD1}">
+                <a14:hiddenFill xmlns:a14="http://schemas.microsoft.com/office/drawing/2010/main">
+                  <a:solidFill>
+                    <a:srgbClr val="FFFFFF"/>
+                  </a:solidFill>
+                </a14:hiddenFill>
+              </a:ext>
+              <a:ext uri="{91240B29-F687-4F45-9708-019B960494DF}">
+                <a14:hiddenLine xmlns:a14="http://schemas.microsoft.com/office/drawing/2010/main" w="9525">
+                  <a:solidFill>
+                    <a:srgbClr val="000000"/>
+                  </a:solidFill>
+                  <a:miter lim="800000"/>
+                  <a:headEnd/>
+                  <a:tailEnd/>
+                </a14:hiddenLine>
+              </a:ext>
+            </a:extLst>
+          </p:spPr>
+          <p:txBody>
+            <a:bodyPr wrap="square">
+              <a:spAutoFit/>
+            </a:bodyPr>
+            <a:lstStyle>
+              <a:lvl1pPr defTabSz="514350">
+                <a:defRPr sz="1300">
+                  <a:solidFill>
+                    <a:schemeClr val="tx1"/>
+                  </a:solidFill>
+                  <a:latin typeface="Calibri" panose="020F0502020204030204" pitchFamily="34" charset="0"/>
+                  <a:ea typeface="宋体" panose="02010600030101010101" pitchFamily="2" charset="-122"/>
+                </a:defRPr>
+              </a:lvl1pPr>
+              <a:lvl2pPr marL="742950" indent="-285750" defTabSz="514350">
+                <a:defRPr sz="1300">
+                  <a:solidFill>
+                    <a:schemeClr val="tx1"/>
+                  </a:solidFill>
+                  <a:latin typeface="Calibri" panose="020F0502020204030204" pitchFamily="34" charset="0"/>
+                  <a:ea typeface="宋体" panose="02010600030101010101" pitchFamily="2" charset="-122"/>
+                </a:defRPr>
+              </a:lvl2pPr>
+              <a:lvl3pPr marL="1143000" indent="-228600" defTabSz="514350">
+                <a:defRPr sz="1300">
+                  <a:solidFill>
+                    <a:schemeClr val="tx1"/>
+                  </a:solidFill>
+                  <a:latin typeface="Calibri" panose="020F0502020204030204" pitchFamily="34" charset="0"/>
+                  <a:ea typeface="宋体" panose="02010600030101010101" pitchFamily="2" charset="-122"/>
+                </a:defRPr>
+              </a:lvl3pPr>
+              <a:lvl4pPr marL="1600200" indent="-228600" defTabSz="514350">
+                <a:defRPr sz="1300">
+                  <a:solidFill>
+                    <a:schemeClr val="tx1"/>
+                  </a:solidFill>
+                  <a:latin typeface="Calibri" panose="020F0502020204030204" pitchFamily="34" charset="0"/>
+                  <a:ea typeface="宋体" panose="02010600030101010101" pitchFamily="2" charset="-122"/>
+                </a:defRPr>
+              </a:lvl4pPr>
+              <a:lvl5pPr marL="2057400" indent="-228600" defTabSz="514350">
+                <a:defRPr sz="1300">
+                  <a:solidFill>
+                    <a:schemeClr val="tx1"/>
+                  </a:solidFill>
+                  <a:latin typeface="Calibri" panose="020F0502020204030204" pitchFamily="34" charset="0"/>
+                  <a:ea typeface="宋体" panose="02010600030101010101" pitchFamily="2" charset="-122"/>
+                </a:defRPr>
+              </a:lvl5pPr>
+              <a:lvl6pPr marL="2514600" indent="-228600" defTabSz="514350" eaLnBrk="0" fontAlgn="base" hangingPunct="0">
+                <a:spcBef>
+                  <a:spcPct val="0"/>
+                </a:spcBef>
+                <a:spcAft>
+                  <a:spcPct val="0"/>
+                </a:spcAft>
+                <a:defRPr sz="1300">
+                  <a:solidFill>
+                    <a:schemeClr val="tx1"/>
+                  </a:solidFill>
+                  <a:latin typeface="Calibri" panose="020F0502020204030204" pitchFamily="34" charset="0"/>
+                  <a:ea typeface="宋体" panose="02010600030101010101" pitchFamily="2" charset="-122"/>
+                </a:defRPr>
+              </a:lvl6pPr>
+              <a:lvl7pPr marL="2971800" indent="-228600" defTabSz="514350" eaLnBrk="0" fontAlgn="base" hangingPunct="0">
+                <a:spcBef>
+                  <a:spcPct val="0"/>
+                </a:spcBef>
+                <a:spcAft>
+                  <a:spcPct val="0"/>
+                </a:spcAft>
+                <a:defRPr sz="1300">
+                  <a:solidFill>
+                    <a:schemeClr val="tx1"/>
+                  </a:solidFill>
+                  <a:latin typeface="Calibri" panose="020F0502020204030204" pitchFamily="34" charset="0"/>
+                  <a:ea typeface="宋体" panose="02010600030101010101" pitchFamily="2" charset="-122"/>
+                </a:defRPr>
+              </a:lvl7pPr>
+              <a:lvl8pPr marL="3429000" indent="-228600" defTabSz="514350" eaLnBrk="0" fontAlgn="base" hangingPunct="0">
+                <a:spcBef>
+                  <a:spcPct val="0"/>
+                </a:spcBef>
+                <a:spcAft>
+                  <a:spcPct val="0"/>
+                </a:spcAft>
+                <a:defRPr sz="1300">
+                  <a:solidFill>
+                    <a:schemeClr val="tx1"/>
+                  </a:solidFill>
+                  <a:latin typeface="Calibri" panose="020F0502020204030204" pitchFamily="34" charset="0"/>
+                  <a:ea typeface="宋体" panose="02010600030101010101" pitchFamily="2" charset="-122"/>
+                </a:defRPr>
+              </a:lvl8pPr>
+              <a:lvl9pPr marL="3886200" indent="-228600" defTabSz="514350" eaLnBrk="0" fontAlgn="base" hangingPunct="0">
+                <a:spcBef>
+                  <a:spcPct val="0"/>
+                </a:spcBef>
+                <a:spcAft>
+                  <a:spcPct val="0"/>
+                </a:spcAft>
+                <a:defRPr sz="1300">
+                  <a:solidFill>
+                    <a:schemeClr val="tx1"/>
+                  </a:solidFill>
+                  <a:latin typeface="Calibri" panose="020F0502020204030204" pitchFamily="34" charset="0"/>
+                  <a:ea typeface="宋体" panose="02010600030101010101" pitchFamily="2" charset="-122"/>
+                </a:defRPr>
+              </a:lvl9pPr>
+            </a:lstStyle>
+            <a:p>
+              <a:pPr indent="0" fontAlgn="base">
+                <a:spcBef>
+                  <a:spcPct val="0"/>
+                </a:spcBef>
+                <a:spcAft>
+                  <a:spcPct val="0"/>
+                </a:spcAft>
+                <a:buNone/>
+              </a:pPr>
+              <a:r>
+                <a:rPr lang="zh-CN" altLang="en-US" sz="2000">
+                  <a:solidFill>
+                    <a:schemeClr val="accent1"/>
+                  </a:solidFill>
+                  <a:latin typeface="+mj-ea"/>
+                  <a:ea typeface="+mj-ea"/>
+                  <a:sym typeface="Calibri" panose="020F0502020204030204" pitchFamily="34" charset="0"/>
+                </a:rPr>
+                <a:t>订阅</a:t>
+              </a:r>
+              <a:r>
+                <a:rPr lang="en-US" altLang="zh-CN" sz="2000">
+                  <a:solidFill>
+                    <a:schemeClr val="accent1"/>
+                  </a:solidFill>
+                  <a:latin typeface="+mj-ea"/>
+                  <a:ea typeface="+mj-ea"/>
+                  <a:sym typeface="Calibri" panose="020F0502020204030204" pitchFamily="34" charset="0"/>
+                </a:rPr>
+                <a:t>-</a:t>
+              </a:r>
+              <a:r>
+                <a:rPr lang="zh-CN" altLang="en-US" sz="2000">
+                  <a:solidFill>
+                    <a:schemeClr val="accent1"/>
+                  </a:solidFill>
+                  <a:latin typeface="+mj-ea"/>
+                  <a:ea typeface="+mj-ea"/>
+                  <a:sym typeface="Calibri" panose="020F0502020204030204" pitchFamily="34" charset="0"/>
+                </a:rPr>
+                <a:t>发布者模式</a:t>
+              </a:r>
+              <a:endParaRPr lang="zh-CN" altLang="en-US" sz="2000">
+                <a:solidFill>
+                  <a:schemeClr val="accent1"/>
+                </a:solidFill>
+                <a:latin typeface="+mj-ea"/>
+                <a:ea typeface="+mj-ea"/>
+                <a:sym typeface="Calibri" panose="020F0502020204030204" pitchFamily="34" charset="0"/>
+              </a:endParaRPr>
+            </a:p>
+          </p:txBody>
+        </p:sp>
+        <p:sp>
+          <p:nvSpPr>
+            <p:cNvPr id="14" name="PA_文本框 7" descr="e7d195523061f1c09e9d68d7cf438b91ef959ecb14fc25d26BBA7F7DBC18E55DFF4014AF651F0BF2569D4B6C1DA7F1A4683A481403BD872FC687266AD13265C1DE7C373772FD8728ABDD69ADD03BFF5BE2862BC891DBB79E48D68EAF9BC0B135F08CB3AA261467E47643FBA29D38A9757F7FFD5B7023D39A21F358D3BB12D2D6D548E32EE07CB42717034D7FAE5F42C8"/>
+            <p:cNvSpPr txBox="1">
+              <a:spLocks noChangeArrowheads="1"/>
+            </p:cNvSpPr>
+            <p:nvPr>
+              <p:custDataLst>
+                <p:tags r:id="rId3"/>
+              </p:custDataLst>
+            </p:nvPr>
+          </p:nvSpPr>
+          <p:spPr bwMode="auto">
+            <a:xfrm>
+              <a:off x="453" y="6772"/>
+              <a:ext cx="3797" cy="628"/>
+            </a:xfrm>
+            <a:prstGeom prst="rect">
+              <a:avLst/>
+            </a:prstGeom>
+            <a:noFill/>
+            <a:ln>
+              <a:noFill/>
+            </a:ln>
+            <a:extLst>
+              <a:ext uri="{909E8E84-426E-40DD-AFC4-6F175D3DCCD1}">
+                <a14:hiddenFill xmlns:a14="http://schemas.microsoft.com/office/drawing/2010/main">
+                  <a:solidFill>
+                    <a:srgbClr val="FFFFFF"/>
+                  </a:solidFill>
+                </a14:hiddenFill>
+              </a:ext>
+              <a:ext uri="{91240B29-F687-4F45-9708-019B960494DF}">
+                <a14:hiddenLine xmlns:a14="http://schemas.microsoft.com/office/drawing/2010/main" w="9525">
+                  <a:solidFill>
+                    <a:srgbClr val="000000"/>
+                  </a:solidFill>
+                  <a:miter lim="800000"/>
+                  <a:headEnd/>
+                  <a:tailEnd/>
+                </a14:hiddenLine>
+              </a:ext>
+            </a:extLst>
+          </p:spPr>
+          <p:txBody>
+            <a:bodyPr wrap="square">
+              <a:spAutoFit/>
+            </a:bodyPr>
+            <a:lstStyle>
+              <a:lvl1pPr defTabSz="514350">
+                <a:defRPr sz="1300">
+                  <a:solidFill>
+                    <a:schemeClr val="tx1"/>
+                  </a:solidFill>
+                  <a:latin typeface="Calibri" panose="020F0502020204030204" pitchFamily="34" charset="0"/>
+                  <a:ea typeface="宋体" panose="02010600030101010101" pitchFamily="2" charset="-122"/>
+                </a:defRPr>
+              </a:lvl1pPr>
+              <a:lvl2pPr marL="742950" indent="-285750" defTabSz="514350">
+                <a:defRPr sz="1300">
+                  <a:solidFill>
+                    <a:schemeClr val="tx1"/>
+                  </a:solidFill>
+                  <a:latin typeface="Calibri" panose="020F0502020204030204" pitchFamily="34" charset="0"/>
+                  <a:ea typeface="宋体" panose="02010600030101010101" pitchFamily="2" charset="-122"/>
+                </a:defRPr>
+              </a:lvl2pPr>
+              <a:lvl3pPr marL="1143000" indent="-228600" defTabSz="514350">
+                <a:defRPr sz="1300">
+                  <a:solidFill>
+                    <a:schemeClr val="tx1"/>
+                  </a:solidFill>
+                  <a:latin typeface="Calibri" panose="020F0502020204030204" pitchFamily="34" charset="0"/>
+                  <a:ea typeface="宋体" panose="02010600030101010101" pitchFamily="2" charset="-122"/>
+                </a:defRPr>
+              </a:lvl3pPr>
+              <a:lvl4pPr marL="1600200" indent="-228600" defTabSz="514350">
+                <a:defRPr sz="1300">
+                  <a:solidFill>
+                    <a:schemeClr val="tx1"/>
+                  </a:solidFill>
+                  <a:latin typeface="Calibri" panose="020F0502020204030204" pitchFamily="34" charset="0"/>
+                  <a:ea typeface="宋体" panose="02010600030101010101" pitchFamily="2" charset="-122"/>
+                </a:defRPr>
+              </a:lvl4pPr>
+              <a:lvl5pPr marL="2057400" indent="-228600" defTabSz="514350">
+                <a:defRPr sz="1300">
+                  <a:solidFill>
+                    <a:schemeClr val="tx1"/>
+                  </a:solidFill>
+                  <a:latin typeface="Calibri" panose="020F0502020204030204" pitchFamily="34" charset="0"/>
+                  <a:ea typeface="宋体" panose="02010600030101010101" pitchFamily="2" charset="-122"/>
+                </a:defRPr>
+              </a:lvl5pPr>
+              <a:lvl6pPr marL="2514600" indent="-228600" defTabSz="514350" eaLnBrk="0" fontAlgn="base" hangingPunct="0">
+                <a:spcBef>
+                  <a:spcPct val="0"/>
+                </a:spcBef>
+                <a:spcAft>
+                  <a:spcPct val="0"/>
+                </a:spcAft>
+                <a:defRPr sz="1300">
+                  <a:solidFill>
+                    <a:schemeClr val="tx1"/>
+                  </a:solidFill>
+                  <a:latin typeface="Calibri" panose="020F0502020204030204" pitchFamily="34" charset="0"/>
+                  <a:ea typeface="宋体" panose="02010600030101010101" pitchFamily="2" charset="-122"/>
+                </a:defRPr>
+              </a:lvl6pPr>
+              <a:lvl7pPr marL="2971800" indent="-228600" defTabSz="514350" eaLnBrk="0" fontAlgn="base" hangingPunct="0">
+                <a:spcBef>
+                  <a:spcPct val="0"/>
+                </a:spcBef>
+                <a:spcAft>
+                  <a:spcPct val="0"/>
+                </a:spcAft>
+                <a:defRPr sz="1300">
+                  <a:solidFill>
+                    <a:schemeClr val="tx1"/>
+                  </a:solidFill>
+                  <a:latin typeface="Calibri" panose="020F0502020204030204" pitchFamily="34" charset="0"/>
+                  <a:ea typeface="宋体" panose="02010600030101010101" pitchFamily="2" charset="-122"/>
+                </a:defRPr>
+              </a:lvl7pPr>
+              <a:lvl8pPr marL="3429000" indent="-228600" defTabSz="514350" eaLnBrk="0" fontAlgn="base" hangingPunct="0">
+                <a:spcBef>
+                  <a:spcPct val="0"/>
+                </a:spcBef>
+                <a:spcAft>
+                  <a:spcPct val="0"/>
+                </a:spcAft>
+                <a:defRPr sz="1300">
+                  <a:solidFill>
+                    <a:schemeClr val="tx1"/>
+                  </a:solidFill>
+                  <a:latin typeface="Calibri" panose="020F0502020204030204" pitchFamily="34" charset="0"/>
+                  <a:ea typeface="宋体" panose="02010600030101010101" pitchFamily="2" charset="-122"/>
+                </a:defRPr>
+              </a:lvl8pPr>
+              <a:lvl9pPr marL="3886200" indent="-228600" defTabSz="514350" eaLnBrk="0" fontAlgn="base" hangingPunct="0">
+                <a:spcBef>
+                  <a:spcPct val="0"/>
+                </a:spcBef>
+                <a:spcAft>
+                  <a:spcPct val="0"/>
+                </a:spcAft>
+                <a:defRPr sz="1300">
+                  <a:solidFill>
+                    <a:schemeClr val="tx1"/>
+                  </a:solidFill>
+                  <a:latin typeface="Calibri" panose="020F0502020204030204" pitchFamily="34" charset="0"/>
+                  <a:ea typeface="宋体" panose="02010600030101010101" pitchFamily="2" charset="-122"/>
+                </a:defRPr>
+              </a:lvl9pPr>
+            </a:lstStyle>
+            <a:p>
+              <a:pPr indent="0" fontAlgn="base">
+                <a:spcBef>
+                  <a:spcPct val="0"/>
+                </a:spcBef>
+                <a:spcAft>
+                  <a:spcPct val="0"/>
+                </a:spcAft>
+                <a:buNone/>
+              </a:pPr>
+              <a:r>
+                <a:rPr lang="zh-CN" sz="2000">
+                  <a:solidFill>
+                    <a:schemeClr val="accent1"/>
+                  </a:solidFill>
+                  <a:latin typeface="+mj-ea"/>
+                  <a:ea typeface="+mj-ea"/>
+                  <a:sym typeface="Calibri" panose="020F0502020204030204" pitchFamily="34" charset="0"/>
+                </a:rPr>
+                <a:t>》》》</a:t>
+              </a:r>
+              <a:endParaRPr lang="zh-CN" sz="2000">
+                <a:solidFill>
+                  <a:schemeClr val="accent1"/>
+                </a:solidFill>
+                <a:latin typeface="+mj-ea"/>
+                <a:ea typeface="+mj-ea"/>
+                <a:sym typeface="Calibri" panose="020F0502020204030204" pitchFamily="34" charset="0"/>
+              </a:endParaRPr>
+            </a:p>
+          </p:txBody>
+        </p:sp>
+        <p:sp>
+          <p:nvSpPr>
+            <p:cNvPr id="15" name="PA_文本框 7" descr="e7d195523061f1c09e9d68d7cf438b91ef959ecb14fc25d26BBA7F7DBC18E55DFF4014AF651F0BF2569D4B6C1DA7F1A4683A481403BD872FC687266AD13265C1DE7C373772FD8728ABDD69ADD03BFF5BE2862BC891DBB79E48D68EAF9BC0B135F08CB3AA261467E47643FBA29D38A9757F7FFD5B7023D39A21F358D3BB12D2D6D548E32EE07CB42717034D7FAE5F42C8"/>
+            <p:cNvSpPr txBox="1">
+              <a:spLocks noChangeArrowheads="1"/>
+            </p:cNvSpPr>
+            <p:nvPr>
+              <p:custDataLst>
+                <p:tags r:id="rId4"/>
+              </p:custDataLst>
+            </p:nvPr>
+          </p:nvSpPr>
+          <p:spPr bwMode="auto">
+            <a:xfrm>
+              <a:off x="453" y="4187"/>
+              <a:ext cx="2842" cy="628"/>
+            </a:xfrm>
+            <a:prstGeom prst="rect">
+              <a:avLst/>
+            </a:prstGeom>
+            <a:noFill/>
+            <a:ln>
+              <a:noFill/>
+            </a:ln>
+            <a:extLst>
+              <a:ext uri="{909E8E84-426E-40DD-AFC4-6F175D3DCCD1}">
+                <a14:hiddenFill xmlns:a14="http://schemas.microsoft.com/office/drawing/2010/main">
+                  <a:solidFill>
+                    <a:srgbClr val="FFFFFF"/>
+                  </a:solidFill>
+                </a14:hiddenFill>
+              </a:ext>
+              <a:ext uri="{91240B29-F687-4F45-9708-019B960494DF}">
+                <a14:hiddenLine xmlns:a14="http://schemas.microsoft.com/office/drawing/2010/main" w="9525">
+                  <a:solidFill>
+                    <a:srgbClr val="000000"/>
+                  </a:solidFill>
+                  <a:miter lim="800000"/>
+                  <a:headEnd/>
+                  <a:tailEnd/>
+                </a14:hiddenLine>
+              </a:ext>
+            </a:extLst>
+          </p:spPr>
+          <p:txBody>
+            <a:bodyPr wrap="square">
+              <a:spAutoFit/>
+            </a:bodyPr>
+            <a:lstStyle>
+              <a:lvl1pPr defTabSz="514350">
+                <a:defRPr sz="1300">
+                  <a:solidFill>
+                    <a:schemeClr val="tx1"/>
+                  </a:solidFill>
+                  <a:latin typeface="Calibri" panose="020F0502020204030204" pitchFamily="34" charset="0"/>
+                  <a:ea typeface="宋体" panose="02010600030101010101" pitchFamily="2" charset="-122"/>
+                </a:defRPr>
+              </a:lvl1pPr>
+              <a:lvl2pPr marL="742950" indent="-285750" defTabSz="514350">
+                <a:defRPr sz="1300">
+                  <a:solidFill>
+                    <a:schemeClr val="tx1"/>
+                  </a:solidFill>
+                  <a:latin typeface="Calibri" panose="020F0502020204030204" pitchFamily="34" charset="0"/>
+                  <a:ea typeface="宋体" panose="02010600030101010101" pitchFamily="2" charset="-122"/>
+                </a:defRPr>
+              </a:lvl2pPr>
+              <a:lvl3pPr marL="1143000" indent="-228600" defTabSz="514350">
+                <a:defRPr sz="1300">
+                  <a:solidFill>
+                    <a:schemeClr val="tx1"/>
+                  </a:solidFill>
+                  <a:latin typeface="Calibri" panose="020F0502020204030204" pitchFamily="34" charset="0"/>
+                  <a:ea typeface="宋体" panose="02010600030101010101" pitchFamily="2" charset="-122"/>
+                </a:defRPr>
+              </a:lvl3pPr>
+              <a:lvl4pPr marL="1600200" indent="-228600" defTabSz="514350">
+                <a:defRPr sz="1300">
+                  <a:solidFill>
+                    <a:schemeClr val="tx1"/>
+                  </a:solidFill>
+                  <a:latin typeface="Calibri" panose="020F0502020204030204" pitchFamily="34" charset="0"/>
+                  <a:ea typeface="宋体" panose="02010600030101010101" pitchFamily="2" charset="-122"/>
+                </a:defRPr>
+              </a:lvl4pPr>
+              <a:lvl5pPr marL="2057400" indent="-228600" defTabSz="514350">
+                <a:defRPr sz="1300">
+                  <a:solidFill>
+                    <a:schemeClr val="tx1"/>
+                  </a:solidFill>
+                  <a:latin typeface="Calibri" panose="020F0502020204030204" pitchFamily="34" charset="0"/>
+                  <a:ea typeface="宋体" panose="02010600030101010101" pitchFamily="2" charset="-122"/>
+                </a:defRPr>
+              </a:lvl5pPr>
+              <a:lvl6pPr marL="2514600" indent="-228600" defTabSz="514350" eaLnBrk="0" fontAlgn="base" hangingPunct="0">
+                <a:spcBef>
+                  <a:spcPct val="0"/>
+                </a:spcBef>
+                <a:spcAft>
+                  <a:spcPct val="0"/>
+                </a:spcAft>
+                <a:defRPr sz="1300">
+                  <a:solidFill>
+                    <a:schemeClr val="tx1"/>
+                  </a:solidFill>
+                  <a:latin typeface="Calibri" panose="020F0502020204030204" pitchFamily="34" charset="0"/>
+                  <a:ea typeface="宋体" panose="02010600030101010101" pitchFamily="2" charset="-122"/>
+                </a:defRPr>
+              </a:lvl6pPr>
+              <a:lvl7pPr marL="2971800" indent="-228600" defTabSz="514350" eaLnBrk="0" fontAlgn="base" hangingPunct="0">
+                <a:spcBef>
+                  <a:spcPct val="0"/>
+                </a:spcBef>
+                <a:spcAft>
+                  <a:spcPct val="0"/>
+                </a:spcAft>
+                <a:defRPr sz="1300">
+                  <a:solidFill>
+                    <a:schemeClr val="tx1"/>
+                  </a:solidFill>
+                  <a:latin typeface="Calibri" panose="020F0502020204030204" pitchFamily="34" charset="0"/>
+                  <a:ea typeface="宋体" panose="02010600030101010101" pitchFamily="2" charset="-122"/>
+                </a:defRPr>
+              </a:lvl7pPr>
+              <a:lvl8pPr marL="3429000" indent="-228600" defTabSz="514350" eaLnBrk="0" fontAlgn="base" hangingPunct="0">
+                <a:spcBef>
+                  <a:spcPct val="0"/>
+                </a:spcBef>
+                <a:spcAft>
+                  <a:spcPct val="0"/>
+                </a:spcAft>
+                <a:defRPr sz="1300">
+                  <a:solidFill>
+                    <a:schemeClr val="tx1"/>
+                  </a:solidFill>
+                  <a:latin typeface="Calibri" panose="020F0502020204030204" pitchFamily="34" charset="0"/>
+                  <a:ea typeface="宋体" panose="02010600030101010101" pitchFamily="2" charset="-122"/>
+                </a:defRPr>
+              </a:lvl8pPr>
+              <a:lvl9pPr marL="3886200" indent="-228600" defTabSz="514350" eaLnBrk="0" fontAlgn="base" hangingPunct="0">
+                <a:spcBef>
+                  <a:spcPct val="0"/>
+                </a:spcBef>
+                <a:spcAft>
+                  <a:spcPct val="0"/>
+                </a:spcAft>
+                <a:defRPr sz="1300">
+                  <a:solidFill>
+                    <a:schemeClr val="tx1"/>
+                  </a:solidFill>
+                  <a:latin typeface="Calibri" panose="020F0502020204030204" pitchFamily="34" charset="0"/>
+                  <a:ea typeface="宋体" panose="02010600030101010101" pitchFamily="2" charset="-122"/>
+                </a:defRPr>
+              </a:lvl9pPr>
+            </a:lstStyle>
+            <a:p>
+              <a:pPr indent="0" fontAlgn="base">
+                <a:spcBef>
+                  <a:spcPct val="0"/>
+                </a:spcBef>
+                <a:spcAft>
+                  <a:spcPct val="0"/>
+                </a:spcAft>
+                <a:buNone/>
+              </a:pPr>
+              <a:r>
+                <a:rPr lang="zh-CN" altLang="en-US" sz="2000">
+                  <a:solidFill>
+                    <a:schemeClr val="accent1"/>
+                  </a:solidFill>
+                  <a:latin typeface="+mj-ea"/>
+                  <a:ea typeface="+mj-ea"/>
+                  <a:sym typeface="Calibri" panose="020F0502020204030204" pitchFamily="34" charset="0"/>
+                </a:rPr>
+                <a:t>代理模式</a:t>
+              </a:r>
+              <a:endParaRPr lang="zh-CN" altLang="en-US" sz="2000">
+                <a:solidFill>
+                  <a:schemeClr val="accent1"/>
+                </a:solidFill>
+                <a:latin typeface="+mj-ea"/>
+                <a:ea typeface="+mj-ea"/>
+                <a:sym typeface="Calibri" panose="020F0502020204030204" pitchFamily="34" charset="0"/>
+              </a:endParaRPr>
+            </a:p>
+          </p:txBody>
+        </p:sp>
+      </p:grpSp>
+      <p:sp>
+        <p:nvSpPr>
+          <p:cNvPr id="16" name="PA_文本框 11" descr="e7d195523061f1c09e9d68d7cf438b91ef959ecb14fc25d26BBA7F7DBC18E55DFF4014AF651F0BF2569D4B6C1DA7F1A4683A481403BD872FC687266AD13265C1DE7C373772FD8728ABDD69ADD03BFF5BE2862BC891DBB79E48D68EAF9BC0B135F08CB3AA261467E47643FBA29D38A9757F7FFD5B7023D39A21F358D3BB12D2D6D548E32EE07CB42717034D7FAE5F42C8"/>
+          <p:cNvSpPr txBox="1">
+            <a:spLocks noChangeArrowheads="1"/>
+          </p:cNvSpPr>
+          <p:nvPr>
+            <p:custDataLst>
+              <p:tags r:id="rId5"/>
+            </p:custDataLst>
+          </p:nvPr>
+        </p:nvSpPr>
+        <p:spPr bwMode="auto">
+          <a:xfrm>
+            <a:off x="1029970" y="2039620"/>
+            <a:ext cx="2465705" cy="583565"/>
+          </a:xfrm>
+          <a:prstGeom prst="rect">
+            <a:avLst/>
+          </a:prstGeom>
+          <a:noFill/>
+          <a:ln>
+            <a:noFill/>
+          </a:ln>
+        </p:spPr>
+        <p:txBody>
+          <a:bodyPr wrap="square">
+            <a:spAutoFit/>
+          </a:bodyPr>
+          <a:lstStyle>
+            <a:lvl1pPr>
+              <a:defRPr sz="1300">
+                <a:solidFill>
+                  <a:schemeClr val="tx1"/>
+                </a:solidFill>
+                <a:latin typeface="Arial" panose="020B0604020202020204" pitchFamily="34" charset="0"/>
+                <a:ea typeface="微软雅黑" panose="020B0503020204020204" pitchFamily="34" charset="-122"/>
+              </a:defRPr>
+            </a:lvl1pPr>
+            <a:lvl2pPr marL="742950" indent="-285750">
+              <a:defRPr sz="1300">
+                <a:solidFill>
+                  <a:schemeClr val="tx1"/>
+                </a:solidFill>
+                <a:latin typeface="Arial" panose="020B0604020202020204" pitchFamily="34" charset="0"/>
+                <a:ea typeface="微软雅黑" panose="020B0503020204020204" pitchFamily="34" charset="-122"/>
+              </a:defRPr>
+            </a:lvl2pPr>
+            <a:lvl3pPr marL="1143000" indent="-228600">
+              <a:defRPr sz="1300">
+                <a:solidFill>
+                  <a:schemeClr val="tx1"/>
+                </a:solidFill>
+                <a:latin typeface="Arial" panose="020B0604020202020204" pitchFamily="34" charset="0"/>
+                <a:ea typeface="微软雅黑" panose="020B0503020204020204" pitchFamily="34" charset="-122"/>
+              </a:defRPr>
+            </a:lvl3pPr>
+            <a:lvl4pPr marL="1600200" indent="-228600">
+              <a:defRPr sz="1300">
+                <a:solidFill>
+                  <a:schemeClr val="tx1"/>
+                </a:solidFill>
+                <a:latin typeface="Arial" panose="020B0604020202020204" pitchFamily="34" charset="0"/>
+                <a:ea typeface="微软雅黑" panose="020B0503020204020204" pitchFamily="34" charset="-122"/>
+              </a:defRPr>
+            </a:lvl4pPr>
+            <a:lvl5pPr marL="2057400" indent="-228600">
+              <a:defRPr sz="1300">
+                <a:solidFill>
+                  <a:schemeClr val="tx1"/>
+                </a:solidFill>
+                <a:latin typeface="Arial" panose="020B0604020202020204" pitchFamily="34" charset="0"/>
+                <a:ea typeface="微软雅黑" panose="020B0503020204020204" pitchFamily="34" charset="-122"/>
+              </a:defRPr>
+            </a:lvl5pPr>
+            <a:lvl6pPr marL="2514600" indent="-228600" defTabSz="685800" eaLnBrk="0" fontAlgn="base" hangingPunct="0">
+              <a:spcBef>
+                <a:spcPct val="0"/>
+              </a:spcBef>
+              <a:spcAft>
+                <a:spcPct val="0"/>
+              </a:spcAft>
+              <a:defRPr sz="1300">
+                <a:solidFill>
+                  <a:schemeClr val="tx1"/>
+                </a:solidFill>
+                <a:latin typeface="Arial" panose="020B0604020202020204" pitchFamily="34" charset="0"/>
+                <a:ea typeface="微软雅黑" panose="020B0503020204020204" pitchFamily="34" charset="-122"/>
+              </a:defRPr>
+            </a:lvl6pPr>
+            <a:lvl7pPr marL="2971800" indent="-228600" defTabSz="685800" eaLnBrk="0" fontAlgn="base" hangingPunct="0">
+              <a:spcBef>
+                <a:spcPct val="0"/>
+              </a:spcBef>
+              <a:spcAft>
+                <a:spcPct val="0"/>
+              </a:spcAft>
+              <a:defRPr sz="1300">
+                <a:solidFill>
+                  <a:schemeClr val="tx1"/>
+                </a:solidFill>
+                <a:latin typeface="Arial" panose="020B0604020202020204" pitchFamily="34" charset="0"/>
+                <a:ea typeface="微软雅黑" panose="020B0503020204020204" pitchFamily="34" charset="-122"/>
+              </a:defRPr>
+            </a:lvl7pPr>
+            <a:lvl8pPr marL="3429000" indent="-228600" defTabSz="685800" eaLnBrk="0" fontAlgn="base" hangingPunct="0">
+              <a:spcBef>
+                <a:spcPct val="0"/>
+              </a:spcBef>
+              <a:spcAft>
+                <a:spcPct val="0"/>
+              </a:spcAft>
+              <a:defRPr sz="1300">
+                <a:solidFill>
+                  <a:schemeClr val="tx1"/>
+                </a:solidFill>
+                <a:latin typeface="Arial" panose="020B0604020202020204" pitchFamily="34" charset="0"/>
+                <a:ea typeface="微软雅黑" panose="020B0503020204020204" pitchFamily="34" charset="-122"/>
+              </a:defRPr>
+            </a:lvl8pPr>
+            <a:lvl9pPr marL="3886200" indent="-228600" defTabSz="685800" eaLnBrk="0" fontAlgn="base" hangingPunct="0">
+              <a:spcBef>
+                <a:spcPct val="0"/>
+              </a:spcBef>
+              <a:spcAft>
+                <a:spcPct val="0"/>
+              </a:spcAft>
+              <a:defRPr sz="1300">
+                <a:solidFill>
+                  <a:schemeClr val="tx1"/>
+                </a:solidFill>
+                <a:latin typeface="Arial" panose="020B0604020202020204" pitchFamily="34" charset="0"/>
+                <a:ea typeface="微软雅黑" panose="020B0503020204020204" pitchFamily="34" charset="-122"/>
+              </a:defRPr>
+            </a:lvl9pPr>
+          </a:lstStyle>
+          <a:p>
+            <a:pPr defTabSz="514350" fontAlgn="base">
+              <a:spcBef>
+                <a:spcPct val="0"/>
+              </a:spcBef>
+              <a:spcAft>
+                <a:spcPct val="0"/>
+              </a:spcAft>
+            </a:pPr>
+            <a:r>
+              <a:rPr lang="zh-CN" altLang="en-US" sz="3200" b="1">
+                <a:solidFill>
+                  <a:schemeClr val="accent1"/>
+                </a:solidFill>
+                <a:latin typeface="Arial" panose="020B0604020202020204"/>
+                <a:ea typeface="微软雅黑" panose="020B0503020204020204" pitchFamily="34" charset="-122"/>
+                <a:sym typeface="Calibri" panose="020F0502020204030204" pitchFamily="34" charset="0"/>
+              </a:rPr>
+              <a:t>设计模式</a:t>
+            </a:r>
+            <a:endParaRPr lang="zh-CN" altLang="en-US" sz="3200" b="1">
+              <a:solidFill>
+                <a:schemeClr val="accent1"/>
+              </a:solidFill>
+              <a:latin typeface="Arial" panose="020B0604020202020204"/>
+              <a:ea typeface="微软雅黑" panose="020B0503020204020204" pitchFamily="34" charset="-122"/>
+              <a:sym typeface="Calibri" panose="020F0502020204030204" pitchFamily="34" charset="0"/>
+            </a:endParaRPr>
+          </a:p>
+        </p:txBody>
+      </p:sp>
+    </p:spTree>
+  </p:cSld>
+  <p:clrMapOvr>
+    <a:masterClrMapping/>
+  </p:clrMapOvr>
+  <mc:AlternateContent xmlns:mc="http://schemas.openxmlformats.org/markup-compatibility/2006">
+    <mc:Choice xmlns:p14="http://schemas.microsoft.com/office/powerpoint/2010/main" Requires="p14">
+      <p:transition spd="slow" p14:dur="2000"/>
+    </mc:Choice>
+    <mc:Fallback>
+      <p:transition spd="slow"/>
+    </mc:Fallback>
+  </mc:AlternateContent>
+</p:sld>
+</file>
+
+<file path=ppt/slides/slide20.xml><?xml version="1.0" encoding="utf-8"?>
 <p:sld xmlns:a="http://schemas.openxmlformats.org/drawingml/2006/main" xmlns:r="http://schemas.openxmlformats.org/officeDocument/2006/relationships" xmlns:p="http://schemas.openxmlformats.org/presentationml/2006/main">
   <p:cSld>
     <p:spTree>
@@ -13115,1043 +14569,7 @@
 </p:sld>
 </file>
 
-<file path=ppt/slides/slide2.xml><?xml version="1.0" encoding="utf-8"?>
-<p:sld xmlns:a="http://schemas.openxmlformats.org/drawingml/2006/main" xmlns:r="http://schemas.openxmlformats.org/officeDocument/2006/relationships" xmlns:p="http://schemas.openxmlformats.org/presentationml/2006/main">
-  <p:cSld>
-    <p:spTree>
-      <p:nvGrpSpPr>
-        <p:cNvPr id="1" name=""/>
-        <p:cNvGrpSpPr/>
-        <p:nvPr/>
-      </p:nvGrpSpPr>
-      <p:grpSpPr>
-        <a:xfrm>
-          <a:off x="0" y="0"/>
-          <a:ext cx="0" cy="0"/>
-          <a:chOff x="0" y="0"/>
-          <a:chExt cx="0" cy="0"/>
-        </a:xfrm>
-      </p:grpSpPr>
-      <p:grpSp>
-        <p:nvGrpSpPr>
-          <p:cNvPr id="2" name="组合 1"/>
-          <p:cNvGrpSpPr/>
-          <p:nvPr/>
-        </p:nvGrpSpPr>
-        <p:grpSpPr>
-          <a:xfrm>
-            <a:off x="4460558" y="1218565"/>
-            <a:ext cx="2719427" cy="2861310"/>
-            <a:chOff x="453" y="2894"/>
-            <a:chExt cx="4282" cy="4506"/>
-          </a:xfrm>
-        </p:grpSpPr>
-        <p:sp>
-          <p:nvSpPr>
-            <p:cNvPr id="12" name="PA_文本框 7" descr="e7d195523061f1c09e9d68d7cf438b91ef959ecb14fc25d26BBA7F7DBC18E55DFF4014AF651F0BF2569D4B6C1DA7F1A4683A481403BD872FC687266AD13265C1DE7C373772FD8728ABDD69ADD03BFF5BE2862BC891DBB79E48D68EAF9BC0B135F08CB3AA261467E47643FBA29D38A9757F7FFD5B7023D39A21F358D3BB12D2D6D548E32EE07CB42717034D7FAE5F42C8"/>
-            <p:cNvSpPr txBox="1">
-              <a:spLocks noChangeArrowheads="1"/>
-            </p:cNvSpPr>
-            <p:nvPr>
-              <p:custDataLst>
-                <p:tags r:id="rId1"/>
-              </p:custDataLst>
-            </p:nvPr>
-          </p:nvSpPr>
-          <p:spPr bwMode="auto">
-            <a:xfrm>
-              <a:off x="453" y="2894"/>
-              <a:ext cx="4282" cy="628"/>
-            </a:xfrm>
-            <a:prstGeom prst="rect">
-              <a:avLst/>
-            </a:prstGeom>
-            <a:noFill/>
-            <a:ln>
-              <a:noFill/>
-            </a:ln>
-            <a:extLst>
-              <a:ext uri="{909E8E84-426E-40DD-AFC4-6F175D3DCCD1}">
-                <a14:hiddenFill xmlns:a14="http://schemas.microsoft.com/office/drawing/2010/main">
-                  <a:solidFill>
-                    <a:srgbClr val="FFFFFF"/>
-                  </a:solidFill>
-                </a14:hiddenFill>
-              </a:ext>
-              <a:ext uri="{91240B29-F687-4F45-9708-019B960494DF}">
-                <a14:hiddenLine xmlns:a14="http://schemas.microsoft.com/office/drawing/2010/main" w="9525">
-                  <a:solidFill>
-                    <a:srgbClr val="000000"/>
-                  </a:solidFill>
-                  <a:miter lim="800000"/>
-                  <a:headEnd/>
-                  <a:tailEnd/>
-                </a14:hiddenLine>
-              </a:ext>
-            </a:extLst>
-          </p:spPr>
-          <p:txBody>
-            <a:bodyPr wrap="square">
-              <a:spAutoFit/>
-            </a:bodyPr>
-            <a:lstStyle>
-              <a:lvl1pPr defTabSz="514350">
-                <a:defRPr sz="1300">
-                  <a:solidFill>
-                    <a:schemeClr val="tx1"/>
-                  </a:solidFill>
-                  <a:latin typeface="Calibri" panose="020F0502020204030204" pitchFamily="34" charset="0"/>
-                  <a:ea typeface="宋体" panose="02010600030101010101" pitchFamily="2" charset="-122"/>
-                </a:defRPr>
-              </a:lvl1pPr>
-              <a:lvl2pPr marL="742950" indent="-285750" defTabSz="514350">
-                <a:defRPr sz="1300">
-                  <a:solidFill>
-                    <a:schemeClr val="tx1"/>
-                  </a:solidFill>
-                  <a:latin typeface="Calibri" panose="020F0502020204030204" pitchFamily="34" charset="0"/>
-                  <a:ea typeface="宋体" panose="02010600030101010101" pitchFamily="2" charset="-122"/>
-                </a:defRPr>
-              </a:lvl2pPr>
-              <a:lvl3pPr marL="1143000" indent="-228600" defTabSz="514350">
-                <a:defRPr sz="1300">
-                  <a:solidFill>
-                    <a:schemeClr val="tx1"/>
-                  </a:solidFill>
-                  <a:latin typeface="Calibri" panose="020F0502020204030204" pitchFamily="34" charset="0"/>
-                  <a:ea typeface="宋体" panose="02010600030101010101" pitchFamily="2" charset="-122"/>
-                </a:defRPr>
-              </a:lvl3pPr>
-              <a:lvl4pPr marL="1600200" indent="-228600" defTabSz="514350">
-                <a:defRPr sz="1300">
-                  <a:solidFill>
-                    <a:schemeClr val="tx1"/>
-                  </a:solidFill>
-                  <a:latin typeface="Calibri" panose="020F0502020204030204" pitchFamily="34" charset="0"/>
-                  <a:ea typeface="宋体" panose="02010600030101010101" pitchFamily="2" charset="-122"/>
-                </a:defRPr>
-              </a:lvl4pPr>
-              <a:lvl5pPr marL="2057400" indent="-228600" defTabSz="514350">
-                <a:defRPr sz="1300">
-                  <a:solidFill>
-                    <a:schemeClr val="tx1"/>
-                  </a:solidFill>
-                  <a:latin typeface="Calibri" panose="020F0502020204030204" pitchFamily="34" charset="0"/>
-                  <a:ea typeface="宋体" panose="02010600030101010101" pitchFamily="2" charset="-122"/>
-                </a:defRPr>
-              </a:lvl5pPr>
-              <a:lvl6pPr marL="2514600" indent="-228600" defTabSz="514350" eaLnBrk="0" fontAlgn="base" hangingPunct="0">
-                <a:spcBef>
-                  <a:spcPct val="0"/>
-                </a:spcBef>
-                <a:spcAft>
-                  <a:spcPct val="0"/>
-                </a:spcAft>
-                <a:defRPr sz="1300">
-                  <a:solidFill>
-                    <a:schemeClr val="tx1"/>
-                  </a:solidFill>
-                  <a:latin typeface="Calibri" panose="020F0502020204030204" pitchFamily="34" charset="0"/>
-                  <a:ea typeface="宋体" panose="02010600030101010101" pitchFamily="2" charset="-122"/>
-                </a:defRPr>
-              </a:lvl6pPr>
-              <a:lvl7pPr marL="2971800" indent="-228600" defTabSz="514350" eaLnBrk="0" fontAlgn="base" hangingPunct="0">
-                <a:spcBef>
-                  <a:spcPct val="0"/>
-                </a:spcBef>
-                <a:spcAft>
-                  <a:spcPct val="0"/>
-                </a:spcAft>
-                <a:defRPr sz="1300">
-                  <a:solidFill>
-                    <a:schemeClr val="tx1"/>
-                  </a:solidFill>
-                  <a:latin typeface="Calibri" panose="020F0502020204030204" pitchFamily="34" charset="0"/>
-                  <a:ea typeface="宋体" panose="02010600030101010101" pitchFamily="2" charset="-122"/>
-                </a:defRPr>
-              </a:lvl7pPr>
-              <a:lvl8pPr marL="3429000" indent="-228600" defTabSz="514350" eaLnBrk="0" fontAlgn="base" hangingPunct="0">
-                <a:spcBef>
-                  <a:spcPct val="0"/>
-                </a:spcBef>
-                <a:spcAft>
-                  <a:spcPct val="0"/>
-                </a:spcAft>
-                <a:defRPr sz="1300">
-                  <a:solidFill>
-                    <a:schemeClr val="tx1"/>
-                  </a:solidFill>
-                  <a:latin typeface="Calibri" panose="020F0502020204030204" pitchFamily="34" charset="0"/>
-                  <a:ea typeface="宋体" panose="02010600030101010101" pitchFamily="2" charset="-122"/>
-                </a:defRPr>
-              </a:lvl8pPr>
-              <a:lvl9pPr marL="3886200" indent="-228600" defTabSz="514350" eaLnBrk="0" fontAlgn="base" hangingPunct="0">
-                <a:spcBef>
-                  <a:spcPct val="0"/>
-                </a:spcBef>
-                <a:spcAft>
-                  <a:spcPct val="0"/>
-                </a:spcAft>
-                <a:defRPr sz="1300">
-                  <a:solidFill>
-                    <a:schemeClr val="tx1"/>
-                  </a:solidFill>
-                  <a:latin typeface="Calibri" panose="020F0502020204030204" pitchFamily="34" charset="0"/>
-                  <a:ea typeface="宋体" panose="02010600030101010101" pitchFamily="2" charset="-122"/>
-                </a:defRPr>
-              </a:lvl9pPr>
-            </a:lstStyle>
-            <a:p>
-              <a:pPr indent="0" fontAlgn="base">
-                <a:spcBef>
-                  <a:spcPct val="0"/>
-                </a:spcBef>
-                <a:spcAft>
-                  <a:spcPct val="0"/>
-                </a:spcAft>
-                <a:buNone/>
-              </a:pPr>
-              <a:r>
-                <a:rPr lang="zh-CN" altLang="en-US" sz="2000">
-                  <a:solidFill>
-                    <a:schemeClr val="accent1"/>
-                  </a:solidFill>
-                  <a:latin typeface="+mj-ea"/>
-                  <a:ea typeface="+mj-ea"/>
-                  <a:sym typeface="Calibri" panose="020F0502020204030204" pitchFamily="34" charset="0"/>
-                </a:rPr>
-                <a:t>为什么要用设计模式？</a:t>
-              </a:r>
-              <a:endParaRPr lang="zh-CN" altLang="en-US" sz="2000">
-                <a:solidFill>
-                  <a:schemeClr val="accent1"/>
-                </a:solidFill>
-                <a:latin typeface="+mj-ea"/>
-                <a:ea typeface="+mj-ea"/>
-                <a:sym typeface="Calibri" panose="020F0502020204030204" pitchFamily="34" charset="0"/>
-              </a:endParaRPr>
-            </a:p>
-          </p:txBody>
-        </p:sp>
-        <p:sp>
-          <p:nvSpPr>
-            <p:cNvPr id="13" name="PA_文本框 12" descr="e7d195523061f1c09e9d68d7cf438b91ef959ecb14fc25d26BBA7F7DBC18E55DFF4014AF651F0BF2569D4B6C1DA7F1A4683A481403BD872FC687266AD13265C1DE7C373772FD8728ABDD69ADD03BFF5BE2862BC891DBB79E48D68EAF9BC0B135F08CB3AA261467E47643FBA29D38A9757F7FFD5B7023D39A21F358D3BB12D2D6D548E32EE07CB42717034D7FAE5F42C8"/>
-            <p:cNvSpPr txBox="1">
-              <a:spLocks noChangeArrowheads="1"/>
-            </p:cNvSpPr>
-            <p:nvPr>
-              <p:custDataLst>
-                <p:tags r:id="rId2"/>
-              </p:custDataLst>
-            </p:nvPr>
-          </p:nvSpPr>
-          <p:spPr bwMode="auto">
-            <a:xfrm>
-              <a:off x="453" y="5479"/>
-              <a:ext cx="3436" cy="628"/>
-            </a:xfrm>
-            <a:prstGeom prst="rect">
-              <a:avLst/>
-            </a:prstGeom>
-            <a:noFill/>
-            <a:ln>
-              <a:noFill/>
-            </a:ln>
-            <a:extLst>
-              <a:ext uri="{909E8E84-426E-40DD-AFC4-6F175D3DCCD1}">
-                <a14:hiddenFill xmlns:a14="http://schemas.microsoft.com/office/drawing/2010/main">
-                  <a:solidFill>
-                    <a:srgbClr val="FFFFFF"/>
-                  </a:solidFill>
-                </a14:hiddenFill>
-              </a:ext>
-              <a:ext uri="{91240B29-F687-4F45-9708-019B960494DF}">
-                <a14:hiddenLine xmlns:a14="http://schemas.microsoft.com/office/drawing/2010/main" w="9525">
-                  <a:solidFill>
-                    <a:srgbClr val="000000"/>
-                  </a:solidFill>
-                  <a:miter lim="800000"/>
-                  <a:headEnd/>
-                  <a:tailEnd/>
-                </a14:hiddenLine>
-              </a:ext>
-            </a:extLst>
-          </p:spPr>
-          <p:txBody>
-            <a:bodyPr wrap="square">
-              <a:spAutoFit/>
-            </a:bodyPr>
-            <a:lstStyle>
-              <a:lvl1pPr defTabSz="514350">
-                <a:defRPr sz="1300">
-                  <a:solidFill>
-                    <a:schemeClr val="tx1"/>
-                  </a:solidFill>
-                  <a:latin typeface="Calibri" panose="020F0502020204030204" pitchFamily="34" charset="0"/>
-                  <a:ea typeface="宋体" panose="02010600030101010101" pitchFamily="2" charset="-122"/>
-                </a:defRPr>
-              </a:lvl1pPr>
-              <a:lvl2pPr marL="742950" indent="-285750" defTabSz="514350">
-                <a:defRPr sz="1300">
-                  <a:solidFill>
-                    <a:schemeClr val="tx1"/>
-                  </a:solidFill>
-                  <a:latin typeface="Calibri" panose="020F0502020204030204" pitchFamily="34" charset="0"/>
-                  <a:ea typeface="宋体" panose="02010600030101010101" pitchFamily="2" charset="-122"/>
-                </a:defRPr>
-              </a:lvl2pPr>
-              <a:lvl3pPr marL="1143000" indent="-228600" defTabSz="514350">
-                <a:defRPr sz="1300">
-                  <a:solidFill>
-                    <a:schemeClr val="tx1"/>
-                  </a:solidFill>
-                  <a:latin typeface="Calibri" panose="020F0502020204030204" pitchFamily="34" charset="0"/>
-                  <a:ea typeface="宋体" panose="02010600030101010101" pitchFamily="2" charset="-122"/>
-                </a:defRPr>
-              </a:lvl3pPr>
-              <a:lvl4pPr marL="1600200" indent="-228600" defTabSz="514350">
-                <a:defRPr sz="1300">
-                  <a:solidFill>
-                    <a:schemeClr val="tx1"/>
-                  </a:solidFill>
-                  <a:latin typeface="Calibri" panose="020F0502020204030204" pitchFamily="34" charset="0"/>
-                  <a:ea typeface="宋体" panose="02010600030101010101" pitchFamily="2" charset="-122"/>
-                </a:defRPr>
-              </a:lvl4pPr>
-              <a:lvl5pPr marL="2057400" indent="-228600" defTabSz="514350">
-                <a:defRPr sz="1300">
-                  <a:solidFill>
-                    <a:schemeClr val="tx1"/>
-                  </a:solidFill>
-                  <a:latin typeface="Calibri" panose="020F0502020204030204" pitchFamily="34" charset="0"/>
-                  <a:ea typeface="宋体" panose="02010600030101010101" pitchFamily="2" charset="-122"/>
-                </a:defRPr>
-              </a:lvl5pPr>
-              <a:lvl6pPr marL="2514600" indent="-228600" defTabSz="514350" eaLnBrk="0" fontAlgn="base" hangingPunct="0">
-                <a:spcBef>
-                  <a:spcPct val="0"/>
-                </a:spcBef>
-                <a:spcAft>
-                  <a:spcPct val="0"/>
-                </a:spcAft>
-                <a:defRPr sz="1300">
-                  <a:solidFill>
-                    <a:schemeClr val="tx1"/>
-                  </a:solidFill>
-                  <a:latin typeface="Calibri" panose="020F0502020204030204" pitchFamily="34" charset="0"/>
-                  <a:ea typeface="宋体" panose="02010600030101010101" pitchFamily="2" charset="-122"/>
-                </a:defRPr>
-              </a:lvl6pPr>
-              <a:lvl7pPr marL="2971800" indent="-228600" defTabSz="514350" eaLnBrk="0" fontAlgn="base" hangingPunct="0">
-                <a:spcBef>
-                  <a:spcPct val="0"/>
-                </a:spcBef>
-                <a:spcAft>
-                  <a:spcPct val="0"/>
-                </a:spcAft>
-                <a:defRPr sz="1300">
-                  <a:solidFill>
-                    <a:schemeClr val="tx1"/>
-                  </a:solidFill>
-                  <a:latin typeface="Calibri" panose="020F0502020204030204" pitchFamily="34" charset="0"/>
-                  <a:ea typeface="宋体" panose="02010600030101010101" pitchFamily="2" charset="-122"/>
-                </a:defRPr>
-              </a:lvl7pPr>
-              <a:lvl8pPr marL="3429000" indent="-228600" defTabSz="514350" eaLnBrk="0" fontAlgn="base" hangingPunct="0">
-                <a:spcBef>
-                  <a:spcPct val="0"/>
-                </a:spcBef>
-                <a:spcAft>
-                  <a:spcPct val="0"/>
-                </a:spcAft>
-                <a:defRPr sz="1300">
-                  <a:solidFill>
-                    <a:schemeClr val="tx1"/>
-                  </a:solidFill>
-                  <a:latin typeface="Calibri" panose="020F0502020204030204" pitchFamily="34" charset="0"/>
-                  <a:ea typeface="宋体" panose="02010600030101010101" pitchFamily="2" charset="-122"/>
-                </a:defRPr>
-              </a:lvl8pPr>
-              <a:lvl9pPr marL="3886200" indent="-228600" defTabSz="514350" eaLnBrk="0" fontAlgn="base" hangingPunct="0">
-                <a:spcBef>
-                  <a:spcPct val="0"/>
-                </a:spcBef>
-                <a:spcAft>
-                  <a:spcPct val="0"/>
-                </a:spcAft>
-                <a:defRPr sz="1300">
-                  <a:solidFill>
-                    <a:schemeClr val="tx1"/>
-                  </a:solidFill>
-                  <a:latin typeface="Calibri" panose="020F0502020204030204" pitchFamily="34" charset="0"/>
-                  <a:ea typeface="宋体" panose="02010600030101010101" pitchFamily="2" charset="-122"/>
-                </a:defRPr>
-              </a:lvl9pPr>
-            </a:lstStyle>
-            <a:p>
-              <a:pPr indent="0" fontAlgn="base">
-                <a:spcBef>
-                  <a:spcPct val="0"/>
-                </a:spcBef>
-                <a:spcAft>
-                  <a:spcPct val="0"/>
-                </a:spcAft>
-                <a:buNone/>
-              </a:pPr>
-              <a:r>
-                <a:rPr lang="zh-CN" altLang="en-US" sz="2000">
-                  <a:solidFill>
-                    <a:schemeClr val="accent1"/>
-                  </a:solidFill>
-                  <a:latin typeface="+mj-ea"/>
-                  <a:ea typeface="+mj-ea"/>
-                  <a:sym typeface="Calibri" panose="020F0502020204030204" pitchFamily="34" charset="0"/>
-                </a:rPr>
-                <a:t>订阅</a:t>
-              </a:r>
-              <a:r>
-                <a:rPr lang="en-US" altLang="zh-CN" sz="2000">
-                  <a:solidFill>
-                    <a:schemeClr val="accent1"/>
-                  </a:solidFill>
-                  <a:latin typeface="+mj-ea"/>
-                  <a:ea typeface="+mj-ea"/>
-                  <a:sym typeface="Calibri" panose="020F0502020204030204" pitchFamily="34" charset="0"/>
-                </a:rPr>
-                <a:t>-</a:t>
-              </a:r>
-              <a:r>
-                <a:rPr lang="zh-CN" altLang="en-US" sz="2000">
-                  <a:solidFill>
-                    <a:schemeClr val="accent1"/>
-                  </a:solidFill>
-                  <a:latin typeface="+mj-ea"/>
-                  <a:ea typeface="+mj-ea"/>
-                  <a:sym typeface="Calibri" panose="020F0502020204030204" pitchFamily="34" charset="0"/>
-                </a:rPr>
-                <a:t>发布者模式</a:t>
-              </a:r>
-              <a:endParaRPr lang="zh-CN" altLang="en-US" sz="2000">
-                <a:solidFill>
-                  <a:schemeClr val="accent1"/>
-                </a:solidFill>
-                <a:latin typeface="+mj-ea"/>
-                <a:ea typeface="+mj-ea"/>
-                <a:sym typeface="Calibri" panose="020F0502020204030204" pitchFamily="34" charset="0"/>
-              </a:endParaRPr>
-            </a:p>
-          </p:txBody>
-        </p:sp>
-        <p:sp>
-          <p:nvSpPr>
-            <p:cNvPr id="14" name="PA_文本框 7" descr="e7d195523061f1c09e9d68d7cf438b91ef959ecb14fc25d26BBA7F7DBC18E55DFF4014AF651F0BF2569D4B6C1DA7F1A4683A481403BD872FC687266AD13265C1DE7C373772FD8728ABDD69ADD03BFF5BE2862BC891DBB79E48D68EAF9BC0B135F08CB3AA261467E47643FBA29D38A9757F7FFD5B7023D39A21F358D3BB12D2D6D548E32EE07CB42717034D7FAE5F42C8"/>
-            <p:cNvSpPr txBox="1">
-              <a:spLocks noChangeArrowheads="1"/>
-            </p:cNvSpPr>
-            <p:nvPr>
-              <p:custDataLst>
-                <p:tags r:id="rId3"/>
-              </p:custDataLst>
-            </p:nvPr>
-          </p:nvSpPr>
-          <p:spPr bwMode="auto">
-            <a:xfrm>
-              <a:off x="453" y="6772"/>
-              <a:ext cx="3797" cy="628"/>
-            </a:xfrm>
-            <a:prstGeom prst="rect">
-              <a:avLst/>
-            </a:prstGeom>
-            <a:noFill/>
-            <a:ln>
-              <a:noFill/>
-            </a:ln>
-            <a:extLst>
-              <a:ext uri="{909E8E84-426E-40DD-AFC4-6F175D3DCCD1}">
-                <a14:hiddenFill xmlns:a14="http://schemas.microsoft.com/office/drawing/2010/main">
-                  <a:solidFill>
-                    <a:srgbClr val="FFFFFF"/>
-                  </a:solidFill>
-                </a14:hiddenFill>
-              </a:ext>
-              <a:ext uri="{91240B29-F687-4F45-9708-019B960494DF}">
-                <a14:hiddenLine xmlns:a14="http://schemas.microsoft.com/office/drawing/2010/main" w="9525">
-                  <a:solidFill>
-                    <a:srgbClr val="000000"/>
-                  </a:solidFill>
-                  <a:miter lim="800000"/>
-                  <a:headEnd/>
-                  <a:tailEnd/>
-                </a14:hiddenLine>
-              </a:ext>
-            </a:extLst>
-          </p:spPr>
-          <p:txBody>
-            <a:bodyPr wrap="square">
-              <a:spAutoFit/>
-            </a:bodyPr>
-            <a:lstStyle>
-              <a:lvl1pPr defTabSz="514350">
-                <a:defRPr sz="1300">
-                  <a:solidFill>
-                    <a:schemeClr val="tx1"/>
-                  </a:solidFill>
-                  <a:latin typeface="Calibri" panose="020F0502020204030204" pitchFamily="34" charset="0"/>
-                  <a:ea typeface="宋体" panose="02010600030101010101" pitchFamily="2" charset="-122"/>
-                </a:defRPr>
-              </a:lvl1pPr>
-              <a:lvl2pPr marL="742950" indent="-285750" defTabSz="514350">
-                <a:defRPr sz="1300">
-                  <a:solidFill>
-                    <a:schemeClr val="tx1"/>
-                  </a:solidFill>
-                  <a:latin typeface="Calibri" panose="020F0502020204030204" pitchFamily="34" charset="0"/>
-                  <a:ea typeface="宋体" panose="02010600030101010101" pitchFamily="2" charset="-122"/>
-                </a:defRPr>
-              </a:lvl2pPr>
-              <a:lvl3pPr marL="1143000" indent="-228600" defTabSz="514350">
-                <a:defRPr sz="1300">
-                  <a:solidFill>
-                    <a:schemeClr val="tx1"/>
-                  </a:solidFill>
-                  <a:latin typeface="Calibri" panose="020F0502020204030204" pitchFamily="34" charset="0"/>
-                  <a:ea typeface="宋体" panose="02010600030101010101" pitchFamily="2" charset="-122"/>
-                </a:defRPr>
-              </a:lvl3pPr>
-              <a:lvl4pPr marL="1600200" indent="-228600" defTabSz="514350">
-                <a:defRPr sz="1300">
-                  <a:solidFill>
-                    <a:schemeClr val="tx1"/>
-                  </a:solidFill>
-                  <a:latin typeface="Calibri" panose="020F0502020204030204" pitchFamily="34" charset="0"/>
-                  <a:ea typeface="宋体" panose="02010600030101010101" pitchFamily="2" charset="-122"/>
-                </a:defRPr>
-              </a:lvl4pPr>
-              <a:lvl5pPr marL="2057400" indent="-228600" defTabSz="514350">
-                <a:defRPr sz="1300">
-                  <a:solidFill>
-                    <a:schemeClr val="tx1"/>
-                  </a:solidFill>
-                  <a:latin typeface="Calibri" panose="020F0502020204030204" pitchFamily="34" charset="0"/>
-                  <a:ea typeface="宋体" panose="02010600030101010101" pitchFamily="2" charset="-122"/>
-                </a:defRPr>
-              </a:lvl5pPr>
-              <a:lvl6pPr marL="2514600" indent="-228600" defTabSz="514350" eaLnBrk="0" fontAlgn="base" hangingPunct="0">
-                <a:spcBef>
-                  <a:spcPct val="0"/>
-                </a:spcBef>
-                <a:spcAft>
-                  <a:spcPct val="0"/>
-                </a:spcAft>
-                <a:defRPr sz="1300">
-                  <a:solidFill>
-                    <a:schemeClr val="tx1"/>
-                  </a:solidFill>
-                  <a:latin typeface="Calibri" panose="020F0502020204030204" pitchFamily="34" charset="0"/>
-                  <a:ea typeface="宋体" panose="02010600030101010101" pitchFamily="2" charset="-122"/>
-                </a:defRPr>
-              </a:lvl6pPr>
-              <a:lvl7pPr marL="2971800" indent="-228600" defTabSz="514350" eaLnBrk="0" fontAlgn="base" hangingPunct="0">
-                <a:spcBef>
-                  <a:spcPct val="0"/>
-                </a:spcBef>
-                <a:spcAft>
-                  <a:spcPct val="0"/>
-                </a:spcAft>
-                <a:defRPr sz="1300">
-                  <a:solidFill>
-                    <a:schemeClr val="tx1"/>
-                  </a:solidFill>
-                  <a:latin typeface="Calibri" panose="020F0502020204030204" pitchFamily="34" charset="0"/>
-                  <a:ea typeface="宋体" panose="02010600030101010101" pitchFamily="2" charset="-122"/>
-                </a:defRPr>
-              </a:lvl7pPr>
-              <a:lvl8pPr marL="3429000" indent="-228600" defTabSz="514350" eaLnBrk="0" fontAlgn="base" hangingPunct="0">
-                <a:spcBef>
-                  <a:spcPct val="0"/>
-                </a:spcBef>
-                <a:spcAft>
-                  <a:spcPct val="0"/>
-                </a:spcAft>
-                <a:defRPr sz="1300">
-                  <a:solidFill>
-                    <a:schemeClr val="tx1"/>
-                  </a:solidFill>
-                  <a:latin typeface="Calibri" panose="020F0502020204030204" pitchFamily="34" charset="0"/>
-                  <a:ea typeface="宋体" panose="02010600030101010101" pitchFamily="2" charset="-122"/>
-                </a:defRPr>
-              </a:lvl8pPr>
-              <a:lvl9pPr marL="3886200" indent="-228600" defTabSz="514350" eaLnBrk="0" fontAlgn="base" hangingPunct="0">
-                <a:spcBef>
-                  <a:spcPct val="0"/>
-                </a:spcBef>
-                <a:spcAft>
-                  <a:spcPct val="0"/>
-                </a:spcAft>
-                <a:defRPr sz="1300">
-                  <a:solidFill>
-                    <a:schemeClr val="tx1"/>
-                  </a:solidFill>
-                  <a:latin typeface="Calibri" panose="020F0502020204030204" pitchFamily="34" charset="0"/>
-                  <a:ea typeface="宋体" panose="02010600030101010101" pitchFamily="2" charset="-122"/>
-                </a:defRPr>
-              </a:lvl9pPr>
-            </a:lstStyle>
-            <a:p>
-              <a:pPr indent="0" fontAlgn="base">
-                <a:spcBef>
-                  <a:spcPct val="0"/>
-                </a:spcBef>
-                <a:spcAft>
-                  <a:spcPct val="0"/>
-                </a:spcAft>
-                <a:buNone/>
-              </a:pPr>
-              <a:r>
-                <a:rPr lang="zh-CN" sz="2000">
-                  <a:solidFill>
-                    <a:schemeClr val="accent1"/>
-                  </a:solidFill>
-                  <a:latin typeface="+mj-ea"/>
-                  <a:ea typeface="+mj-ea"/>
-                  <a:sym typeface="Calibri" panose="020F0502020204030204" pitchFamily="34" charset="0"/>
-                </a:rPr>
-                <a:t>》》》</a:t>
-              </a:r>
-              <a:endParaRPr lang="zh-CN" sz="2000">
-                <a:solidFill>
-                  <a:schemeClr val="accent1"/>
-                </a:solidFill>
-                <a:latin typeface="+mj-ea"/>
-                <a:ea typeface="+mj-ea"/>
-                <a:sym typeface="Calibri" panose="020F0502020204030204" pitchFamily="34" charset="0"/>
-              </a:endParaRPr>
-            </a:p>
-          </p:txBody>
-        </p:sp>
-        <p:sp>
-          <p:nvSpPr>
-            <p:cNvPr id="15" name="PA_文本框 7" descr="e7d195523061f1c09e9d68d7cf438b91ef959ecb14fc25d26BBA7F7DBC18E55DFF4014AF651F0BF2569D4B6C1DA7F1A4683A481403BD872FC687266AD13265C1DE7C373772FD8728ABDD69ADD03BFF5BE2862BC891DBB79E48D68EAF9BC0B135F08CB3AA261467E47643FBA29D38A9757F7FFD5B7023D39A21F358D3BB12D2D6D548E32EE07CB42717034D7FAE5F42C8"/>
-            <p:cNvSpPr txBox="1">
-              <a:spLocks noChangeArrowheads="1"/>
-            </p:cNvSpPr>
-            <p:nvPr>
-              <p:custDataLst>
-                <p:tags r:id="rId4"/>
-              </p:custDataLst>
-            </p:nvPr>
-          </p:nvSpPr>
-          <p:spPr bwMode="auto">
-            <a:xfrm>
-              <a:off x="453" y="4187"/>
-              <a:ext cx="2842" cy="628"/>
-            </a:xfrm>
-            <a:prstGeom prst="rect">
-              <a:avLst/>
-            </a:prstGeom>
-            <a:noFill/>
-            <a:ln>
-              <a:noFill/>
-            </a:ln>
-            <a:extLst>
-              <a:ext uri="{909E8E84-426E-40DD-AFC4-6F175D3DCCD1}">
-                <a14:hiddenFill xmlns:a14="http://schemas.microsoft.com/office/drawing/2010/main">
-                  <a:solidFill>
-                    <a:srgbClr val="FFFFFF"/>
-                  </a:solidFill>
-                </a14:hiddenFill>
-              </a:ext>
-              <a:ext uri="{91240B29-F687-4F45-9708-019B960494DF}">
-                <a14:hiddenLine xmlns:a14="http://schemas.microsoft.com/office/drawing/2010/main" w="9525">
-                  <a:solidFill>
-                    <a:srgbClr val="000000"/>
-                  </a:solidFill>
-                  <a:miter lim="800000"/>
-                  <a:headEnd/>
-                  <a:tailEnd/>
-                </a14:hiddenLine>
-              </a:ext>
-            </a:extLst>
-          </p:spPr>
-          <p:txBody>
-            <a:bodyPr wrap="square">
-              <a:spAutoFit/>
-            </a:bodyPr>
-            <a:lstStyle>
-              <a:lvl1pPr defTabSz="514350">
-                <a:defRPr sz="1300">
-                  <a:solidFill>
-                    <a:schemeClr val="tx1"/>
-                  </a:solidFill>
-                  <a:latin typeface="Calibri" panose="020F0502020204030204" pitchFamily="34" charset="0"/>
-                  <a:ea typeface="宋体" panose="02010600030101010101" pitchFamily="2" charset="-122"/>
-                </a:defRPr>
-              </a:lvl1pPr>
-              <a:lvl2pPr marL="742950" indent="-285750" defTabSz="514350">
-                <a:defRPr sz="1300">
-                  <a:solidFill>
-                    <a:schemeClr val="tx1"/>
-                  </a:solidFill>
-                  <a:latin typeface="Calibri" panose="020F0502020204030204" pitchFamily="34" charset="0"/>
-                  <a:ea typeface="宋体" panose="02010600030101010101" pitchFamily="2" charset="-122"/>
-                </a:defRPr>
-              </a:lvl2pPr>
-              <a:lvl3pPr marL="1143000" indent="-228600" defTabSz="514350">
-                <a:defRPr sz="1300">
-                  <a:solidFill>
-                    <a:schemeClr val="tx1"/>
-                  </a:solidFill>
-                  <a:latin typeface="Calibri" panose="020F0502020204030204" pitchFamily="34" charset="0"/>
-                  <a:ea typeface="宋体" panose="02010600030101010101" pitchFamily="2" charset="-122"/>
-                </a:defRPr>
-              </a:lvl3pPr>
-              <a:lvl4pPr marL="1600200" indent="-228600" defTabSz="514350">
-                <a:defRPr sz="1300">
-                  <a:solidFill>
-                    <a:schemeClr val="tx1"/>
-                  </a:solidFill>
-                  <a:latin typeface="Calibri" panose="020F0502020204030204" pitchFamily="34" charset="0"/>
-                  <a:ea typeface="宋体" panose="02010600030101010101" pitchFamily="2" charset="-122"/>
-                </a:defRPr>
-              </a:lvl4pPr>
-              <a:lvl5pPr marL="2057400" indent="-228600" defTabSz="514350">
-                <a:defRPr sz="1300">
-                  <a:solidFill>
-                    <a:schemeClr val="tx1"/>
-                  </a:solidFill>
-                  <a:latin typeface="Calibri" panose="020F0502020204030204" pitchFamily="34" charset="0"/>
-                  <a:ea typeface="宋体" panose="02010600030101010101" pitchFamily="2" charset="-122"/>
-                </a:defRPr>
-              </a:lvl5pPr>
-              <a:lvl6pPr marL="2514600" indent="-228600" defTabSz="514350" eaLnBrk="0" fontAlgn="base" hangingPunct="0">
-                <a:spcBef>
-                  <a:spcPct val="0"/>
-                </a:spcBef>
-                <a:spcAft>
-                  <a:spcPct val="0"/>
-                </a:spcAft>
-                <a:defRPr sz="1300">
-                  <a:solidFill>
-                    <a:schemeClr val="tx1"/>
-                  </a:solidFill>
-                  <a:latin typeface="Calibri" panose="020F0502020204030204" pitchFamily="34" charset="0"/>
-                  <a:ea typeface="宋体" panose="02010600030101010101" pitchFamily="2" charset="-122"/>
-                </a:defRPr>
-              </a:lvl6pPr>
-              <a:lvl7pPr marL="2971800" indent="-228600" defTabSz="514350" eaLnBrk="0" fontAlgn="base" hangingPunct="0">
-                <a:spcBef>
-                  <a:spcPct val="0"/>
-                </a:spcBef>
-                <a:spcAft>
-                  <a:spcPct val="0"/>
-                </a:spcAft>
-                <a:defRPr sz="1300">
-                  <a:solidFill>
-                    <a:schemeClr val="tx1"/>
-                  </a:solidFill>
-                  <a:latin typeface="Calibri" panose="020F0502020204030204" pitchFamily="34" charset="0"/>
-                  <a:ea typeface="宋体" panose="02010600030101010101" pitchFamily="2" charset="-122"/>
-                </a:defRPr>
-              </a:lvl7pPr>
-              <a:lvl8pPr marL="3429000" indent="-228600" defTabSz="514350" eaLnBrk="0" fontAlgn="base" hangingPunct="0">
-                <a:spcBef>
-                  <a:spcPct val="0"/>
-                </a:spcBef>
-                <a:spcAft>
-                  <a:spcPct val="0"/>
-                </a:spcAft>
-                <a:defRPr sz="1300">
-                  <a:solidFill>
-                    <a:schemeClr val="tx1"/>
-                  </a:solidFill>
-                  <a:latin typeface="Calibri" panose="020F0502020204030204" pitchFamily="34" charset="0"/>
-                  <a:ea typeface="宋体" panose="02010600030101010101" pitchFamily="2" charset="-122"/>
-                </a:defRPr>
-              </a:lvl8pPr>
-              <a:lvl9pPr marL="3886200" indent="-228600" defTabSz="514350" eaLnBrk="0" fontAlgn="base" hangingPunct="0">
-                <a:spcBef>
-                  <a:spcPct val="0"/>
-                </a:spcBef>
-                <a:spcAft>
-                  <a:spcPct val="0"/>
-                </a:spcAft>
-                <a:defRPr sz="1300">
-                  <a:solidFill>
-                    <a:schemeClr val="tx1"/>
-                  </a:solidFill>
-                  <a:latin typeface="Calibri" panose="020F0502020204030204" pitchFamily="34" charset="0"/>
-                  <a:ea typeface="宋体" panose="02010600030101010101" pitchFamily="2" charset="-122"/>
-                </a:defRPr>
-              </a:lvl9pPr>
-            </a:lstStyle>
-            <a:p>
-              <a:pPr indent="0" fontAlgn="base">
-                <a:spcBef>
-                  <a:spcPct val="0"/>
-                </a:spcBef>
-                <a:spcAft>
-                  <a:spcPct val="0"/>
-                </a:spcAft>
-                <a:buNone/>
-              </a:pPr>
-              <a:r>
-                <a:rPr lang="zh-CN" altLang="en-US" sz="2000">
-                  <a:solidFill>
-                    <a:schemeClr val="accent1"/>
-                  </a:solidFill>
-                  <a:latin typeface="+mj-ea"/>
-                  <a:ea typeface="+mj-ea"/>
-                  <a:sym typeface="Calibri" panose="020F0502020204030204" pitchFamily="34" charset="0"/>
-                </a:rPr>
-                <a:t>代理模式</a:t>
-              </a:r>
-              <a:endParaRPr lang="zh-CN" altLang="en-US" sz="2000">
-                <a:solidFill>
-                  <a:schemeClr val="accent1"/>
-                </a:solidFill>
-                <a:latin typeface="+mj-ea"/>
-                <a:ea typeface="+mj-ea"/>
-                <a:sym typeface="Calibri" panose="020F0502020204030204" pitchFamily="34" charset="0"/>
-              </a:endParaRPr>
-            </a:p>
-          </p:txBody>
-        </p:sp>
-      </p:grpSp>
-      <p:sp>
-        <p:nvSpPr>
-          <p:cNvPr id="16" name="PA_文本框 11" descr="e7d195523061f1c09e9d68d7cf438b91ef959ecb14fc25d26BBA7F7DBC18E55DFF4014AF651F0BF2569D4B6C1DA7F1A4683A481403BD872FC687266AD13265C1DE7C373772FD8728ABDD69ADD03BFF5BE2862BC891DBB79E48D68EAF9BC0B135F08CB3AA261467E47643FBA29D38A9757F7FFD5B7023D39A21F358D3BB12D2D6D548E32EE07CB42717034D7FAE5F42C8"/>
-          <p:cNvSpPr txBox="1">
-            <a:spLocks noChangeArrowheads="1"/>
-          </p:cNvSpPr>
-          <p:nvPr>
-            <p:custDataLst>
-              <p:tags r:id="rId5"/>
-            </p:custDataLst>
-          </p:nvPr>
-        </p:nvSpPr>
-        <p:spPr bwMode="auto">
-          <a:xfrm>
-            <a:off x="1029970" y="1916430"/>
-            <a:ext cx="2465705" cy="583565"/>
-          </a:xfrm>
-          <a:prstGeom prst="rect">
-            <a:avLst/>
-          </a:prstGeom>
-          <a:noFill/>
-          <a:ln>
-            <a:noFill/>
-          </a:ln>
-        </p:spPr>
-        <p:txBody>
-          <a:bodyPr wrap="square">
-            <a:spAutoFit/>
-          </a:bodyPr>
-          <a:lstStyle>
-            <a:lvl1pPr>
-              <a:defRPr sz="1300">
-                <a:solidFill>
-                  <a:schemeClr val="tx1"/>
-                </a:solidFill>
-                <a:latin typeface="Arial" panose="020B0604020202020204" pitchFamily="34" charset="0"/>
-                <a:ea typeface="微软雅黑" panose="020B0503020204020204" pitchFamily="34" charset="-122"/>
-              </a:defRPr>
-            </a:lvl1pPr>
-            <a:lvl2pPr marL="742950" indent="-285750">
-              <a:defRPr sz="1300">
-                <a:solidFill>
-                  <a:schemeClr val="tx1"/>
-                </a:solidFill>
-                <a:latin typeface="Arial" panose="020B0604020202020204" pitchFamily="34" charset="0"/>
-                <a:ea typeface="微软雅黑" panose="020B0503020204020204" pitchFamily="34" charset="-122"/>
-              </a:defRPr>
-            </a:lvl2pPr>
-            <a:lvl3pPr marL="1143000" indent="-228600">
-              <a:defRPr sz="1300">
-                <a:solidFill>
-                  <a:schemeClr val="tx1"/>
-                </a:solidFill>
-                <a:latin typeface="Arial" panose="020B0604020202020204" pitchFamily="34" charset="0"/>
-                <a:ea typeface="微软雅黑" panose="020B0503020204020204" pitchFamily="34" charset="-122"/>
-              </a:defRPr>
-            </a:lvl3pPr>
-            <a:lvl4pPr marL="1600200" indent="-228600">
-              <a:defRPr sz="1300">
-                <a:solidFill>
-                  <a:schemeClr val="tx1"/>
-                </a:solidFill>
-                <a:latin typeface="Arial" panose="020B0604020202020204" pitchFamily="34" charset="0"/>
-                <a:ea typeface="微软雅黑" panose="020B0503020204020204" pitchFamily="34" charset="-122"/>
-              </a:defRPr>
-            </a:lvl4pPr>
-            <a:lvl5pPr marL="2057400" indent="-228600">
-              <a:defRPr sz="1300">
-                <a:solidFill>
-                  <a:schemeClr val="tx1"/>
-                </a:solidFill>
-                <a:latin typeface="Arial" panose="020B0604020202020204" pitchFamily="34" charset="0"/>
-                <a:ea typeface="微软雅黑" panose="020B0503020204020204" pitchFamily="34" charset="-122"/>
-              </a:defRPr>
-            </a:lvl5pPr>
-            <a:lvl6pPr marL="2514600" indent="-228600" defTabSz="685800" eaLnBrk="0" fontAlgn="base" hangingPunct="0">
-              <a:spcBef>
-                <a:spcPct val="0"/>
-              </a:spcBef>
-              <a:spcAft>
-                <a:spcPct val="0"/>
-              </a:spcAft>
-              <a:defRPr sz="1300">
-                <a:solidFill>
-                  <a:schemeClr val="tx1"/>
-                </a:solidFill>
-                <a:latin typeface="Arial" panose="020B0604020202020204" pitchFamily="34" charset="0"/>
-                <a:ea typeface="微软雅黑" panose="020B0503020204020204" pitchFamily="34" charset="-122"/>
-              </a:defRPr>
-            </a:lvl6pPr>
-            <a:lvl7pPr marL="2971800" indent="-228600" defTabSz="685800" eaLnBrk="0" fontAlgn="base" hangingPunct="0">
-              <a:spcBef>
-                <a:spcPct val="0"/>
-              </a:spcBef>
-              <a:spcAft>
-                <a:spcPct val="0"/>
-              </a:spcAft>
-              <a:defRPr sz="1300">
-                <a:solidFill>
-                  <a:schemeClr val="tx1"/>
-                </a:solidFill>
-                <a:latin typeface="Arial" panose="020B0604020202020204" pitchFamily="34" charset="0"/>
-                <a:ea typeface="微软雅黑" panose="020B0503020204020204" pitchFamily="34" charset="-122"/>
-              </a:defRPr>
-            </a:lvl7pPr>
-            <a:lvl8pPr marL="3429000" indent="-228600" defTabSz="685800" eaLnBrk="0" fontAlgn="base" hangingPunct="0">
-              <a:spcBef>
-                <a:spcPct val="0"/>
-              </a:spcBef>
-              <a:spcAft>
-                <a:spcPct val="0"/>
-              </a:spcAft>
-              <a:defRPr sz="1300">
-                <a:solidFill>
-                  <a:schemeClr val="tx1"/>
-                </a:solidFill>
-                <a:latin typeface="Arial" panose="020B0604020202020204" pitchFamily="34" charset="0"/>
-                <a:ea typeface="微软雅黑" panose="020B0503020204020204" pitchFamily="34" charset="-122"/>
-              </a:defRPr>
-            </a:lvl8pPr>
-            <a:lvl9pPr marL="3886200" indent="-228600" defTabSz="685800" eaLnBrk="0" fontAlgn="base" hangingPunct="0">
-              <a:spcBef>
-                <a:spcPct val="0"/>
-              </a:spcBef>
-              <a:spcAft>
-                <a:spcPct val="0"/>
-              </a:spcAft>
-              <a:defRPr sz="1300">
-                <a:solidFill>
-                  <a:schemeClr val="tx1"/>
-                </a:solidFill>
-                <a:latin typeface="Arial" panose="020B0604020202020204" pitchFamily="34" charset="0"/>
-                <a:ea typeface="微软雅黑" panose="020B0503020204020204" pitchFamily="34" charset="-122"/>
-              </a:defRPr>
-            </a:lvl9pPr>
-          </a:lstStyle>
-          <a:p>
-            <a:pPr defTabSz="514350" fontAlgn="base">
-              <a:spcBef>
-                <a:spcPct val="0"/>
-              </a:spcBef>
-              <a:spcAft>
-                <a:spcPct val="0"/>
-              </a:spcAft>
-            </a:pPr>
-            <a:r>
-              <a:rPr lang="zh-CN" altLang="en-US" sz="3200" b="1">
-                <a:solidFill>
-                  <a:schemeClr val="accent1"/>
-                </a:solidFill>
-                <a:latin typeface="Arial" panose="020B0604020202020204"/>
-                <a:ea typeface="微软雅黑" panose="020B0503020204020204" pitchFamily="34" charset="-122"/>
-                <a:sym typeface="Calibri" panose="020F0502020204030204" pitchFamily="34" charset="0"/>
-              </a:rPr>
-              <a:t>设计模式</a:t>
-            </a:r>
-            <a:endParaRPr lang="zh-CN" altLang="en-US" sz="3200" b="1">
-              <a:solidFill>
-                <a:schemeClr val="accent1"/>
-              </a:solidFill>
-              <a:latin typeface="Arial" panose="020B0604020202020204"/>
-              <a:ea typeface="微软雅黑" panose="020B0503020204020204" pitchFamily="34" charset="-122"/>
-              <a:sym typeface="Calibri" panose="020F0502020204030204" pitchFamily="34" charset="0"/>
-            </a:endParaRPr>
-          </a:p>
-        </p:txBody>
-      </p:sp>
-      <p:sp>
-        <p:nvSpPr>
-          <p:cNvPr id="17" name="PA_矩形 16" descr="e7d195523061f1c09e9d68d7cf438b91ef959ecb14fc25d26BBA7F7DBC18E55DFF4014AF651F0BF2569D4B6C1DA7F1A4683A481403BD872FC687266AD13265C1DE7C373772FD8728ABDD69ADD03BFF5BE2862BC891DBB79E48D68EAF9BC0B135F08CB3AA261467E47643FBA29D38A9757F7FFD5B7023D39A21F358D3BB12D2D6D548E32EE07CB42717034D7FAE5F42C8"/>
-          <p:cNvSpPr/>
-          <p:nvPr>
-            <p:custDataLst>
-              <p:tags r:id="rId6"/>
-            </p:custDataLst>
-          </p:nvPr>
-        </p:nvSpPr>
-        <p:spPr>
-          <a:xfrm>
-            <a:off x="1117600" y="2764790"/>
-            <a:ext cx="2291080" cy="818515"/>
-          </a:xfrm>
-          <a:prstGeom prst="rect">
-            <a:avLst/>
-          </a:prstGeom>
-        </p:spPr>
-        <p:txBody>
-          <a:bodyPr wrap="square">
-            <a:spAutoFit/>
-          </a:bodyPr>
-          <a:lstStyle/>
-          <a:p>
-            <a:pPr defTabSz="914400">
-              <a:lnSpc>
-                <a:spcPct val="150000"/>
-              </a:lnSpc>
-              <a:defRPr/>
-            </a:pPr>
-            <a:r>
-              <a:rPr lang="en-US" altLang="zh-CN" sz="1050" kern="0">
-                <a:solidFill>
-                  <a:srgbClr val="212121"/>
-                </a:solidFill>
-                <a:ea typeface="微软雅黑" panose="020B0503020204020204" pitchFamily="34" charset="-122"/>
-                <a:cs typeface="Arial" panose="020B0604020202020204" pitchFamily="34" charset="0"/>
-                <a:sym typeface="Calibri" panose="020F0502020204030204" pitchFamily="34" charset="0"/>
-              </a:rPr>
-              <a:t>Lorem ipsum dolor sit amet, consectetuer adipiscing elit. Aenean commodo ligula eget dolor. </a:t>
-            </a:r>
-            <a:endParaRPr lang="zh-CN" altLang="en-US" sz="1800" kern="0">
-              <a:solidFill>
-                <a:srgbClr val="212121"/>
-              </a:solidFill>
-              <a:ea typeface="微软雅黑" panose="020B0503020204020204" pitchFamily="34" charset="-122"/>
-            </a:endParaRPr>
-          </a:p>
-        </p:txBody>
-      </p:sp>
-    </p:spTree>
-  </p:cSld>
-  <p:clrMapOvr>
-    <a:masterClrMapping/>
-  </p:clrMapOvr>
-  <mc:AlternateContent xmlns:mc="http://schemas.openxmlformats.org/markup-compatibility/2006">
-    <mc:Choice xmlns:p14="http://schemas.microsoft.com/office/powerpoint/2010/main" Requires="p14">
-      <p:transition spd="slow" p14:dur="2000"/>
-    </mc:Choice>
-    <mc:Fallback>
-      <p:transition spd="slow"/>
-    </mc:Fallback>
-  </mc:AlternateContent>
-</p:sld>
-</file>
-
-<file path=ppt/slides/slide20.xml><?xml version="1.0" encoding="utf-8"?>
+<file path=ppt/slides/slide21.xml><?xml version="1.0" encoding="utf-8"?>
 <p:sld xmlns:a="http://schemas.openxmlformats.org/drawingml/2006/main" xmlns:r="http://schemas.openxmlformats.org/officeDocument/2006/relationships" xmlns:p="http://schemas.openxmlformats.org/presentationml/2006/main">
   <p:cSld>
     <p:spTree>
@@ -14354,7 +14772,7 @@
 </p:sld>
 </file>
 
-<file path=ppt/slides/slide21.xml><?xml version="1.0" encoding="utf-8"?>
+<file path=ppt/slides/slide22.xml><?xml version="1.0" encoding="utf-8"?>
 <p:sld xmlns:a="http://schemas.openxmlformats.org/drawingml/2006/main" xmlns:r="http://schemas.openxmlformats.org/officeDocument/2006/relationships" xmlns:p="http://schemas.openxmlformats.org/presentationml/2006/main">
   <p:cSld>
     <p:spTree>
@@ -15649,7 +16067,7 @@
 </p:sld>
 </file>
 
-<file path=ppt/slides/slide22.xml><?xml version="1.0" encoding="utf-8"?>
+<file path=ppt/slides/slide23.xml><?xml version="1.0" encoding="utf-8"?>
 <p:sld xmlns:a="http://schemas.openxmlformats.org/drawingml/2006/main" xmlns:r="http://schemas.openxmlformats.org/officeDocument/2006/relationships" xmlns:p="http://schemas.openxmlformats.org/presentationml/2006/main">
   <p:cSld>
     <p:spTree>
@@ -17316,7 +17734,7 @@
 </p:sld>
 </file>
 
-<file path=ppt/slides/slide23.xml><?xml version="1.0" encoding="utf-8"?>
+<file path=ppt/slides/slide24.xml><?xml version="1.0" encoding="utf-8"?>
 <p:sld xmlns:a="http://schemas.openxmlformats.org/drawingml/2006/main" xmlns:r="http://schemas.openxmlformats.org/officeDocument/2006/relationships" xmlns:p="http://schemas.openxmlformats.org/presentationml/2006/main">
   <p:cSld>
     <p:spTree>
@@ -17519,7 +17937,7 @@
 </p:sld>
 </file>
 
-<file path=ppt/slides/slide24.xml><?xml version="1.0" encoding="utf-8"?>
+<file path=ppt/slides/slide25.xml><?xml version="1.0" encoding="utf-8"?>
 <p:sld xmlns:a="http://schemas.openxmlformats.org/drawingml/2006/main" xmlns:r="http://schemas.openxmlformats.org/officeDocument/2006/relationships" xmlns:p="http://schemas.openxmlformats.org/presentationml/2006/main" showMasterSp="0">
   <p:cSld>
     <p:spTree>
@@ -19161,7 +19579,7 @@
 </p:sld>
 </file>
 
-<file path=ppt/slides/slide25.xml><?xml version="1.0" encoding="utf-8"?>
+<file path=ppt/slides/slide26.xml><?xml version="1.0" encoding="utf-8"?>
 <p:sld xmlns:a="http://schemas.openxmlformats.org/drawingml/2006/main" xmlns:r="http://schemas.openxmlformats.org/officeDocument/2006/relationships" xmlns:p="http://schemas.openxmlformats.org/presentationml/2006/main">
   <p:cSld>
     <p:spTree>
@@ -19639,7 +20057,7 @@
 </p:sld>
 </file>
 
-<file path=ppt/slides/slide26.xml><?xml version="1.0" encoding="utf-8"?>
+<file path=ppt/slides/slide27.xml><?xml version="1.0" encoding="utf-8"?>
 <p:sld xmlns:a="http://schemas.openxmlformats.org/drawingml/2006/main" xmlns:r="http://schemas.openxmlformats.org/officeDocument/2006/relationships" xmlns:p="http://schemas.openxmlformats.org/presentationml/2006/main" showMasterSp="0">
   <p:cSld>
     <p:spTree>
@@ -20836,6 +21254,1618 @@
       </p:grpSpPr>
       <p:sp>
         <p:nvSpPr>
+          <p:cNvPr id="2" name="矩形 1"/>
+          <p:cNvSpPr/>
+          <p:nvPr/>
+        </p:nvSpPr>
+        <p:spPr>
+          <a:xfrm>
+            <a:off x="0" y="216747"/>
+            <a:ext cx="372540" cy="751840"/>
+          </a:xfrm>
+          <a:prstGeom prst="rect">
+            <a:avLst/>
+          </a:prstGeom>
+          <a:ln>
+            <a:noFill/>
+          </a:ln>
+        </p:spPr>
+        <p:style>
+          <a:lnRef idx="2">
+            <a:schemeClr val="accent1">
+              <a:shade val="50000"/>
+            </a:schemeClr>
+          </a:lnRef>
+          <a:fillRef idx="1">
+            <a:schemeClr val="accent1"/>
+          </a:fillRef>
+          <a:effectRef idx="0">
+            <a:schemeClr val="accent1"/>
+          </a:effectRef>
+          <a:fontRef idx="minor">
+            <a:schemeClr val="lt1"/>
+          </a:fontRef>
+        </p:style>
+        <p:txBody>
+          <a:bodyPr rtlCol="0" anchor="ctr"/>
+          <a:lstStyle/>
+          <a:p>
+            <a:pPr algn="ctr"/>
+            <a:endParaRPr lang="zh-CN" altLang="en-US"/>
+          </a:p>
+        </p:txBody>
+      </p:sp>
+      <p:sp>
+        <p:nvSpPr>
+          <p:cNvPr id="41" name="矩形 40"/>
+          <p:cNvSpPr/>
+          <p:nvPr/>
+        </p:nvSpPr>
+        <p:spPr>
+          <a:xfrm>
+            <a:off x="453820" y="301936"/>
+            <a:ext cx="1198880" cy="398780"/>
+          </a:xfrm>
+          <a:prstGeom prst="rect">
+            <a:avLst/>
+          </a:prstGeom>
+        </p:spPr>
+        <p:txBody>
+          <a:bodyPr wrap="none">
+            <a:spAutoFit/>
+          </a:bodyPr>
+          <a:lstStyle/>
+          <a:p>
+            <a:pPr lvl="0" fontAlgn="base">
+              <a:spcBef>
+                <a:spcPct val="0"/>
+              </a:spcBef>
+              <a:spcAft>
+                <a:spcPct val="0"/>
+              </a:spcAft>
+            </a:pPr>
+            <a:r>
+              <a:rPr lang="zh-CN" altLang="en-US" sz="2000">
+                <a:solidFill>
+                  <a:schemeClr val="tx1">
+                    <a:lumMod val="75000"/>
+                    <a:lumOff val="25000"/>
+                  </a:schemeClr>
+                </a:solidFill>
+                <a:latin typeface="微软雅黑" panose="020B0503020204020204" pitchFamily="34" charset="-122"/>
+                <a:ea typeface="微软雅黑" panose="020B0503020204020204" pitchFamily="34" charset="-122"/>
+                <a:sym typeface="Calibri" panose="020F0502020204030204" pitchFamily="34" charset="0"/>
+              </a:rPr>
+              <a:t>设计原则</a:t>
+            </a:r>
+            <a:endParaRPr lang="zh-CN" altLang="en-US" sz="2000">
+              <a:solidFill>
+                <a:schemeClr val="tx1">
+                  <a:lumMod val="75000"/>
+                  <a:lumOff val="25000"/>
+                </a:schemeClr>
+              </a:solidFill>
+              <a:latin typeface="微软雅黑" panose="020B0503020204020204" pitchFamily="34" charset="-122"/>
+              <a:ea typeface="微软雅黑" panose="020B0503020204020204" pitchFamily="34" charset="-122"/>
+              <a:sym typeface="Calibri" panose="020F0502020204030204" pitchFamily="34" charset="0"/>
+            </a:endParaRPr>
+          </a:p>
+        </p:txBody>
+      </p:sp>
+      <p:sp>
+        <p:nvSpPr>
+          <p:cNvPr id="42" name="矩形 41"/>
+          <p:cNvSpPr/>
+          <p:nvPr/>
+        </p:nvSpPr>
+        <p:spPr>
+          <a:xfrm>
+            <a:off x="453820" y="702046"/>
+            <a:ext cx="1673225" cy="260350"/>
+          </a:xfrm>
+          <a:prstGeom prst="rect">
+            <a:avLst/>
+          </a:prstGeom>
+        </p:spPr>
+        <p:txBody>
+          <a:bodyPr wrap="none">
+            <a:spAutoFit/>
+          </a:bodyPr>
+          <a:lstStyle/>
+          <a:p>
+            <a:pPr lvl="0" fontAlgn="base">
+              <a:spcBef>
+                <a:spcPct val="0"/>
+              </a:spcBef>
+              <a:spcAft>
+                <a:spcPct val="0"/>
+              </a:spcAft>
+            </a:pPr>
+            <a:r>
+              <a:rPr lang="en-US" altLang="zh-CN" sz="1100">
+                <a:solidFill>
+                  <a:schemeClr val="tx1">
+                    <a:lumMod val="75000"/>
+                    <a:lumOff val="25000"/>
+                  </a:schemeClr>
+                </a:solidFill>
+                <a:latin typeface="+mj-lt"/>
+                <a:ea typeface="微软雅黑" panose="020B0503020204020204" pitchFamily="34" charset="-122"/>
+                <a:sym typeface="Calibri" panose="020F0502020204030204" pitchFamily="34" charset="0"/>
+              </a:rPr>
+              <a:t>CASE INTRODUCTION</a:t>
+            </a:r>
+            <a:endParaRPr lang="en-US" altLang="zh-CN" sz="1100">
+              <a:solidFill>
+                <a:schemeClr val="tx1">
+                  <a:lumMod val="75000"/>
+                  <a:lumOff val="25000"/>
+                </a:schemeClr>
+              </a:solidFill>
+              <a:latin typeface="+mj-lt"/>
+              <a:ea typeface="微软雅黑" panose="020B0503020204020204" pitchFamily="34" charset="-122"/>
+              <a:sym typeface="Calibri" panose="020F0502020204030204" pitchFamily="34" charset="0"/>
+            </a:endParaRPr>
+          </a:p>
+        </p:txBody>
+      </p:sp>
+      <p:grpSp>
+        <p:nvGrpSpPr>
+          <p:cNvPr id="8" name="组合 7"/>
+          <p:cNvGrpSpPr/>
+          <p:nvPr/>
+        </p:nvGrpSpPr>
+        <p:grpSpPr>
+          <a:xfrm>
+            <a:off x="448310" y="1159977"/>
+            <a:ext cx="7748449" cy="2772992"/>
+            <a:chOff x="4093" y="2789"/>
+            <a:chExt cx="8478" cy="3892"/>
+          </a:xfrm>
+        </p:grpSpPr>
+        <p:grpSp>
+          <p:nvGrpSpPr>
+            <p:cNvPr id="7" name="组合 6"/>
+            <p:cNvGrpSpPr/>
+            <p:nvPr/>
+          </p:nvGrpSpPr>
+          <p:grpSpPr>
+            <a:xfrm>
+              <a:off x="4093" y="2789"/>
+              <a:ext cx="2122" cy="1681"/>
+              <a:chOff x="4093" y="2789"/>
+              <a:chExt cx="2122" cy="1681"/>
+            </a:xfrm>
+          </p:grpSpPr>
+          <p:sp>
+            <p:nvSpPr>
+              <p:cNvPr id="25" name="文本框 7" descr="e7d195523061f1c09e9d68d7cf438b91ef959ecb14fc25d26BBA7F7DBC18E55DFF4014AF651F0BF2569D4B6C1DA7F1A4683A481403BD872FC687266AD13265C1DE7C373772FD8728ABDD69ADD03BFF5BE2862BC891DBB79E43A8244B4D7DEEF5A1BFB79ED4015C912F9C8B85E44C1E1FAF45D4C71B4D8047555824264C2F16A606196D84073B0BC612CE1BA227542E4A"/>
+              <p:cNvSpPr txBox="1">
+                <a:spLocks noChangeArrowheads="1"/>
+              </p:cNvSpPr>
+              <p:nvPr/>
+            </p:nvSpPr>
+            <p:spPr bwMode="auto">
+              <a:xfrm>
+                <a:off x="4093" y="2789"/>
+                <a:ext cx="1987" cy="387"/>
+              </a:xfrm>
+              <a:prstGeom prst="rect">
+                <a:avLst/>
+              </a:prstGeom>
+              <a:noFill/>
+              <a:ln>
+                <a:noFill/>
+              </a:ln>
+              <a:extLst>
+                <a:ext uri="{909E8E84-426E-40DD-AFC4-6F175D3DCCD1}">
+                  <a14:hiddenFill xmlns:a14="http://schemas.microsoft.com/office/drawing/2010/main">
+                    <a:solidFill>
+                      <a:srgbClr val="FFFFFF"/>
+                    </a:solidFill>
+                  </a14:hiddenFill>
+                </a:ext>
+                <a:ext uri="{91240B29-F687-4F45-9708-019B960494DF}">
+                  <a14:hiddenLine xmlns:a14="http://schemas.microsoft.com/office/drawing/2010/main" w="9525">
+                    <a:solidFill>
+                      <a:srgbClr val="000000"/>
+                    </a:solidFill>
+                    <a:miter lim="800000"/>
+                    <a:headEnd/>
+                    <a:tailEnd/>
+                  </a14:hiddenLine>
+                </a:ext>
+              </a:extLst>
+            </p:spPr>
+            <p:txBody>
+              <a:bodyPr wrap="square">
+                <a:spAutoFit/>
+              </a:bodyPr>
+              <a:lstStyle>
+                <a:lvl1pPr defTabSz="514350">
+                  <a:defRPr sz="1300">
+                    <a:solidFill>
+                      <a:schemeClr val="tx1"/>
+                    </a:solidFill>
+                    <a:latin typeface="Calibri" panose="020F0502020204030204" pitchFamily="34" charset="0"/>
+                    <a:ea typeface="宋体" panose="02010600030101010101" pitchFamily="2" charset="-122"/>
+                  </a:defRPr>
+                </a:lvl1pPr>
+                <a:lvl2pPr marL="742950" indent="-285750" defTabSz="514350">
+                  <a:defRPr sz="1300">
+                    <a:solidFill>
+                      <a:schemeClr val="tx1"/>
+                    </a:solidFill>
+                    <a:latin typeface="Calibri" panose="020F0502020204030204" pitchFamily="34" charset="0"/>
+                    <a:ea typeface="宋体" panose="02010600030101010101" pitchFamily="2" charset="-122"/>
+                  </a:defRPr>
+                </a:lvl2pPr>
+                <a:lvl3pPr marL="1143000" indent="-228600" defTabSz="514350">
+                  <a:defRPr sz="1300">
+                    <a:solidFill>
+                      <a:schemeClr val="tx1"/>
+                    </a:solidFill>
+                    <a:latin typeface="Calibri" panose="020F0502020204030204" pitchFamily="34" charset="0"/>
+                    <a:ea typeface="宋体" panose="02010600030101010101" pitchFamily="2" charset="-122"/>
+                  </a:defRPr>
+                </a:lvl3pPr>
+                <a:lvl4pPr marL="1600200" indent="-228600" defTabSz="514350">
+                  <a:defRPr sz="1300">
+                    <a:solidFill>
+                      <a:schemeClr val="tx1"/>
+                    </a:solidFill>
+                    <a:latin typeface="Calibri" panose="020F0502020204030204" pitchFamily="34" charset="0"/>
+                    <a:ea typeface="宋体" panose="02010600030101010101" pitchFamily="2" charset="-122"/>
+                  </a:defRPr>
+                </a:lvl4pPr>
+                <a:lvl5pPr marL="2057400" indent="-228600" defTabSz="514350">
+                  <a:defRPr sz="1300">
+                    <a:solidFill>
+                      <a:schemeClr val="tx1"/>
+                    </a:solidFill>
+                    <a:latin typeface="Calibri" panose="020F0502020204030204" pitchFamily="34" charset="0"/>
+                    <a:ea typeface="宋体" panose="02010600030101010101" pitchFamily="2" charset="-122"/>
+                  </a:defRPr>
+                </a:lvl5pPr>
+                <a:lvl6pPr marL="2514600" indent="-228600" defTabSz="514350" eaLnBrk="0" fontAlgn="base" hangingPunct="0">
+                  <a:spcBef>
+                    <a:spcPct val="0"/>
+                  </a:spcBef>
+                  <a:spcAft>
+                    <a:spcPct val="0"/>
+                  </a:spcAft>
+                  <a:defRPr sz="1300">
+                    <a:solidFill>
+                      <a:schemeClr val="tx1"/>
+                    </a:solidFill>
+                    <a:latin typeface="Calibri" panose="020F0502020204030204" pitchFamily="34" charset="0"/>
+                    <a:ea typeface="宋体" panose="02010600030101010101" pitchFamily="2" charset="-122"/>
+                  </a:defRPr>
+                </a:lvl6pPr>
+                <a:lvl7pPr marL="2971800" indent="-228600" defTabSz="514350" eaLnBrk="0" fontAlgn="base" hangingPunct="0">
+                  <a:spcBef>
+                    <a:spcPct val="0"/>
+                  </a:spcBef>
+                  <a:spcAft>
+                    <a:spcPct val="0"/>
+                  </a:spcAft>
+                  <a:defRPr sz="1300">
+                    <a:solidFill>
+                      <a:schemeClr val="tx1"/>
+                    </a:solidFill>
+                    <a:latin typeface="Calibri" panose="020F0502020204030204" pitchFamily="34" charset="0"/>
+                    <a:ea typeface="宋体" panose="02010600030101010101" pitchFamily="2" charset="-122"/>
+                  </a:defRPr>
+                </a:lvl7pPr>
+                <a:lvl8pPr marL="3429000" indent="-228600" defTabSz="514350" eaLnBrk="0" fontAlgn="base" hangingPunct="0">
+                  <a:spcBef>
+                    <a:spcPct val="0"/>
+                  </a:spcBef>
+                  <a:spcAft>
+                    <a:spcPct val="0"/>
+                  </a:spcAft>
+                  <a:defRPr sz="1300">
+                    <a:solidFill>
+                      <a:schemeClr val="tx1"/>
+                    </a:solidFill>
+                    <a:latin typeface="Calibri" panose="020F0502020204030204" pitchFamily="34" charset="0"/>
+                    <a:ea typeface="宋体" panose="02010600030101010101" pitchFamily="2" charset="-122"/>
+                  </a:defRPr>
+                </a:lvl8pPr>
+                <a:lvl9pPr marL="3886200" indent="-228600" defTabSz="514350" eaLnBrk="0" fontAlgn="base" hangingPunct="0">
+                  <a:spcBef>
+                    <a:spcPct val="0"/>
+                  </a:spcBef>
+                  <a:spcAft>
+                    <a:spcPct val="0"/>
+                  </a:spcAft>
+                  <a:defRPr sz="1300">
+                    <a:solidFill>
+                      <a:schemeClr val="tx1"/>
+                    </a:solidFill>
+                    <a:latin typeface="Calibri" panose="020F0502020204030204" pitchFamily="34" charset="0"/>
+                    <a:ea typeface="宋体" panose="02010600030101010101" pitchFamily="2" charset="-122"/>
+                  </a:defRPr>
+                </a:lvl9pPr>
+              </a:lstStyle>
+              <a:p>
+                <a:pPr fontAlgn="base">
+                  <a:spcBef>
+                    <a:spcPct val="0"/>
+                  </a:spcBef>
+                  <a:spcAft>
+                    <a:spcPct val="0"/>
+                  </a:spcAft>
+                </a:pPr>
+                <a:r>
+                  <a:rPr lang="zh-CN" altLang="en-US" sz="1200">
+                    <a:solidFill>
+                      <a:srgbClr val="4A5D50"/>
+                    </a:solidFill>
+                    <a:latin typeface="+mj-lt"/>
+                    <a:ea typeface="微软雅黑" panose="020B0503020204020204" pitchFamily="34" charset="-122"/>
+                  </a:rPr>
+                  <a:t>单一职责原则</a:t>
+                </a:r>
+                <a:endParaRPr lang="zh-CN" altLang="en-US" sz="1200">
+                  <a:solidFill>
+                    <a:srgbClr val="4A5D50"/>
+                  </a:solidFill>
+                  <a:latin typeface="+mj-lt"/>
+                  <a:ea typeface="微软雅黑" panose="020B0503020204020204" pitchFamily="34" charset="-122"/>
+                </a:endParaRPr>
+              </a:p>
+            </p:txBody>
+          </p:sp>
+          <p:sp>
+            <p:nvSpPr>
+              <p:cNvPr id="26" name="矩形 25" descr="e7d195523061f1c09e9d68d7cf438b91ef959ecb14fc25d26BBA7F7DBC18E55DFF4014AF651F0BF2569D4B6C1DA7F1A4683A481403BD872FC687266AD13265C1DE7C373772FD8728ABDD69ADD03BFF5BE2862BC891DBB79E43A8244B4D7DEEF5A1BFB79ED4015C912F9C8B85E44C1E1FAF45D4C71B4D8047555824264C2F16A606196D84073B0BC612CE1BA227542E4A"/>
+              <p:cNvSpPr/>
+              <p:nvPr/>
+            </p:nvSpPr>
+            <p:spPr>
+              <a:xfrm>
+                <a:off x="4093" y="3176"/>
+                <a:ext cx="2122" cy="1294"/>
+              </a:xfrm>
+              <a:prstGeom prst="rect">
+                <a:avLst/>
+              </a:prstGeom>
+            </p:spPr>
+            <p:txBody>
+              <a:bodyPr wrap="square">
+                <a:spAutoFit/>
+              </a:bodyPr>
+              <a:lstStyle/>
+              <a:p>
+                <a:pPr defTabSz="914400">
+                  <a:lnSpc>
+                    <a:spcPct val="150000"/>
+                  </a:lnSpc>
+                  <a:defRPr/>
+                </a:pPr>
+                <a:r>
+                  <a:rPr lang="zh-CN" altLang="en-US" sz="1200" kern="0">
+                    <a:solidFill>
+                      <a:srgbClr val="4A5D50"/>
+                    </a:solidFill>
+                    <a:ea typeface="宋体" panose="02010600030101010101" pitchFamily="2" charset="-122"/>
+                    <a:cs typeface="Arial" panose="020B0604020202020204" pitchFamily="34" charset="0"/>
+                  </a:rPr>
+                  <a:t>不要存在多于一个导致类变更的原因。（在方法里各种 </a:t>
+                </a:r>
+                <a:r>
+                  <a:rPr lang="en-US" altLang="zh-CN" sz="1200" kern="0">
+                    <a:solidFill>
+                      <a:srgbClr val="4A5D50"/>
+                    </a:solidFill>
+                    <a:ea typeface="宋体" panose="02010600030101010101" pitchFamily="2" charset="-122"/>
+                    <a:cs typeface="Arial" panose="020B0604020202020204" pitchFamily="34" charset="0"/>
+                  </a:rPr>
+                  <a:t>if else</a:t>
+                </a:r>
+                <a:r>
+                  <a:rPr lang="zh-CN" altLang="en-US" sz="1200" kern="0">
+                    <a:solidFill>
+                      <a:srgbClr val="4A5D50"/>
+                    </a:solidFill>
+                    <a:ea typeface="宋体" panose="02010600030101010101" pitchFamily="2" charset="-122"/>
+                    <a:cs typeface="Arial" panose="020B0604020202020204" pitchFamily="34" charset="0"/>
+                  </a:rPr>
+                  <a:t>）</a:t>
+                </a:r>
+                <a:endParaRPr lang="zh-CN" altLang="en-US" sz="1200" kern="0">
+                  <a:solidFill>
+                    <a:srgbClr val="4A5D50"/>
+                  </a:solidFill>
+                  <a:ea typeface="宋体" panose="02010600030101010101" pitchFamily="2" charset="-122"/>
+                  <a:cs typeface="Arial" panose="020B0604020202020204" pitchFamily="34" charset="0"/>
+                </a:endParaRPr>
+              </a:p>
+            </p:txBody>
+          </p:sp>
+        </p:grpSp>
+        <p:sp>
+          <p:nvSpPr>
+            <p:cNvPr id="28" name="文本框 7" descr="e7d195523061f1c09e9d68d7cf438b91ef959ecb14fc25d26BBA7F7DBC18E55DFF4014AF651F0BF2569D4B6C1DA7F1A4683A481403BD872FC687266AD13265C1DE7C373772FD8728ABDD69ADD03BFF5BE2862BC891DBB79E43A8244B4D7DEEF5A1BFB79ED4015C912F9C8B85E44C1E1FAF45D4C71B4D8047555824264C2F16A606196D84073B0BC612CE1BA227542E4A"/>
+            <p:cNvSpPr txBox="1">
+              <a:spLocks noChangeArrowheads="1"/>
+            </p:cNvSpPr>
+            <p:nvPr/>
+          </p:nvSpPr>
+          <p:spPr bwMode="auto">
+            <a:xfrm>
+              <a:off x="6550" y="2789"/>
+              <a:ext cx="1987" cy="387"/>
+            </a:xfrm>
+            <a:prstGeom prst="rect">
+              <a:avLst/>
+            </a:prstGeom>
+            <a:noFill/>
+            <a:ln>
+              <a:noFill/>
+            </a:ln>
+            <a:extLst>
+              <a:ext uri="{909E8E84-426E-40DD-AFC4-6F175D3DCCD1}">
+                <a14:hiddenFill xmlns:a14="http://schemas.microsoft.com/office/drawing/2010/main">
+                  <a:solidFill>
+                    <a:srgbClr val="FFFFFF"/>
+                  </a:solidFill>
+                </a14:hiddenFill>
+              </a:ext>
+              <a:ext uri="{91240B29-F687-4F45-9708-019B960494DF}">
+                <a14:hiddenLine xmlns:a14="http://schemas.microsoft.com/office/drawing/2010/main" w="9525">
+                  <a:solidFill>
+                    <a:srgbClr val="000000"/>
+                  </a:solidFill>
+                  <a:miter lim="800000"/>
+                  <a:headEnd/>
+                  <a:tailEnd/>
+                </a14:hiddenLine>
+              </a:ext>
+            </a:extLst>
+          </p:spPr>
+          <p:txBody>
+            <a:bodyPr wrap="square">
+              <a:spAutoFit/>
+            </a:bodyPr>
+            <a:lstStyle>
+              <a:lvl1pPr defTabSz="514350">
+                <a:defRPr sz="1300">
+                  <a:solidFill>
+                    <a:schemeClr val="tx1"/>
+                  </a:solidFill>
+                  <a:latin typeface="Calibri" panose="020F0502020204030204" pitchFamily="34" charset="0"/>
+                  <a:ea typeface="宋体" panose="02010600030101010101" pitchFamily="2" charset="-122"/>
+                </a:defRPr>
+              </a:lvl1pPr>
+              <a:lvl2pPr marL="742950" indent="-285750" defTabSz="514350">
+                <a:defRPr sz="1300">
+                  <a:solidFill>
+                    <a:schemeClr val="tx1"/>
+                  </a:solidFill>
+                  <a:latin typeface="Calibri" panose="020F0502020204030204" pitchFamily="34" charset="0"/>
+                  <a:ea typeface="宋体" panose="02010600030101010101" pitchFamily="2" charset="-122"/>
+                </a:defRPr>
+              </a:lvl2pPr>
+              <a:lvl3pPr marL="1143000" indent="-228600" defTabSz="514350">
+                <a:defRPr sz="1300">
+                  <a:solidFill>
+                    <a:schemeClr val="tx1"/>
+                  </a:solidFill>
+                  <a:latin typeface="Calibri" panose="020F0502020204030204" pitchFamily="34" charset="0"/>
+                  <a:ea typeface="宋体" panose="02010600030101010101" pitchFamily="2" charset="-122"/>
+                </a:defRPr>
+              </a:lvl3pPr>
+              <a:lvl4pPr marL="1600200" indent="-228600" defTabSz="514350">
+                <a:defRPr sz="1300">
+                  <a:solidFill>
+                    <a:schemeClr val="tx1"/>
+                  </a:solidFill>
+                  <a:latin typeface="Calibri" panose="020F0502020204030204" pitchFamily="34" charset="0"/>
+                  <a:ea typeface="宋体" panose="02010600030101010101" pitchFamily="2" charset="-122"/>
+                </a:defRPr>
+              </a:lvl4pPr>
+              <a:lvl5pPr marL="2057400" indent="-228600" defTabSz="514350">
+                <a:defRPr sz="1300">
+                  <a:solidFill>
+                    <a:schemeClr val="tx1"/>
+                  </a:solidFill>
+                  <a:latin typeface="Calibri" panose="020F0502020204030204" pitchFamily="34" charset="0"/>
+                  <a:ea typeface="宋体" panose="02010600030101010101" pitchFamily="2" charset="-122"/>
+                </a:defRPr>
+              </a:lvl5pPr>
+              <a:lvl6pPr marL="2514600" indent="-228600" defTabSz="514350" eaLnBrk="0" fontAlgn="base" hangingPunct="0">
+                <a:spcBef>
+                  <a:spcPct val="0"/>
+                </a:spcBef>
+                <a:spcAft>
+                  <a:spcPct val="0"/>
+                </a:spcAft>
+                <a:defRPr sz="1300">
+                  <a:solidFill>
+                    <a:schemeClr val="tx1"/>
+                  </a:solidFill>
+                  <a:latin typeface="Calibri" panose="020F0502020204030204" pitchFamily="34" charset="0"/>
+                  <a:ea typeface="宋体" panose="02010600030101010101" pitchFamily="2" charset="-122"/>
+                </a:defRPr>
+              </a:lvl6pPr>
+              <a:lvl7pPr marL="2971800" indent="-228600" defTabSz="514350" eaLnBrk="0" fontAlgn="base" hangingPunct="0">
+                <a:spcBef>
+                  <a:spcPct val="0"/>
+                </a:spcBef>
+                <a:spcAft>
+                  <a:spcPct val="0"/>
+                </a:spcAft>
+                <a:defRPr sz="1300">
+                  <a:solidFill>
+                    <a:schemeClr val="tx1"/>
+                  </a:solidFill>
+                  <a:latin typeface="Calibri" panose="020F0502020204030204" pitchFamily="34" charset="0"/>
+                  <a:ea typeface="宋体" panose="02010600030101010101" pitchFamily="2" charset="-122"/>
+                </a:defRPr>
+              </a:lvl7pPr>
+              <a:lvl8pPr marL="3429000" indent="-228600" defTabSz="514350" eaLnBrk="0" fontAlgn="base" hangingPunct="0">
+                <a:spcBef>
+                  <a:spcPct val="0"/>
+                </a:spcBef>
+                <a:spcAft>
+                  <a:spcPct val="0"/>
+                </a:spcAft>
+                <a:defRPr sz="1300">
+                  <a:solidFill>
+                    <a:schemeClr val="tx1"/>
+                  </a:solidFill>
+                  <a:latin typeface="Calibri" panose="020F0502020204030204" pitchFamily="34" charset="0"/>
+                  <a:ea typeface="宋体" panose="02010600030101010101" pitchFamily="2" charset="-122"/>
+                </a:defRPr>
+              </a:lvl8pPr>
+              <a:lvl9pPr marL="3886200" indent="-228600" defTabSz="514350" eaLnBrk="0" fontAlgn="base" hangingPunct="0">
+                <a:spcBef>
+                  <a:spcPct val="0"/>
+                </a:spcBef>
+                <a:spcAft>
+                  <a:spcPct val="0"/>
+                </a:spcAft>
+                <a:defRPr sz="1300">
+                  <a:solidFill>
+                    <a:schemeClr val="tx1"/>
+                  </a:solidFill>
+                  <a:latin typeface="Calibri" panose="020F0502020204030204" pitchFamily="34" charset="0"/>
+                  <a:ea typeface="宋体" panose="02010600030101010101" pitchFamily="2" charset="-122"/>
+                </a:defRPr>
+              </a:lvl9pPr>
+            </a:lstStyle>
+            <a:p>
+              <a:pPr fontAlgn="base">
+                <a:spcBef>
+                  <a:spcPct val="0"/>
+                </a:spcBef>
+                <a:spcAft>
+                  <a:spcPct val="0"/>
+                </a:spcAft>
+              </a:pPr>
+              <a:r>
+                <a:rPr lang="zh-CN" altLang="en-US" sz="1200">
+                  <a:solidFill>
+                    <a:srgbClr val="4A5D50"/>
+                  </a:solidFill>
+                  <a:latin typeface="+mj-lt"/>
+                  <a:ea typeface="微软雅黑" panose="020B0503020204020204" pitchFamily="34" charset="-122"/>
+                </a:rPr>
+                <a:t>里氏替换原则</a:t>
+              </a:r>
+              <a:endParaRPr lang="zh-CN" altLang="en-US" sz="1200">
+                <a:solidFill>
+                  <a:srgbClr val="4A5D50"/>
+                </a:solidFill>
+                <a:latin typeface="+mj-lt"/>
+                <a:ea typeface="微软雅黑" panose="020B0503020204020204" pitchFamily="34" charset="-122"/>
+              </a:endParaRPr>
+            </a:p>
+          </p:txBody>
+        </p:sp>
+        <p:sp>
+          <p:nvSpPr>
+            <p:cNvPr id="29" name="矩形 28" descr="e7d195523061f1c09e9d68d7cf438b91ef959ecb14fc25d26BBA7F7DBC18E55DFF4014AF651F0BF2569D4B6C1DA7F1A4683A481403BD872FC687266AD13265C1DE7C373772FD8728ABDD69ADD03BFF5BE2862BC891DBB79E43A8244B4D7DEEF5A1BFB79ED4015C912F9C8B85E44C1E1FAF45D4C71B4D8047555824264C2F16A606196D84073B0BC612CE1BA227542E4A"/>
+            <p:cNvSpPr/>
+            <p:nvPr/>
+          </p:nvSpPr>
+          <p:spPr>
+            <a:xfrm>
+              <a:off x="6550" y="3176"/>
+              <a:ext cx="2804" cy="1294"/>
+            </a:xfrm>
+            <a:prstGeom prst="rect">
+              <a:avLst/>
+            </a:prstGeom>
+          </p:spPr>
+          <p:txBody>
+            <a:bodyPr wrap="square">
+              <a:spAutoFit/>
+            </a:bodyPr>
+            <a:lstStyle/>
+            <a:p>
+              <a:pPr defTabSz="914400">
+                <a:lnSpc>
+                  <a:spcPct val="150000"/>
+                </a:lnSpc>
+                <a:defRPr/>
+              </a:pPr>
+              <a:r>
+                <a:rPr lang="zh-CN" altLang="en-US" sz="1200" kern="0">
+                  <a:solidFill>
+                    <a:srgbClr val="4A5D50"/>
+                  </a:solidFill>
+                  <a:ea typeface="宋体" panose="02010600030101010101" pitchFamily="2" charset="-122"/>
+                  <a:cs typeface="Arial" panose="020B0604020202020204" pitchFamily="34" charset="0"/>
+                </a:rPr>
+                <a:t>子类可以扩展父类的功能，但不能改变父类原有的功能。子类能替换父类，程序能正常运行。</a:t>
+              </a:r>
+              <a:endParaRPr lang="zh-CN" altLang="en-US" sz="1200" kern="0">
+                <a:solidFill>
+                  <a:srgbClr val="4A5D50"/>
+                </a:solidFill>
+                <a:ea typeface="宋体" panose="02010600030101010101" pitchFamily="2" charset="-122"/>
+                <a:cs typeface="Arial" panose="020B0604020202020204" pitchFamily="34" charset="0"/>
+              </a:endParaRPr>
+            </a:p>
+          </p:txBody>
+        </p:sp>
+        <p:sp>
+          <p:nvSpPr>
+            <p:cNvPr id="33" name="文本框 7" descr="e7d195523061f1c09e9d68d7cf438b91ef959ecb14fc25d26BBA7F7DBC18E55DFF4014AF651F0BF2569D4B6C1DA7F1A4683A481403BD872FC687266AD13265C1DE7C373772FD8728ABDD69ADD03BFF5BE2862BC891DBB79E43A8244B4D7DEEF5A1BFB79ED4015C912F9C8B85E44C1E1FAF45D4C71B4D8047555824264C2F16A606196D84073B0BC612CE1BA227542E4A"/>
+            <p:cNvSpPr txBox="1">
+              <a:spLocks noChangeArrowheads="1"/>
+            </p:cNvSpPr>
+            <p:nvPr/>
+          </p:nvSpPr>
+          <p:spPr bwMode="auto">
+            <a:xfrm>
+              <a:off x="4160" y="4859"/>
+              <a:ext cx="1987" cy="387"/>
+            </a:xfrm>
+            <a:prstGeom prst="rect">
+              <a:avLst/>
+            </a:prstGeom>
+            <a:noFill/>
+            <a:ln>
+              <a:noFill/>
+            </a:ln>
+            <a:extLst>
+              <a:ext uri="{909E8E84-426E-40DD-AFC4-6F175D3DCCD1}">
+                <a14:hiddenFill xmlns:a14="http://schemas.microsoft.com/office/drawing/2010/main">
+                  <a:solidFill>
+                    <a:srgbClr val="FFFFFF"/>
+                  </a:solidFill>
+                </a14:hiddenFill>
+              </a:ext>
+              <a:ext uri="{91240B29-F687-4F45-9708-019B960494DF}">
+                <a14:hiddenLine xmlns:a14="http://schemas.microsoft.com/office/drawing/2010/main" w="9525">
+                  <a:solidFill>
+                    <a:srgbClr val="000000"/>
+                  </a:solidFill>
+                  <a:miter lim="800000"/>
+                  <a:headEnd/>
+                  <a:tailEnd/>
+                </a14:hiddenLine>
+              </a:ext>
+            </a:extLst>
+          </p:spPr>
+          <p:txBody>
+            <a:bodyPr wrap="square">
+              <a:spAutoFit/>
+            </a:bodyPr>
+            <a:lstStyle>
+              <a:lvl1pPr defTabSz="514350">
+                <a:defRPr sz="1300">
+                  <a:solidFill>
+                    <a:schemeClr val="tx1"/>
+                  </a:solidFill>
+                  <a:latin typeface="Calibri" panose="020F0502020204030204" pitchFamily="34" charset="0"/>
+                  <a:ea typeface="宋体" panose="02010600030101010101" pitchFamily="2" charset="-122"/>
+                </a:defRPr>
+              </a:lvl1pPr>
+              <a:lvl2pPr marL="742950" indent="-285750" defTabSz="514350">
+                <a:defRPr sz="1300">
+                  <a:solidFill>
+                    <a:schemeClr val="tx1"/>
+                  </a:solidFill>
+                  <a:latin typeface="Calibri" panose="020F0502020204030204" pitchFamily="34" charset="0"/>
+                  <a:ea typeface="宋体" panose="02010600030101010101" pitchFamily="2" charset="-122"/>
+                </a:defRPr>
+              </a:lvl2pPr>
+              <a:lvl3pPr marL="1143000" indent="-228600" defTabSz="514350">
+                <a:defRPr sz="1300">
+                  <a:solidFill>
+                    <a:schemeClr val="tx1"/>
+                  </a:solidFill>
+                  <a:latin typeface="Calibri" panose="020F0502020204030204" pitchFamily="34" charset="0"/>
+                  <a:ea typeface="宋体" panose="02010600030101010101" pitchFamily="2" charset="-122"/>
+                </a:defRPr>
+              </a:lvl3pPr>
+              <a:lvl4pPr marL="1600200" indent="-228600" defTabSz="514350">
+                <a:defRPr sz="1300">
+                  <a:solidFill>
+                    <a:schemeClr val="tx1"/>
+                  </a:solidFill>
+                  <a:latin typeface="Calibri" panose="020F0502020204030204" pitchFamily="34" charset="0"/>
+                  <a:ea typeface="宋体" panose="02010600030101010101" pitchFamily="2" charset="-122"/>
+                </a:defRPr>
+              </a:lvl4pPr>
+              <a:lvl5pPr marL="2057400" indent="-228600" defTabSz="514350">
+                <a:defRPr sz="1300">
+                  <a:solidFill>
+                    <a:schemeClr val="tx1"/>
+                  </a:solidFill>
+                  <a:latin typeface="Calibri" panose="020F0502020204030204" pitchFamily="34" charset="0"/>
+                  <a:ea typeface="宋体" panose="02010600030101010101" pitchFamily="2" charset="-122"/>
+                </a:defRPr>
+              </a:lvl5pPr>
+              <a:lvl6pPr marL="2514600" indent="-228600" defTabSz="514350" eaLnBrk="0" fontAlgn="base" hangingPunct="0">
+                <a:spcBef>
+                  <a:spcPct val="0"/>
+                </a:spcBef>
+                <a:spcAft>
+                  <a:spcPct val="0"/>
+                </a:spcAft>
+                <a:defRPr sz="1300">
+                  <a:solidFill>
+                    <a:schemeClr val="tx1"/>
+                  </a:solidFill>
+                  <a:latin typeface="Calibri" panose="020F0502020204030204" pitchFamily="34" charset="0"/>
+                  <a:ea typeface="宋体" panose="02010600030101010101" pitchFamily="2" charset="-122"/>
+                </a:defRPr>
+              </a:lvl6pPr>
+              <a:lvl7pPr marL="2971800" indent="-228600" defTabSz="514350" eaLnBrk="0" fontAlgn="base" hangingPunct="0">
+                <a:spcBef>
+                  <a:spcPct val="0"/>
+                </a:spcBef>
+                <a:spcAft>
+                  <a:spcPct val="0"/>
+                </a:spcAft>
+                <a:defRPr sz="1300">
+                  <a:solidFill>
+                    <a:schemeClr val="tx1"/>
+                  </a:solidFill>
+                  <a:latin typeface="Calibri" panose="020F0502020204030204" pitchFamily="34" charset="0"/>
+                  <a:ea typeface="宋体" panose="02010600030101010101" pitchFamily="2" charset="-122"/>
+                </a:defRPr>
+              </a:lvl7pPr>
+              <a:lvl8pPr marL="3429000" indent="-228600" defTabSz="514350" eaLnBrk="0" fontAlgn="base" hangingPunct="0">
+                <a:spcBef>
+                  <a:spcPct val="0"/>
+                </a:spcBef>
+                <a:spcAft>
+                  <a:spcPct val="0"/>
+                </a:spcAft>
+                <a:defRPr sz="1300">
+                  <a:solidFill>
+                    <a:schemeClr val="tx1"/>
+                  </a:solidFill>
+                  <a:latin typeface="Calibri" panose="020F0502020204030204" pitchFamily="34" charset="0"/>
+                  <a:ea typeface="宋体" panose="02010600030101010101" pitchFamily="2" charset="-122"/>
+                </a:defRPr>
+              </a:lvl8pPr>
+              <a:lvl9pPr marL="3886200" indent="-228600" defTabSz="514350" eaLnBrk="0" fontAlgn="base" hangingPunct="0">
+                <a:spcBef>
+                  <a:spcPct val="0"/>
+                </a:spcBef>
+                <a:spcAft>
+                  <a:spcPct val="0"/>
+                </a:spcAft>
+                <a:defRPr sz="1300">
+                  <a:solidFill>
+                    <a:schemeClr val="tx1"/>
+                  </a:solidFill>
+                  <a:latin typeface="Calibri" panose="020F0502020204030204" pitchFamily="34" charset="0"/>
+                  <a:ea typeface="宋体" panose="02010600030101010101" pitchFamily="2" charset="-122"/>
+                </a:defRPr>
+              </a:lvl9pPr>
+            </a:lstStyle>
+            <a:p>
+              <a:pPr fontAlgn="base">
+                <a:spcBef>
+                  <a:spcPct val="0"/>
+                </a:spcBef>
+                <a:spcAft>
+                  <a:spcPct val="0"/>
+                </a:spcAft>
+              </a:pPr>
+              <a:r>
+                <a:rPr lang="zh-CN" altLang="en-US" sz="1200">
+                  <a:solidFill>
+                    <a:srgbClr val="4A5D50"/>
+                  </a:solidFill>
+                  <a:latin typeface="+mj-lt"/>
+                  <a:ea typeface="微软雅黑" panose="020B0503020204020204" pitchFamily="34" charset="-122"/>
+                </a:rPr>
+                <a:t>接口隔离原则</a:t>
+              </a:r>
+              <a:endParaRPr lang="zh-CN" altLang="en-US" sz="1200">
+                <a:solidFill>
+                  <a:srgbClr val="4A5D50"/>
+                </a:solidFill>
+                <a:latin typeface="+mj-lt"/>
+                <a:ea typeface="微软雅黑" panose="020B0503020204020204" pitchFamily="34" charset="-122"/>
+              </a:endParaRPr>
+            </a:p>
+          </p:txBody>
+        </p:sp>
+        <p:sp>
+          <p:nvSpPr>
+            <p:cNvPr id="34" name="矩形 33" descr="e7d195523061f1c09e9d68d7cf438b91ef959ecb14fc25d26BBA7F7DBC18E55DFF4014AF651F0BF2569D4B6C1DA7F1A4683A481403BD872FC687266AD13265C1DE7C373772FD8728ABDD69ADD03BFF5BE2862BC891DBB79E43A8244B4D7DEEF5A1BFB79ED4015C912F9C8B85E44C1E1FAF45D4C71B4D8047555824264C2F16A606196D84073B0BC612CE1BA227542E4A"/>
+            <p:cNvSpPr/>
+            <p:nvPr/>
+          </p:nvSpPr>
+          <p:spPr>
+            <a:xfrm>
+              <a:off x="4160" y="5387"/>
+              <a:ext cx="2122" cy="1294"/>
+            </a:xfrm>
+            <a:prstGeom prst="rect">
+              <a:avLst/>
+            </a:prstGeom>
+          </p:spPr>
+          <p:txBody>
+            <a:bodyPr wrap="square">
+              <a:spAutoFit/>
+            </a:bodyPr>
+            <a:lstStyle/>
+            <a:p>
+              <a:pPr defTabSz="914400">
+                <a:lnSpc>
+                  <a:spcPct val="150000"/>
+                </a:lnSpc>
+                <a:defRPr/>
+              </a:pPr>
+              <a:r>
+                <a:rPr lang="zh-CN" altLang="en-US" sz="1200" kern="0">
+                  <a:solidFill>
+                    <a:srgbClr val="4A5D50"/>
+                  </a:solidFill>
+                  <a:ea typeface="宋体" panose="02010600030101010101" pitchFamily="2" charset="-122"/>
+                  <a:cs typeface="Arial" panose="020B0604020202020204" pitchFamily="34" charset="0"/>
+                </a:rPr>
+                <a:t>客户端不应该被强迫地依赖那些根本用不上的方法。（拆方法，多用组合）</a:t>
+              </a:r>
+              <a:endParaRPr lang="zh-CN" altLang="en-US" sz="1200" kern="0">
+                <a:solidFill>
+                  <a:srgbClr val="4A5D50"/>
+                </a:solidFill>
+                <a:ea typeface="宋体" panose="02010600030101010101" pitchFamily="2" charset="-122"/>
+                <a:cs typeface="Arial" panose="020B0604020202020204" pitchFamily="34" charset="0"/>
+              </a:endParaRPr>
+            </a:p>
+          </p:txBody>
+        </p:sp>
+        <p:sp>
+          <p:nvSpPr>
+            <p:cNvPr id="44" name="文本框 7" descr="e7d195523061f1c09e9d68d7cf438b91ef959ecb14fc25d26BBA7F7DBC18E55DFF4014AF651F0BF2569D4B6C1DA7F1A4683A481403BD872FC687266AD13265C1DE7C373772FD8728ABDD69ADD03BFF5BE2862BC891DBB79E43A8244B4D7DEEF5A1BFB79ED4015C912F9C8B85E44C1E1FAF45D4C71B4D8047555824264C2F16A606196D84073B0BC612CE1BA227542E4A"/>
+            <p:cNvSpPr txBox="1">
+              <a:spLocks noChangeArrowheads="1"/>
+            </p:cNvSpPr>
+            <p:nvPr/>
+          </p:nvSpPr>
+          <p:spPr bwMode="auto">
+            <a:xfrm>
+              <a:off x="9563" y="2789"/>
+              <a:ext cx="1987" cy="387"/>
+            </a:xfrm>
+            <a:prstGeom prst="rect">
+              <a:avLst/>
+            </a:prstGeom>
+            <a:noFill/>
+            <a:ln>
+              <a:noFill/>
+            </a:ln>
+            <a:extLst>
+              <a:ext uri="{909E8E84-426E-40DD-AFC4-6F175D3DCCD1}">
+                <a14:hiddenFill xmlns:a14="http://schemas.microsoft.com/office/drawing/2010/main">
+                  <a:solidFill>
+                    <a:srgbClr val="FFFFFF"/>
+                  </a:solidFill>
+                </a14:hiddenFill>
+              </a:ext>
+              <a:ext uri="{91240B29-F687-4F45-9708-019B960494DF}">
+                <a14:hiddenLine xmlns:a14="http://schemas.microsoft.com/office/drawing/2010/main" w="9525">
+                  <a:solidFill>
+                    <a:srgbClr val="000000"/>
+                  </a:solidFill>
+                  <a:miter lim="800000"/>
+                  <a:headEnd/>
+                  <a:tailEnd/>
+                </a14:hiddenLine>
+              </a:ext>
+            </a:extLst>
+          </p:spPr>
+          <p:txBody>
+            <a:bodyPr wrap="square">
+              <a:spAutoFit/>
+            </a:bodyPr>
+            <a:lstStyle>
+              <a:lvl1pPr defTabSz="514350">
+                <a:defRPr sz="1300">
+                  <a:solidFill>
+                    <a:schemeClr val="tx1"/>
+                  </a:solidFill>
+                  <a:latin typeface="Calibri" panose="020F0502020204030204" pitchFamily="34" charset="0"/>
+                  <a:ea typeface="宋体" panose="02010600030101010101" pitchFamily="2" charset="-122"/>
+                </a:defRPr>
+              </a:lvl1pPr>
+              <a:lvl2pPr marL="742950" indent="-285750" defTabSz="514350">
+                <a:defRPr sz="1300">
+                  <a:solidFill>
+                    <a:schemeClr val="tx1"/>
+                  </a:solidFill>
+                  <a:latin typeface="Calibri" panose="020F0502020204030204" pitchFamily="34" charset="0"/>
+                  <a:ea typeface="宋体" panose="02010600030101010101" pitchFamily="2" charset="-122"/>
+                </a:defRPr>
+              </a:lvl2pPr>
+              <a:lvl3pPr marL="1143000" indent="-228600" defTabSz="514350">
+                <a:defRPr sz="1300">
+                  <a:solidFill>
+                    <a:schemeClr val="tx1"/>
+                  </a:solidFill>
+                  <a:latin typeface="Calibri" panose="020F0502020204030204" pitchFamily="34" charset="0"/>
+                  <a:ea typeface="宋体" panose="02010600030101010101" pitchFamily="2" charset="-122"/>
+                </a:defRPr>
+              </a:lvl3pPr>
+              <a:lvl4pPr marL="1600200" indent="-228600" defTabSz="514350">
+                <a:defRPr sz="1300">
+                  <a:solidFill>
+                    <a:schemeClr val="tx1"/>
+                  </a:solidFill>
+                  <a:latin typeface="Calibri" panose="020F0502020204030204" pitchFamily="34" charset="0"/>
+                  <a:ea typeface="宋体" panose="02010600030101010101" pitchFamily="2" charset="-122"/>
+                </a:defRPr>
+              </a:lvl4pPr>
+              <a:lvl5pPr marL="2057400" indent="-228600" defTabSz="514350">
+                <a:defRPr sz="1300">
+                  <a:solidFill>
+                    <a:schemeClr val="tx1"/>
+                  </a:solidFill>
+                  <a:latin typeface="Calibri" panose="020F0502020204030204" pitchFamily="34" charset="0"/>
+                  <a:ea typeface="宋体" panose="02010600030101010101" pitchFamily="2" charset="-122"/>
+                </a:defRPr>
+              </a:lvl5pPr>
+              <a:lvl6pPr marL="2514600" indent="-228600" defTabSz="514350" eaLnBrk="0" fontAlgn="base" hangingPunct="0">
+                <a:spcBef>
+                  <a:spcPct val="0"/>
+                </a:spcBef>
+                <a:spcAft>
+                  <a:spcPct val="0"/>
+                </a:spcAft>
+                <a:defRPr sz="1300">
+                  <a:solidFill>
+                    <a:schemeClr val="tx1"/>
+                  </a:solidFill>
+                  <a:latin typeface="Calibri" panose="020F0502020204030204" pitchFamily="34" charset="0"/>
+                  <a:ea typeface="宋体" panose="02010600030101010101" pitchFamily="2" charset="-122"/>
+                </a:defRPr>
+              </a:lvl6pPr>
+              <a:lvl7pPr marL="2971800" indent="-228600" defTabSz="514350" eaLnBrk="0" fontAlgn="base" hangingPunct="0">
+                <a:spcBef>
+                  <a:spcPct val="0"/>
+                </a:spcBef>
+                <a:spcAft>
+                  <a:spcPct val="0"/>
+                </a:spcAft>
+                <a:defRPr sz="1300">
+                  <a:solidFill>
+                    <a:schemeClr val="tx1"/>
+                  </a:solidFill>
+                  <a:latin typeface="Calibri" panose="020F0502020204030204" pitchFamily="34" charset="0"/>
+                  <a:ea typeface="宋体" panose="02010600030101010101" pitchFamily="2" charset="-122"/>
+                </a:defRPr>
+              </a:lvl7pPr>
+              <a:lvl8pPr marL="3429000" indent="-228600" defTabSz="514350" eaLnBrk="0" fontAlgn="base" hangingPunct="0">
+                <a:spcBef>
+                  <a:spcPct val="0"/>
+                </a:spcBef>
+                <a:spcAft>
+                  <a:spcPct val="0"/>
+                </a:spcAft>
+                <a:defRPr sz="1300">
+                  <a:solidFill>
+                    <a:schemeClr val="tx1"/>
+                  </a:solidFill>
+                  <a:latin typeface="Calibri" panose="020F0502020204030204" pitchFamily="34" charset="0"/>
+                  <a:ea typeface="宋体" panose="02010600030101010101" pitchFamily="2" charset="-122"/>
+                </a:defRPr>
+              </a:lvl8pPr>
+              <a:lvl9pPr marL="3886200" indent="-228600" defTabSz="514350" eaLnBrk="0" fontAlgn="base" hangingPunct="0">
+                <a:spcBef>
+                  <a:spcPct val="0"/>
+                </a:spcBef>
+                <a:spcAft>
+                  <a:spcPct val="0"/>
+                </a:spcAft>
+                <a:defRPr sz="1300">
+                  <a:solidFill>
+                    <a:schemeClr val="tx1"/>
+                  </a:solidFill>
+                  <a:latin typeface="Calibri" panose="020F0502020204030204" pitchFamily="34" charset="0"/>
+                  <a:ea typeface="宋体" panose="02010600030101010101" pitchFamily="2" charset="-122"/>
+                </a:defRPr>
+              </a:lvl9pPr>
+            </a:lstStyle>
+            <a:p>
+              <a:pPr fontAlgn="base">
+                <a:spcBef>
+                  <a:spcPct val="0"/>
+                </a:spcBef>
+                <a:spcAft>
+                  <a:spcPct val="0"/>
+                </a:spcAft>
+              </a:pPr>
+              <a:r>
+                <a:rPr lang="zh-CN" altLang="en-US" sz="1200">
+                  <a:solidFill>
+                    <a:srgbClr val="4A5D50"/>
+                  </a:solidFill>
+                  <a:latin typeface="+mj-lt"/>
+                  <a:ea typeface="微软雅黑" panose="020B0503020204020204" pitchFamily="34" charset="-122"/>
+                </a:rPr>
+                <a:t>依赖倒置原则</a:t>
+              </a:r>
+              <a:endParaRPr lang="zh-CN" altLang="en-US" sz="1200">
+                <a:solidFill>
+                  <a:srgbClr val="4A5D50"/>
+                </a:solidFill>
+                <a:latin typeface="+mj-lt"/>
+                <a:ea typeface="微软雅黑" panose="020B0503020204020204" pitchFamily="34" charset="-122"/>
+              </a:endParaRPr>
+            </a:p>
+          </p:txBody>
+        </p:sp>
+        <p:sp>
+          <p:nvSpPr>
+            <p:cNvPr id="45" name="矩形 44" descr="e7d195523061f1c09e9d68d7cf438b91ef959ecb14fc25d26BBA7F7DBC18E55DFF4014AF651F0BF2569D4B6C1DA7F1A4683A481403BD872FC687266AD13265C1DE7C373772FD8728ABDD69ADD03BFF5BE2862BC891DBB79E43A8244B4D7DEEF5A1BFB79ED4015C912F9C8B85E44C1E1FAF45D4C71B4D8047555824264C2F16A606196D84073B0BC612CE1BA227542E4A"/>
+            <p:cNvSpPr/>
+            <p:nvPr/>
+          </p:nvSpPr>
+          <p:spPr>
+            <a:xfrm>
+              <a:off x="9563" y="3124"/>
+              <a:ext cx="3008" cy="1294"/>
+            </a:xfrm>
+            <a:prstGeom prst="rect">
+              <a:avLst/>
+            </a:prstGeom>
+          </p:spPr>
+          <p:txBody>
+            <a:bodyPr wrap="square">
+              <a:spAutoFit/>
+            </a:bodyPr>
+            <a:lstStyle/>
+            <a:p>
+              <a:pPr defTabSz="914400">
+                <a:lnSpc>
+                  <a:spcPct val="150000"/>
+                </a:lnSpc>
+                <a:defRPr/>
+              </a:pPr>
+              <a:r>
+                <a:rPr lang="en-US" altLang="zh-CN" sz="1200" kern="0">
+                  <a:solidFill>
+                    <a:srgbClr val="4A5D50"/>
+                  </a:solidFill>
+                  <a:ea typeface="宋体" panose="02010600030101010101" pitchFamily="2" charset="-122"/>
+                  <a:cs typeface="Arial" panose="020B0604020202020204" pitchFamily="34" charset="0"/>
+                </a:rPr>
+                <a:t>高层模块不应该依赖低层模块，二者都应该依赖其抽象；抽象不应该依赖细节；细节应该依赖抽象</a:t>
+              </a:r>
+              <a:r>
+                <a:rPr lang="zh-CN" altLang="en-US" sz="1200" kern="0">
+                  <a:solidFill>
+                    <a:srgbClr val="4A5D50"/>
+                  </a:solidFill>
+                  <a:ea typeface="宋体" panose="02010600030101010101" pitchFamily="2" charset="-122"/>
+                  <a:cs typeface="Arial" panose="020B0604020202020204" pitchFamily="34" charset="0"/>
+                </a:rPr>
+                <a:t>（太抽象了）</a:t>
+              </a:r>
+              <a:endParaRPr lang="zh-CN" altLang="en-US" sz="1200" kern="0">
+                <a:solidFill>
+                  <a:srgbClr val="4A5D50"/>
+                </a:solidFill>
+                <a:ea typeface="宋体" panose="02010600030101010101" pitchFamily="2" charset="-122"/>
+                <a:cs typeface="Arial" panose="020B0604020202020204" pitchFamily="34" charset="0"/>
+              </a:endParaRPr>
+            </a:p>
+          </p:txBody>
+        </p:sp>
+      </p:grpSp>
+      <p:sp>
+        <p:nvSpPr>
+          <p:cNvPr id="4" name="文本框 7" descr="e7d195523061f1c09e9d68d7cf438b91ef959ecb14fc25d26BBA7F7DBC18E55DFF4014AF651F0BF2569D4B6C1DA7F1A4683A481403BD872FC687266AD13265C1DE7C373772FD8728ABDD69ADD03BFF5BE2862BC891DBB79E43A8244B4D7DEEF5A1BFB79ED4015C912F9C8B85E44C1E1FAF45D4C71B4D8047555824264C2F16A606196D84073B0BC612CE1BA227542E4A"/>
+          <p:cNvSpPr txBox="1">
+            <a:spLocks noChangeArrowheads="1"/>
+          </p:cNvSpPr>
+          <p:nvPr/>
+        </p:nvSpPr>
+        <p:spPr bwMode="auto">
+          <a:xfrm>
+            <a:off x="2804795" y="2634668"/>
+            <a:ext cx="1816014" cy="275590"/>
+          </a:xfrm>
+          <a:prstGeom prst="rect">
+            <a:avLst/>
+          </a:prstGeom>
+          <a:noFill/>
+          <a:ln>
+            <a:noFill/>
+          </a:ln>
+          <a:extLst>
+            <a:ext uri="{909E8E84-426E-40DD-AFC4-6F175D3DCCD1}">
+              <a14:hiddenFill xmlns:a14="http://schemas.microsoft.com/office/drawing/2010/main">
+                <a:solidFill>
+                  <a:srgbClr val="FFFFFF"/>
+                </a:solidFill>
+              </a14:hiddenFill>
+            </a:ext>
+            <a:ext uri="{91240B29-F687-4F45-9708-019B960494DF}">
+              <a14:hiddenLine xmlns:a14="http://schemas.microsoft.com/office/drawing/2010/main" w="9525">
+                <a:solidFill>
+                  <a:srgbClr val="000000"/>
+                </a:solidFill>
+                <a:miter lim="800000"/>
+                <a:headEnd/>
+                <a:tailEnd/>
+              </a14:hiddenLine>
+            </a:ext>
+          </a:extLst>
+        </p:spPr>
+        <p:txBody>
+          <a:bodyPr wrap="square">
+            <a:spAutoFit/>
+          </a:bodyPr>
+          <a:lstStyle>
+            <a:lvl1pPr defTabSz="514350">
+              <a:defRPr sz="1300">
+                <a:solidFill>
+                  <a:schemeClr val="tx1"/>
+                </a:solidFill>
+                <a:latin typeface="Calibri" panose="020F0502020204030204" pitchFamily="34" charset="0"/>
+                <a:ea typeface="宋体" panose="02010600030101010101" pitchFamily="2" charset="-122"/>
+              </a:defRPr>
+            </a:lvl1pPr>
+            <a:lvl2pPr marL="742950" indent="-285750" defTabSz="514350">
+              <a:defRPr sz="1300">
+                <a:solidFill>
+                  <a:schemeClr val="tx1"/>
+                </a:solidFill>
+                <a:latin typeface="Calibri" panose="020F0502020204030204" pitchFamily="34" charset="0"/>
+                <a:ea typeface="宋体" panose="02010600030101010101" pitchFamily="2" charset="-122"/>
+              </a:defRPr>
+            </a:lvl2pPr>
+            <a:lvl3pPr marL="1143000" indent="-228600" defTabSz="514350">
+              <a:defRPr sz="1300">
+                <a:solidFill>
+                  <a:schemeClr val="tx1"/>
+                </a:solidFill>
+                <a:latin typeface="Calibri" panose="020F0502020204030204" pitchFamily="34" charset="0"/>
+                <a:ea typeface="宋体" panose="02010600030101010101" pitchFamily="2" charset="-122"/>
+              </a:defRPr>
+            </a:lvl3pPr>
+            <a:lvl4pPr marL="1600200" indent="-228600" defTabSz="514350">
+              <a:defRPr sz="1300">
+                <a:solidFill>
+                  <a:schemeClr val="tx1"/>
+                </a:solidFill>
+                <a:latin typeface="Calibri" panose="020F0502020204030204" pitchFamily="34" charset="0"/>
+                <a:ea typeface="宋体" panose="02010600030101010101" pitchFamily="2" charset="-122"/>
+              </a:defRPr>
+            </a:lvl4pPr>
+            <a:lvl5pPr marL="2057400" indent="-228600" defTabSz="514350">
+              <a:defRPr sz="1300">
+                <a:solidFill>
+                  <a:schemeClr val="tx1"/>
+                </a:solidFill>
+                <a:latin typeface="Calibri" panose="020F0502020204030204" pitchFamily="34" charset="0"/>
+                <a:ea typeface="宋体" panose="02010600030101010101" pitchFamily="2" charset="-122"/>
+              </a:defRPr>
+            </a:lvl5pPr>
+            <a:lvl6pPr marL="2514600" indent="-228600" defTabSz="514350" eaLnBrk="0" fontAlgn="base" hangingPunct="0">
+              <a:spcBef>
+                <a:spcPct val="0"/>
+              </a:spcBef>
+              <a:spcAft>
+                <a:spcPct val="0"/>
+              </a:spcAft>
+              <a:defRPr sz="1300">
+                <a:solidFill>
+                  <a:schemeClr val="tx1"/>
+                </a:solidFill>
+                <a:latin typeface="Calibri" panose="020F0502020204030204" pitchFamily="34" charset="0"/>
+                <a:ea typeface="宋体" panose="02010600030101010101" pitchFamily="2" charset="-122"/>
+              </a:defRPr>
+            </a:lvl6pPr>
+            <a:lvl7pPr marL="2971800" indent="-228600" defTabSz="514350" eaLnBrk="0" fontAlgn="base" hangingPunct="0">
+              <a:spcBef>
+                <a:spcPct val="0"/>
+              </a:spcBef>
+              <a:spcAft>
+                <a:spcPct val="0"/>
+              </a:spcAft>
+              <a:defRPr sz="1300">
+                <a:solidFill>
+                  <a:schemeClr val="tx1"/>
+                </a:solidFill>
+                <a:latin typeface="Calibri" panose="020F0502020204030204" pitchFamily="34" charset="0"/>
+                <a:ea typeface="宋体" panose="02010600030101010101" pitchFamily="2" charset="-122"/>
+              </a:defRPr>
+            </a:lvl7pPr>
+            <a:lvl8pPr marL="3429000" indent="-228600" defTabSz="514350" eaLnBrk="0" fontAlgn="base" hangingPunct="0">
+              <a:spcBef>
+                <a:spcPct val="0"/>
+              </a:spcBef>
+              <a:spcAft>
+                <a:spcPct val="0"/>
+              </a:spcAft>
+              <a:defRPr sz="1300">
+                <a:solidFill>
+                  <a:schemeClr val="tx1"/>
+                </a:solidFill>
+                <a:latin typeface="Calibri" panose="020F0502020204030204" pitchFamily="34" charset="0"/>
+                <a:ea typeface="宋体" panose="02010600030101010101" pitchFamily="2" charset="-122"/>
+              </a:defRPr>
+            </a:lvl8pPr>
+            <a:lvl9pPr marL="3886200" indent="-228600" defTabSz="514350" eaLnBrk="0" fontAlgn="base" hangingPunct="0">
+              <a:spcBef>
+                <a:spcPct val="0"/>
+              </a:spcBef>
+              <a:spcAft>
+                <a:spcPct val="0"/>
+              </a:spcAft>
+              <a:defRPr sz="1300">
+                <a:solidFill>
+                  <a:schemeClr val="tx1"/>
+                </a:solidFill>
+                <a:latin typeface="Calibri" panose="020F0502020204030204" pitchFamily="34" charset="0"/>
+                <a:ea typeface="宋体" panose="02010600030101010101" pitchFamily="2" charset="-122"/>
+              </a:defRPr>
+            </a:lvl9pPr>
+          </a:lstStyle>
+          <a:p>
+            <a:pPr fontAlgn="base">
+              <a:spcBef>
+                <a:spcPct val="0"/>
+              </a:spcBef>
+              <a:spcAft>
+                <a:spcPct val="0"/>
+              </a:spcAft>
+            </a:pPr>
+            <a:r>
+              <a:rPr lang="zh-CN" altLang="en-US" sz="1200">
+                <a:solidFill>
+                  <a:srgbClr val="4A5D50"/>
+                </a:solidFill>
+                <a:latin typeface="+mj-lt"/>
+                <a:ea typeface="微软雅黑" panose="020B0503020204020204" pitchFamily="34" charset="-122"/>
+              </a:rPr>
+              <a:t>迪米特原则</a:t>
+            </a:r>
+            <a:endParaRPr lang="zh-CN" altLang="en-US" sz="1200">
+              <a:solidFill>
+                <a:srgbClr val="4A5D50"/>
+              </a:solidFill>
+              <a:latin typeface="+mj-lt"/>
+              <a:ea typeface="微软雅黑" panose="020B0503020204020204" pitchFamily="34" charset="-122"/>
+            </a:endParaRPr>
+          </a:p>
+        </p:txBody>
+      </p:sp>
+      <p:sp>
+        <p:nvSpPr>
+          <p:cNvPr id="5" name="矩形 4" descr="e7d195523061f1c09e9d68d7cf438b91ef959ecb14fc25d26BBA7F7DBC18E55DFF4014AF651F0BF2569D4B6C1DA7F1A4683A481403BD872FC687266AD13265C1DE7C373772FD8728ABDD69ADD03BFF5BE2862BC891DBB79E43A8244B4D7DEEF5A1BFB79ED4015C912F9C8B85E44C1E1FAF45D4C71B4D8047555824264C2F16A606196D84073B0BC612CE1BA227542E4A"/>
+          <p:cNvSpPr/>
+          <p:nvPr/>
+        </p:nvSpPr>
+        <p:spPr>
+          <a:xfrm>
+            <a:off x="2743200" y="3011057"/>
+            <a:ext cx="1939397" cy="922020"/>
+          </a:xfrm>
+          <a:prstGeom prst="rect">
+            <a:avLst/>
+          </a:prstGeom>
+        </p:spPr>
+        <p:txBody>
+          <a:bodyPr wrap="square">
+            <a:spAutoFit/>
+          </a:bodyPr>
+          <a:lstStyle/>
+          <a:p>
+            <a:pPr defTabSz="914400">
+              <a:lnSpc>
+                <a:spcPct val="150000"/>
+              </a:lnSpc>
+              <a:defRPr/>
+            </a:pPr>
+            <a:r>
+              <a:rPr lang="zh-CN" altLang="en-US" sz="1200" kern="0">
+                <a:solidFill>
+                  <a:srgbClr val="4A5D50"/>
+                </a:solidFill>
+                <a:ea typeface="宋体" panose="02010600030101010101" pitchFamily="2" charset="-122"/>
+                <a:cs typeface="Arial" panose="020B0604020202020204" pitchFamily="34" charset="0"/>
+              </a:rPr>
+              <a:t>一个对象应该对其他对象保持最少的了解。（在一个类中应该少出现其他类）</a:t>
+            </a:r>
+            <a:endParaRPr lang="zh-CN" altLang="en-US" sz="1200" kern="0">
+              <a:solidFill>
+                <a:srgbClr val="4A5D50"/>
+              </a:solidFill>
+              <a:ea typeface="宋体" panose="02010600030101010101" pitchFamily="2" charset="-122"/>
+              <a:cs typeface="Arial" panose="020B0604020202020204" pitchFamily="34" charset="0"/>
+            </a:endParaRPr>
+          </a:p>
+        </p:txBody>
+      </p:sp>
+      <p:sp>
+        <p:nvSpPr>
+          <p:cNvPr id="6" name="文本框 7" descr="e7d195523061f1c09e9d68d7cf438b91ef959ecb14fc25d26BBA7F7DBC18E55DFF4014AF651F0BF2569D4B6C1DA7F1A4683A481403BD872FC687266AD13265C1DE7C373772FD8728ABDD69ADD03BFF5BE2862BC891DBB79E43A8244B4D7DEEF5A1BFB79ED4015C912F9C8B85E44C1E1FAF45D4C71B4D8047555824264C2F16A606196D84073B0BC612CE1BA227542E4A"/>
+          <p:cNvSpPr txBox="1">
+            <a:spLocks noChangeArrowheads="1"/>
+          </p:cNvSpPr>
+          <p:nvPr/>
+        </p:nvSpPr>
+        <p:spPr bwMode="auto">
+          <a:xfrm>
+            <a:off x="5453380" y="2634668"/>
+            <a:ext cx="1816014" cy="275590"/>
+          </a:xfrm>
+          <a:prstGeom prst="rect">
+            <a:avLst/>
+          </a:prstGeom>
+          <a:noFill/>
+          <a:ln>
+            <a:noFill/>
+          </a:ln>
+          <a:extLst>
+            <a:ext uri="{909E8E84-426E-40DD-AFC4-6F175D3DCCD1}">
+              <a14:hiddenFill xmlns:a14="http://schemas.microsoft.com/office/drawing/2010/main">
+                <a:solidFill>
+                  <a:srgbClr val="FFFFFF"/>
+                </a:solidFill>
+              </a14:hiddenFill>
+            </a:ext>
+            <a:ext uri="{91240B29-F687-4F45-9708-019B960494DF}">
+              <a14:hiddenLine xmlns:a14="http://schemas.microsoft.com/office/drawing/2010/main" w="9525">
+                <a:solidFill>
+                  <a:srgbClr val="000000"/>
+                </a:solidFill>
+                <a:miter lim="800000"/>
+                <a:headEnd/>
+                <a:tailEnd/>
+              </a14:hiddenLine>
+            </a:ext>
+          </a:extLst>
+        </p:spPr>
+        <p:txBody>
+          <a:bodyPr wrap="square">
+            <a:spAutoFit/>
+          </a:bodyPr>
+          <a:lstStyle>
+            <a:lvl1pPr defTabSz="514350">
+              <a:defRPr sz="1300">
+                <a:solidFill>
+                  <a:schemeClr val="tx1"/>
+                </a:solidFill>
+                <a:latin typeface="Calibri" panose="020F0502020204030204" pitchFamily="34" charset="0"/>
+                <a:ea typeface="宋体" panose="02010600030101010101" pitchFamily="2" charset="-122"/>
+              </a:defRPr>
+            </a:lvl1pPr>
+            <a:lvl2pPr marL="742950" indent="-285750" defTabSz="514350">
+              <a:defRPr sz="1300">
+                <a:solidFill>
+                  <a:schemeClr val="tx1"/>
+                </a:solidFill>
+                <a:latin typeface="Calibri" panose="020F0502020204030204" pitchFamily="34" charset="0"/>
+                <a:ea typeface="宋体" panose="02010600030101010101" pitchFamily="2" charset="-122"/>
+              </a:defRPr>
+            </a:lvl2pPr>
+            <a:lvl3pPr marL="1143000" indent="-228600" defTabSz="514350">
+              <a:defRPr sz="1300">
+                <a:solidFill>
+                  <a:schemeClr val="tx1"/>
+                </a:solidFill>
+                <a:latin typeface="Calibri" panose="020F0502020204030204" pitchFamily="34" charset="0"/>
+                <a:ea typeface="宋体" panose="02010600030101010101" pitchFamily="2" charset="-122"/>
+              </a:defRPr>
+            </a:lvl3pPr>
+            <a:lvl4pPr marL="1600200" indent="-228600" defTabSz="514350">
+              <a:defRPr sz="1300">
+                <a:solidFill>
+                  <a:schemeClr val="tx1"/>
+                </a:solidFill>
+                <a:latin typeface="Calibri" panose="020F0502020204030204" pitchFamily="34" charset="0"/>
+                <a:ea typeface="宋体" panose="02010600030101010101" pitchFamily="2" charset="-122"/>
+              </a:defRPr>
+            </a:lvl4pPr>
+            <a:lvl5pPr marL="2057400" indent="-228600" defTabSz="514350">
+              <a:defRPr sz="1300">
+                <a:solidFill>
+                  <a:schemeClr val="tx1"/>
+                </a:solidFill>
+                <a:latin typeface="Calibri" panose="020F0502020204030204" pitchFamily="34" charset="0"/>
+                <a:ea typeface="宋体" panose="02010600030101010101" pitchFamily="2" charset="-122"/>
+              </a:defRPr>
+            </a:lvl5pPr>
+            <a:lvl6pPr marL="2514600" indent="-228600" defTabSz="514350" eaLnBrk="0" fontAlgn="base" hangingPunct="0">
+              <a:spcBef>
+                <a:spcPct val="0"/>
+              </a:spcBef>
+              <a:spcAft>
+                <a:spcPct val="0"/>
+              </a:spcAft>
+              <a:defRPr sz="1300">
+                <a:solidFill>
+                  <a:schemeClr val="tx1"/>
+                </a:solidFill>
+                <a:latin typeface="Calibri" panose="020F0502020204030204" pitchFamily="34" charset="0"/>
+                <a:ea typeface="宋体" panose="02010600030101010101" pitchFamily="2" charset="-122"/>
+              </a:defRPr>
+            </a:lvl6pPr>
+            <a:lvl7pPr marL="2971800" indent="-228600" defTabSz="514350" eaLnBrk="0" fontAlgn="base" hangingPunct="0">
+              <a:spcBef>
+                <a:spcPct val="0"/>
+              </a:spcBef>
+              <a:spcAft>
+                <a:spcPct val="0"/>
+              </a:spcAft>
+              <a:defRPr sz="1300">
+                <a:solidFill>
+                  <a:schemeClr val="tx1"/>
+                </a:solidFill>
+                <a:latin typeface="Calibri" panose="020F0502020204030204" pitchFamily="34" charset="0"/>
+                <a:ea typeface="宋体" panose="02010600030101010101" pitchFamily="2" charset="-122"/>
+              </a:defRPr>
+            </a:lvl7pPr>
+            <a:lvl8pPr marL="3429000" indent="-228600" defTabSz="514350" eaLnBrk="0" fontAlgn="base" hangingPunct="0">
+              <a:spcBef>
+                <a:spcPct val="0"/>
+              </a:spcBef>
+              <a:spcAft>
+                <a:spcPct val="0"/>
+              </a:spcAft>
+              <a:defRPr sz="1300">
+                <a:solidFill>
+                  <a:schemeClr val="tx1"/>
+                </a:solidFill>
+                <a:latin typeface="Calibri" panose="020F0502020204030204" pitchFamily="34" charset="0"/>
+                <a:ea typeface="宋体" panose="02010600030101010101" pitchFamily="2" charset="-122"/>
+              </a:defRPr>
+            </a:lvl8pPr>
+            <a:lvl9pPr marL="3886200" indent="-228600" defTabSz="514350" eaLnBrk="0" fontAlgn="base" hangingPunct="0">
+              <a:spcBef>
+                <a:spcPct val="0"/>
+              </a:spcBef>
+              <a:spcAft>
+                <a:spcPct val="0"/>
+              </a:spcAft>
+              <a:defRPr sz="1300">
+                <a:solidFill>
+                  <a:schemeClr val="tx1"/>
+                </a:solidFill>
+                <a:latin typeface="Calibri" panose="020F0502020204030204" pitchFamily="34" charset="0"/>
+                <a:ea typeface="宋体" panose="02010600030101010101" pitchFamily="2" charset="-122"/>
+              </a:defRPr>
+            </a:lvl9pPr>
+          </a:lstStyle>
+          <a:p>
+            <a:pPr fontAlgn="base">
+              <a:spcBef>
+                <a:spcPct val="0"/>
+              </a:spcBef>
+              <a:spcAft>
+                <a:spcPct val="0"/>
+              </a:spcAft>
+            </a:pPr>
+            <a:r>
+              <a:rPr lang="zh-CN" altLang="en-US" sz="1200">
+                <a:solidFill>
+                  <a:srgbClr val="4A5D50"/>
+                </a:solidFill>
+                <a:latin typeface="+mj-lt"/>
+                <a:ea typeface="微软雅黑" panose="020B0503020204020204" pitchFamily="34" charset="-122"/>
+              </a:rPr>
+              <a:t>开闭原则</a:t>
+            </a:r>
+            <a:endParaRPr lang="zh-CN" altLang="en-US" sz="1200">
+              <a:solidFill>
+                <a:srgbClr val="4A5D50"/>
+              </a:solidFill>
+              <a:latin typeface="+mj-lt"/>
+              <a:ea typeface="微软雅黑" panose="020B0503020204020204" pitchFamily="34" charset="-122"/>
+            </a:endParaRPr>
+          </a:p>
+        </p:txBody>
+      </p:sp>
+      <p:sp>
+        <p:nvSpPr>
+          <p:cNvPr id="9" name="矩形 8" descr="e7d195523061f1c09e9d68d7cf438b91ef959ecb14fc25d26BBA7F7DBC18E55DFF4014AF651F0BF2569D4B6C1DA7F1A4683A481403BD872FC687266AD13265C1DE7C373772FD8728ABDD69ADD03BFF5BE2862BC891DBB79E43A8244B4D7DEEF5A1BFB79ED4015C912F9C8B85E44C1E1FAF45D4C71B4D8047555824264C2F16A606196D84073B0BC612CE1BA227542E4A"/>
+          <p:cNvSpPr/>
+          <p:nvPr/>
+        </p:nvSpPr>
+        <p:spPr>
+          <a:xfrm>
+            <a:off x="5453380" y="2961640"/>
+            <a:ext cx="2541270" cy="1476375"/>
+          </a:xfrm>
+          <a:prstGeom prst="rect">
+            <a:avLst/>
+          </a:prstGeom>
+        </p:spPr>
+        <p:txBody>
+          <a:bodyPr wrap="square">
+            <a:spAutoFit/>
+          </a:bodyPr>
+          <a:lstStyle/>
+          <a:p>
+            <a:pPr defTabSz="914400">
+              <a:lnSpc>
+                <a:spcPct val="150000"/>
+              </a:lnSpc>
+              <a:defRPr/>
+            </a:pPr>
+            <a:r>
+              <a:rPr lang="zh-CN" altLang="en-US" sz="1200" kern="0">
+                <a:solidFill>
+                  <a:srgbClr val="4A5D50"/>
+                </a:solidFill>
+                <a:ea typeface="宋体" panose="02010600030101010101" pitchFamily="2" charset="-122"/>
+                <a:cs typeface="Arial" panose="020B0604020202020204" pitchFamily="34" charset="0"/>
+              </a:rPr>
+              <a:t>一个软件实体如类、模块和函数应该对扩展开放，对修改关闭（不要改你以前写的代码，你应该加一些代码去扩展原来的功能，来实现新的需求）</a:t>
+            </a:r>
+            <a:endParaRPr lang="zh-CN" altLang="en-US" sz="1200" kern="0">
+              <a:solidFill>
+                <a:srgbClr val="4A5D50"/>
+              </a:solidFill>
+              <a:ea typeface="宋体" panose="02010600030101010101" pitchFamily="2" charset="-122"/>
+              <a:cs typeface="Arial" panose="020B0604020202020204" pitchFamily="34" charset="0"/>
+            </a:endParaRPr>
+          </a:p>
+        </p:txBody>
+      </p:sp>
+    </p:spTree>
+  </p:cSld>
+  <p:clrMapOvr>
+    <a:masterClrMapping/>
+  </p:clrMapOvr>
+  <mc:AlternateContent xmlns:mc="http://schemas.openxmlformats.org/markup-compatibility/2006">
+    <mc:Choice xmlns:p14="http://schemas.microsoft.com/office/powerpoint/2010/main" Requires="p14">
+      <p:transition spd="slow" p14:dur="2000"/>
+    </mc:Choice>
+    <mc:Fallback>
+      <p:transition spd="slow"/>
+    </mc:Fallback>
+  </mc:AlternateContent>
+</p:sld>
+</file>
+
+<file path=ppt/slides/slide5.xml><?xml version="1.0" encoding="utf-8"?>
+<p:sld xmlns:a="http://schemas.openxmlformats.org/drawingml/2006/main" xmlns:r="http://schemas.openxmlformats.org/officeDocument/2006/relationships" xmlns:p="http://schemas.openxmlformats.org/presentationml/2006/main">
+  <p:cSld>
+    <p:spTree>
+      <p:nvGrpSpPr>
+        <p:cNvPr id="1" name=""/>
+        <p:cNvGrpSpPr/>
+        <p:nvPr/>
+      </p:nvGrpSpPr>
+      <p:grpSpPr>
+        <a:xfrm>
+          <a:off x="0" y="0"/>
+          <a:ext cx="0" cy="0"/>
+          <a:chOff x="0" y="0"/>
+          <a:chExt cx="0" cy="0"/>
+        </a:xfrm>
+      </p:grpSpPr>
+      <p:sp>
+        <p:nvSpPr>
           <p:cNvPr id="12" name="矩形 11"/>
           <p:cNvSpPr/>
           <p:nvPr/>
@@ -21809,7 +23839,7 @@
 </p:sld>
 </file>
 
-<file path=ppt/slides/slide5.xml><?xml version="1.0" encoding="utf-8"?>
+<file path=ppt/slides/slide6.xml><?xml version="1.0" encoding="utf-8"?>
 <p:sld xmlns:a="http://schemas.openxmlformats.org/drawingml/2006/main" xmlns:r="http://schemas.openxmlformats.org/officeDocument/2006/relationships" xmlns:p="http://schemas.openxmlformats.org/presentationml/2006/main">
   <p:cSld>
     <p:spTree>
@@ -22549,7 +24579,7 @@
 </p:sld>
 </file>
 
-<file path=ppt/slides/slide6.xml><?xml version="1.0" encoding="utf-8"?>
+<file path=ppt/slides/slide7.xml><?xml version="1.0" encoding="utf-8"?>
 <p:sld xmlns:a="http://schemas.openxmlformats.org/drawingml/2006/main" xmlns:r="http://schemas.openxmlformats.org/officeDocument/2006/relationships" xmlns:p="http://schemas.openxmlformats.org/presentationml/2006/main">
   <p:cSld>
     <p:spTree>
@@ -23560,7 +25590,7 @@
 </p:sld>
 </file>
 
-<file path=ppt/slides/slide7.xml><?xml version="1.0" encoding="utf-8"?>
+<file path=ppt/slides/slide8.xml><?xml version="1.0" encoding="utf-8"?>
 <p:sld xmlns:a="http://schemas.openxmlformats.org/drawingml/2006/main" xmlns:r="http://schemas.openxmlformats.org/officeDocument/2006/relationships" xmlns:p="http://schemas.openxmlformats.org/presentationml/2006/main">
   <p:cSld>
     <p:spTree>
@@ -24784,7 +26814,7 @@
 </p:sld>
 </file>
 
-<file path=ppt/slides/slide8.xml><?xml version="1.0" encoding="utf-8"?>
+<file path=ppt/slides/slide9.xml><?xml version="1.0" encoding="utf-8"?>
 <p:sld xmlns:a="http://schemas.openxmlformats.org/drawingml/2006/main" xmlns:r="http://schemas.openxmlformats.org/officeDocument/2006/relationships" xmlns:p="http://schemas.openxmlformats.org/presentationml/2006/main">
   <p:cSld>
     <p:spTree>
@@ -25378,396 +27408,6 @@
 </p:sld>
 </file>
 
-<file path=ppt/slides/slide9.xml><?xml version="1.0" encoding="utf-8"?>
-<p:sld xmlns:a="http://schemas.openxmlformats.org/drawingml/2006/main" xmlns:r="http://schemas.openxmlformats.org/officeDocument/2006/relationships" xmlns:p="http://schemas.openxmlformats.org/presentationml/2006/main">
-  <p:cSld>
-    <p:spTree>
-      <p:nvGrpSpPr>
-        <p:cNvPr id="1" name=""/>
-        <p:cNvGrpSpPr/>
-        <p:nvPr/>
-      </p:nvGrpSpPr>
-      <p:grpSpPr>
-        <a:xfrm>
-          <a:off x="0" y="0"/>
-          <a:ext cx="0" cy="0"/>
-          <a:chOff x="0" y="0"/>
-          <a:chExt cx="0" cy="0"/>
-        </a:xfrm>
-      </p:grpSpPr>
-      <p:sp>
-        <p:nvSpPr>
-          <p:cNvPr id="2" name="矩形 1"/>
-          <p:cNvSpPr/>
-          <p:nvPr/>
-        </p:nvSpPr>
-        <p:spPr>
-          <a:xfrm>
-            <a:off x="636270" y="469265"/>
-            <a:ext cx="7841615" cy="4205605"/>
-          </a:xfrm>
-          <a:prstGeom prst="rect">
-            <a:avLst/>
-          </a:prstGeom>
-          <a:ln>
-            <a:noFill/>
-          </a:ln>
-        </p:spPr>
-        <p:style>
-          <a:lnRef idx="2">
-            <a:schemeClr val="accent1">
-              <a:shade val="50000"/>
-            </a:schemeClr>
-          </a:lnRef>
-          <a:fillRef idx="1">
-            <a:schemeClr val="accent1"/>
-          </a:fillRef>
-          <a:effectRef idx="0">
-            <a:schemeClr val="accent1"/>
-          </a:effectRef>
-          <a:fontRef idx="minor">
-            <a:schemeClr val="lt1"/>
-          </a:fontRef>
-        </p:style>
-        <p:txBody>
-          <a:bodyPr rtlCol="0" anchor="ctr"/>
-          <a:lstStyle/>
-          <a:p>
-            <a:pPr algn="ctr"/>
-            <a:endParaRPr lang="en-US" altLang="zh-CN"/>
-          </a:p>
-        </p:txBody>
-      </p:sp>
-      <p:grpSp>
-        <p:nvGrpSpPr>
-          <p:cNvPr id="7" name="组合 6"/>
-          <p:cNvGrpSpPr/>
-          <p:nvPr/>
-        </p:nvGrpSpPr>
-        <p:grpSpPr>
-          <a:xfrm>
-            <a:off x="1238885" y="1497330"/>
-            <a:ext cx="6636385" cy="2236470"/>
-            <a:chOff x="8917" y="2358"/>
-            <a:chExt cx="4831" cy="3522"/>
-          </a:xfrm>
-        </p:grpSpPr>
-        <p:sp>
-          <p:nvSpPr>
-            <p:cNvPr id="4" name="矩形 3"/>
-            <p:cNvSpPr/>
-            <p:nvPr/>
-          </p:nvSpPr>
-          <p:spPr>
-            <a:xfrm>
-              <a:off x="8917" y="2358"/>
-              <a:ext cx="3845" cy="1210"/>
-            </a:xfrm>
-            <a:prstGeom prst="rect">
-              <a:avLst/>
-            </a:prstGeom>
-          </p:spPr>
-          <p:txBody>
-            <a:bodyPr wrap="square">
-              <a:spAutoFit/>
-            </a:bodyPr>
-            <a:lstStyle/>
-            <a:p>
-              <a:pPr lvl="0" fontAlgn="base">
-                <a:spcBef>
-                  <a:spcPct val="0"/>
-                </a:spcBef>
-                <a:spcAft>
-                  <a:spcPct val="0"/>
-                </a:spcAft>
-              </a:pPr>
-              <a:r>
-                <a:rPr lang="zh-CN" altLang="en-US" sz="4400">
-                  <a:solidFill>
-                    <a:schemeClr val="bg1"/>
-                  </a:solidFill>
-                  <a:latin typeface="微软雅黑" panose="020B0503020204020204" pitchFamily="34" charset="-122"/>
-                  <a:ea typeface="微软雅黑" panose="020B0503020204020204" pitchFamily="34" charset="-122"/>
-                  <a:sym typeface="Calibri" panose="020F0502020204030204" pitchFamily="34" charset="0"/>
-                </a:rPr>
-                <a:t>预加载使用代理好处</a:t>
-              </a:r>
-              <a:endParaRPr lang="zh-CN" altLang="en-US" sz="4400">
-                <a:solidFill>
-                  <a:schemeClr val="bg1"/>
-                </a:solidFill>
-                <a:latin typeface="微软雅黑" panose="020B0503020204020204" pitchFamily="34" charset="-122"/>
-                <a:ea typeface="微软雅黑" panose="020B0503020204020204" pitchFamily="34" charset="-122"/>
-                <a:sym typeface="Calibri" panose="020F0502020204030204" pitchFamily="34" charset="0"/>
-              </a:endParaRPr>
-            </a:p>
-          </p:txBody>
-        </p:sp>
-        <p:sp>
-          <p:nvSpPr>
-            <p:cNvPr id="6" name="Rectangle 15" descr="e7d195523061f1c09e9d68d7cf438b91ef959ecb14fc25d26BBA7F7DBC18E55DFF4014AF651F0BF2569D4B6C1DA7F1A4683A481403BD872FC687266AD13265C1DE7C373772FD8728ABDD69ADD03BFF5BE2862BC891DBB79E43A8244B4D7DEEF5A1BFB79ED4015C912F9C8B85E44C1E1FAF45D4C71B4D8047555824264C2F16A606196D84073B0BC612CE1BA227542E4A"/>
-            <p:cNvSpPr>
-              <a:spLocks noChangeArrowheads="1"/>
-            </p:cNvSpPr>
-            <p:nvPr/>
-          </p:nvSpPr>
-          <p:spPr bwMode="auto">
-            <a:xfrm>
-              <a:off x="8917" y="4210"/>
-              <a:ext cx="4831" cy="1670"/>
-            </a:xfrm>
-            <a:prstGeom prst="rect">
-              <a:avLst/>
-            </a:prstGeom>
-            <a:noFill/>
-            <a:ln>
-              <a:noFill/>
-            </a:ln>
-            <a:extLst>
-              <a:ext uri="{909E8E84-426E-40DD-AFC4-6F175D3DCCD1}">
-                <a14:hiddenFill xmlns:a14="http://schemas.microsoft.com/office/drawing/2010/main">
-                  <a:solidFill>
-                    <a:srgbClr val="FFFFFF"/>
-                  </a:solidFill>
-                </a14:hiddenFill>
-              </a:ext>
-              <a:ext uri="{91240B29-F687-4F45-9708-019B960494DF}">
-                <a14:hiddenLine xmlns:a14="http://schemas.microsoft.com/office/drawing/2010/main" w="9525">
-                  <a:solidFill>
-                    <a:srgbClr val="000000"/>
-                  </a:solidFill>
-                  <a:miter lim="800000"/>
-                  <a:headEnd/>
-                  <a:tailEnd/>
-                </a14:hiddenLine>
-              </a:ext>
-            </a:extLst>
-          </p:spPr>
-          <p:txBody>
-            <a:bodyPr wrap="square">
-              <a:spAutoFit/>
-            </a:bodyPr>
-            <a:lstStyle>
-              <a:lvl1pPr>
-                <a:defRPr sz="1300">
-                  <a:solidFill>
-                    <a:schemeClr val="tx1"/>
-                  </a:solidFill>
-                  <a:latin typeface="Arial" panose="020B0604020202020204" pitchFamily="34" charset="0"/>
-                  <a:ea typeface="微软雅黑" panose="020B0503020204020204" pitchFamily="34" charset="-122"/>
-                </a:defRPr>
-              </a:lvl1pPr>
-              <a:lvl2pPr marL="742950" indent="-285750">
-                <a:defRPr sz="1300">
-                  <a:solidFill>
-                    <a:schemeClr val="tx1"/>
-                  </a:solidFill>
-                  <a:latin typeface="Arial" panose="020B0604020202020204" pitchFamily="34" charset="0"/>
-                  <a:ea typeface="微软雅黑" panose="020B0503020204020204" pitchFamily="34" charset="-122"/>
-                </a:defRPr>
-              </a:lvl2pPr>
-              <a:lvl3pPr marL="1143000" indent="-228600">
-                <a:defRPr sz="1300">
-                  <a:solidFill>
-                    <a:schemeClr val="tx1"/>
-                  </a:solidFill>
-                  <a:latin typeface="Arial" panose="020B0604020202020204" pitchFamily="34" charset="0"/>
-                  <a:ea typeface="微软雅黑" panose="020B0503020204020204" pitchFamily="34" charset="-122"/>
-                </a:defRPr>
-              </a:lvl3pPr>
-              <a:lvl4pPr marL="1600200" indent="-228600">
-                <a:defRPr sz="1300">
-                  <a:solidFill>
-                    <a:schemeClr val="tx1"/>
-                  </a:solidFill>
-                  <a:latin typeface="Arial" panose="020B0604020202020204" pitchFamily="34" charset="0"/>
-                  <a:ea typeface="微软雅黑" panose="020B0503020204020204" pitchFamily="34" charset="-122"/>
-                </a:defRPr>
-              </a:lvl4pPr>
-              <a:lvl5pPr marL="2057400" indent="-228600">
-                <a:defRPr sz="1300">
-                  <a:solidFill>
-                    <a:schemeClr val="tx1"/>
-                  </a:solidFill>
-                  <a:latin typeface="Arial" panose="020B0604020202020204" pitchFamily="34" charset="0"/>
-                  <a:ea typeface="微软雅黑" panose="020B0503020204020204" pitchFamily="34" charset="-122"/>
-                </a:defRPr>
-              </a:lvl5pPr>
-              <a:lvl6pPr marL="2514600" indent="-228600" eaLnBrk="0" fontAlgn="base" hangingPunct="0">
-                <a:spcBef>
-                  <a:spcPct val="0"/>
-                </a:spcBef>
-                <a:spcAft>
-                  <a:spcPct val="0"/>
-                </a:spcAft>
-                <a:defRPr sz="1300">
-                  <a:solidFill>
-                    <a:schemeClr val="tx1"/>
-                  </a:solidFill>
-                  <a:latin typeface="Arial" panose="020B0604020202020204" pitchFamily="34" charset="0"/>
-                  <a:ea typeface="微软雅黑" panose="020B0503020204020204" pitchFamily="34" charset="-122"/>
-                </a:defRPr>
-              </a:lvl6pPr>
-              <a:lvl7pPr marL="2971800" indent="-228600" eaLnBrk="0" fontAlgn="base" hangingPunct="0">
-                <a:spcBef>
-                  <a:spcPct val="0"/>
-                </a:spcBef>
-                <a:spcAft>
-                  <a:spcPct val="0"/>
-                </a:spcAft>
-                <a:defRPr sz="1300">
-                  <a:solidFill>
-                    <a:schemeClr val="tx1"/>
-                  </a:solidFill>
-                  <a:latin typeface="Arial" panose="020B0604020202020204" pitchFamily="34" charset="0"/>
-                  <a:ea typeface="微软雅黑" panose="020B0503020204020204" pitchFamily="34" charset="-122"/>
-                </a:defRPr>
-              </a:lvl7pPr>
-              <a:lvl8pPr marL="3429000" indent="-228600" eaLnBrk="0" fontAlgn="base" hangingPunct="0">
-                <a:spcBef>
-                  <a:spcPct val="0"/>
-                </a:spcBef>
-                <a:spcAft>
-                  <a:spcPct val="0"/>
-                </a:spcAft>
-                <a:defRPr sz="1300">
-                  <a:solidFill>
-                    <a:schemeClr val="tx1"/>
-                  </a:solidFill>
-                  <a:latin typeface="Arial" panose="020B0604020202020204" pitchFamily="34" charset="0"/>
-                  <a:ea typeface="微软雅黑" panose="020B0503020204020204" pitchFamily="34" charset="-122"/>
-                </a:defRPr>
-              </a:lvl8pPr>
-              <a:lvl9pPr marL="3886200" indent="-228600" eaLnBrk="0" fontAlgn="base" hangingPunct="0">
-                <a:spcBef>
-                  <a:spcPct val="0"/>
-                </a:spcBef>
-                <a:spcAft>
-                  <a:spcPct val="0"/>
-                </a:spcAft>
-                <a:defRPr sz="1300">
-                  <a:solidFill>
-                    <a:schemeClr val="tx1"/>
-                  </a:solidFill>
-                  <a:latin typeface="Arial" panose="020B0604020202020204" pitchFamily="34" charset="0"/>
-                  <a:ea typeface="微软雅黑" panose="020B0503020204020204" pitchFamily="34" charset="-122"/>
-                </a:defRPr>
-              </a:lvl9pPr>
-            </a:lstStyle>
-            <a:p>
-              <a:pPr defTabSz="914400">
-                <a:lnSpc>
-                  <a:spcPct val="150000"/>
-                </a:lnSpc>
-                <a:defRPr/>
-              </a:pPr>
-              <a:r>
-                <a:rPr lang="zh-CN" altLang="en-US" sz="1400">
-                  <a:solidFill>
-                    <a:schemeClr val="bg1"/>
-                  </a:solidFill>
-                  <a:latin typeface="+mn-lt"/>
-                </a:rPr>
-                <a:t>当</a:t>
-              </a:r>
-              <a:r>
-                <a:rPr lang="en-US" altLang="zh-CN" sz="1400">
-                  <a:solidFill>
-                    <a:schemeClr val="bg1"/>
-                  </a:solidFill>
-                  <a:latin typeface="+mn-lt"/>
-                </a:rPr>
-                <a:t>myImage</a:t>
-              </a:r>
-              <a:r>
-                <a:rPr lang="zh-CN" altLang="en-US" sz="1400">
-                  <a:solidFill>
-                    <a:schemeClr val="bg1"/>
-                  </a:solidFill>
-                  <a:latin typeface="+mn-lt"/>
-                </a:rPr>
-                <a:t>对象除了负责给</a:t>
-              </a:r>
-              <a:r>
-                <a:rPr lang="en-US" altLang="zh-CN" sz="1400">
-                  <a:solidFill>
-                    <a:schemeClr val="bg1"/>
-                  </a:solidFill>
-                  <a:latin typeface="+mn-lt"/>
-                </a:rPr>
-                <a:t>img</a:t>
-              </a:r>
-              <a:r>
-                <a:rPr lang="zh-CN" altLang="en-US" sz="1400">
-                  <a:solidFill>
-                    <a:schemeClr val="bg1"/>
-                  </a:solidFill>
-                  <a:latin typeface="+mn-lt"/>
-                </a:rPr>
-                <a:t>节点设置</a:t>
-              </a:r>
-              <a:r>
-                <a:rPr lang="en-US" altLang="zh-CN" sz="1400">
-                  <a:solidFill>
-                    <a:schemeClr val="bg1"/>
-                  </a:solidFill>
-                  <a:latin typeface="+mn-lt"/>
-                </a:rPr>
-                <a:t>src</a:t>
-              </a:r>
-              <a:r>
-                <a:rPr lang="zh-CN" altLang="en-US" sz="1400">
-                  <a:solidFill>
-                    <a:schemeClr val="bg1"/>
-                  </a:solidFill>
-                  <a:latin typeface="+mn-lt"/>
-                </a:rPr>
-                <a:t>属性，还要实现图片预加载时，这两件事就耦合在了一起，当网速够快我们不需要预加载功能时，不可避免去改动</a:t>
-              </a:r>
-              <a:r>
-                <a:rPr lang="en-US" altLang="zh-CN" sz="1400">
-                  <a:solidFill>
-                    <a:schemeClr val="bg1"/>
-                  </a:solidFill>
-                  <a:latin typeface="+mn-lt"/>
-                </a:rPr>
-                <a:t>myImage</a:t>
-              </a:r>
-              <a:r>
-                <a:rPr lang="zh-CN" altLang="en-US" sz="1400">
-                  <a:solidFill>
-                    <a:schemeClr val="bg1"/>
-                  </a:solidFill>
-                  <a:latin typeface="+mn-lt"/>
-                </a:rPr>
-                <a:t>对象。然而使用代理模式，只需将请求代理改为请求本体即可。</a:t>
-              </a:r>
-              <a:endParaRPr lang="zh-CN" altLang="en-US" sz="1400">
-                <a:solidFill>
-                  <a:schemeClr val="bg1"/>
-                </a:solidFill>
-                <a:latin typeface="+mn-lt"/>
-              </a:endParaRPr>
-            </a:p>
-          </p:txBody>
-        </p:sp>
-      </p:grpSp>
-    </p:spTree>
-  </p:cSld>
-  <p:clrMapOvr>
-    <a:masterClrMapping/>
-  </p:clrMapOvr>
-  <mc:AlternateContent xmlns:mc="http://schemas.openxmlformats.org/markup-compatibility/2006">
-    <mc:Choice xmlns:p14="http://schemas.microsoft.com/office/powerpoint/2010/main" Requires="p14">
-      <p:transition spd="slow" p14:dur="2000"/>
-    </mc:Choice>
-    <mc:Fallback>
-      <p:transition spd="slow"/>
-    </mc:Fallback>
-  </mc:AlternateContent>
-</p:sld>
-</file>
-
 <file path=ppt/tags/tag1.xml><?xml version="1.0" encoding="utf-8"?>
 <p:tagLst xmlns:p="http://schemas.openxmlformats.org/presentationml/2006/main">
   <p:tag name="KSO_WM_TEMPLATE_TOPIC_ID" val="2806177"/>
@@ -25803,12 +27443,6 @@
 </file>
 
 <file path=ppt/tags/tag6.xml><?xml version="1.0" encoding="utf-8"?>
-<p:tagLst xmlns:p="http://schemas.openxmlformats.org/presentationml/2006/main">
-  <p:tag name="PA" val="v4.1.1"/>
-</p:tagLst>
-</file>
-
-<file path=ppt/tags/tag7.xml><?xml version="1.0" encoding="utf-8"?>
 <p:tagLst xmlns:p="http://schemas.openxmlformats.org/presentationml/2006/main">
   <p:tag name="PA" val="v4.1.1"/>
 </p:tagLst>

--- a/doc/设计模式.pptx
+++ b/doc/设计模式.pptx
@@ -8582,7 +8582,7 @@
         </p:nvSpPr>
         <p:spPr>
           <a:xfrm>
-            <a:off x="0" y="864870"/>
+            <a:off x="0" y="874395"/>
             <a:ext cx="9144000" cy="3413760"/>
           </a:xfrm>
           <a:prstGeom prst="rect">
@@ -8753,7 +8753,7 @@
         <p:spPr>
           <a:xfrm>
             <a:off x="3733800" y="1704340"/>
-            <a:ext cx="4271645" cy="1198880"/>
+            <a:ext cx="4271645" cy="1568450"/>
           </a:xfrm>
           <a:prstGeom prst="rect">
             <a:avLst/>
@@ -8784,7 +8784,23 @@
                   <a:schemeClr val="bg1"/>
                 </a:solidFill>
               </a:rPr>
-              <a:t>缓存代理可以为一些开销很大的运算结果提供缓存，在下次运算时，如参数一致，则可以返回之前的存储结果。</a:t>
+              <a:t>缓存代理可以为一些开销很大的运算结果提供缓存，在下次运算时，如参数一致，则可以返回之前的存储结果，这使得计算类能专注自身职责。（符合</a:t>
+            </a:r>
+            <a:r>
+              <a:rPr lang="zh-CN" altLang="en-US" sz="1600">
+                <a:solidFill>
+                  <a:schemeClr val="bg1"/>
+                </a:solidFill>
+              </a:rPr>
+              <a:t>单一职责原则</a:t>
+            </a:r>
+            <a:r>
+              <a:rPr lang="zh-CN" altLang="en-US" sz="1600">
+                <a:solidFill>
+                  <a:schemeClr val="bg1"/>
+                </a:solidFill>
+              </a:rPr>
+              <a:t>）</a:t>
             </a:r>
             <a:endParaRPr lang="zh-CN" altLang="en-US" sz="1600">
               <a:solidFill>
@@ -15378,7 +15394,18 @@
                   </a:schemeClr>
                 </a:solidFill>
               </a:rPr>
-              <a:t>小明去中介留下联系电话及需求，等待消息。</a:t>
+              <a:t>小明去售楼处</a:t>
+            </a:r>
+            <a:r>
+              <a:rPr lang="zh-CN" altLang="en-US" sz="1050">
+                <a:solidFill>
+                  <a:schemeClr val="tx1">
+                    <a:lumMod val="75000"/>
+                    <a:lumOff val="25000"/>
+                  </a:schemeClr>
+                </a:solidFill>
+              </a:rPr>
+              <a:t>留下联系电话及需求，等待消息。</a:t>
             </a:r>
             <a:endParaRPr lang="zh-CN" altLang="en-US" sz="1050">
               <a:solidFill>
@@ -15609,7 +15636,7 @@
                   </a:schemeClr>
                 </a:solidFill>
               </a:rPr>
-              <a:t>平米的小房子别来骚扰我</a:t>
+              <a:t>平米的小房子别来骚扰我。</a:t>
             </a:r>
             <a:endParaRPr lang="zh-CN" altLang="en-US" sz="1050">
               <a:solidFill>
@@ -18604,36 +18631,6 @@
                 </a:rPr>
                 <a:t>子类可以扩展父类的功能，但不能改变父类原有的功能。</a:t>
               </a:r>
-              <a:r>
-                <a:rPr lang="en-US" altLang="zh-CN" sz="1200" kern="0">
-                  <a:solidFill>
-                    <a:srgbClr val="4A5D50"/>
-                  </a:solidFill>
-                  <a:ea typeface="宋体" panose="02010600030101010101" pitchFamily="2" charset="-122"/>
-                  <a:cs typeface="Arial" panose="020B0604020202020204" pitchFamily="34" charset="0"/>
-                </a:rPr>
-                <a:t>(</a:t>
-              </a:r>
-              <a:r>
-                <a:rPr lang="zh-CN" altLang="en-US" sz="1200" kern="0">
-                  <a:solidFill>
-                    <a:srgbClr val="4A5D50"/>
-                  </a:solidFill>
-                  <a:ea typeface="宋体" panose="02010600030101010101" pitchFamily="2" charset="-122"/>
-                  <a:cs typeface="Arial" panose="020B0604020202020204" pitchFamily="34" charset="0"/>
-                </a:rPr>
-                <a:t>教训爸爸呀</a:t>
-              </a:r>
-              <a:r>
-                <a:rPr lang="en-US" altLang="zh-CN" sz="1200" kern="0">
-                  <a:solidFill>
-                    <a:srgbClr val="4A5D50"/>
-                  </a:solidFill>
-                  <a:ea typeface="宋体" panose="02010600030101010101" pitchFamily="2" charset="-122"/>
-                  <a:cs typeface="Arial" panose="020B0604020202020204" pitchFamily="34" charset="0"/>
-                </a:rPr>
-                <a:t>)</a:t>
-              </a:r>
               <a:endParaRPr lang="en-US" altLang="zh-CN" sz="1200" kern="0">
                 <a:solidFill>
                   <a:srgbClr val="4A5D50"/>
@@ -19652,9 +19649,9 @@
         <p:grpSpPr>
           <a:xfrm>
             <a:off x="3679190" y="1205865"/>
-            <a:ext cx="4653280" cy="2031466"/>
+            <a:ext cx="4653280" cy="2329919"/>
             <a:chOff x="8785" y="2752"/>
-            <a:chExt cx="5455" cy="2253"/>
+            <a:chExt cx="5455" cy="2584"/>
           </a:xfrm>
         </p:grpSpPr>
         <p:sp>
@@ -19826,7 +19823,7 @@
                   <a:ea typeface="微软雅黑" panose="020B0503020204020204" pitchFamily="34" charset="-122"/>
                   <a:sym typeface="Calibri" panose="020F0502020204030204" pitchFamily="34" charset="0"/>
                 </a:rPr>
-                <a:t>拓展页</a:t>
+                <a:t>学习心得</a:t>
               </a:r>
               <a:endParaRPr lang="zh-CN" altLang="en-US" sz="3200">
                 <a:solidFill>
@@ -19849,8 +19846,8 @@
           </p:nvSpPr>
           <p:spPr bwMode="auto">
             <a:xfrm>
-              <a:off x="8816" y="4366"/>
-              <a:ext cx="5423" cy="639"/>
+              <a:off x="8817" y="4160"/>
+              <a:ext cx="5423" cy="1176"/>
             </a:xfrm>
             <a:prstGeom prst="rect">
               <a:avLst/>
@@ -19998,20 +19995,31 @@
                 <a:defRPr/>
               </a:pPr>
               <a:r>
-                <a:rPr lang="en-US" altLang="zh-CN" sz="1050">
+                <a:rPr lang="en-US" altLang="zh-CN" sz="1400">
                   <a:solidFill>
                     <a:prstClr val="white"/>
                   </a:solidFill>
                   <a:latin typeface="Calibri Light" panose="020F0302020204030204"/>
                   <a:sym typeface="+mn-ea"/>
                 </a:rPr>
-                <a:t>Lorem ipsum dolor sit amet, consectetur adipiscing elit. Quisque ultrices venenatis ultrices. Duis et lectus sapien. Etiam tempor sodales gravida. </a:t>
+                <a:t>        </a:t>
               </a:r>
-              <a:endParaRPr lang="vi-VN" altLang="zh-CN" sz="1050">
-                <a:solidFill>
-                  <a:schemeClr val="bg1"/>
-                </a:solidFill>
-                <a:latin typeface="+mn-lt"/>
+              <a:r>
+                <a:rPr lang="zh-CN" altLang="en-US" sz="1400">
+                  <a:solidFill>
+                    <a:prstClr val="white"/>
+                  </a:solidFill>
+                  <a:latin typeface="Calibri Light" panose="020F0302020204030204"/>
+                  <a:sym typeface="+mn-ea"/>
+                </a:rPr>
+                <a:t>别人的代码就是一笔财富，看不懂不是痛点，而是一次提升自己的机会，多研究、编写、思考他人代码结构，会获得极大的提升。</a:t>
+              </a:r>
+              <a:endParaRPr lang="zh-CN" altLang="en-US" sz="1400">
+                <a:solidFill>
+                  <a:prstClr val="white"/>
+                </a:solidFill>
+                <a:latin typeface="Calibri Light" panose="020F0302020204030204"/>
+                <a:sym typeface="+mn-ea"/>
               </a:endParaRPr>
             </a:p>
           </p:txBody>
@@ -27139,7 +27147,11 @@
             <a:pPr algn="ctr"/>
             <a:r>
               <a:rPr lang="zh-CN" altLang="en-US"/>
-              <a:t>请去图片</a:t>
+              <a:t>请求</a:t>
+            </a:r>
+            <a:r>
+              <a:rPr lang="zh-CN" altLang="en-US"/>
+              <a:t>图片</a:t>
             </a:r>
             <a:endParaRPr lang="zh-CN" altLang="en-US"/>
           </a:p>
